--- a/docs/projeto-docker-pentaho-cenipa.pptx
+++ b/docs/projeto-docker-pentaho-cenipa.pptx
@@ -1026,8 +1026,8 @@
         <a:lstStyle/>
         <a:p>
           <a:r>
-            <a:rPr lang="pt-BR" sz="1600" dirty="0" smtClean="0"/>
-            <a:t>Desenvolvimento</a:t>
+            <a:rPr lang="pt-BR" sz="1600" dirty="0" err="1" smtClean="0"/>
+            <a:t>Development</a:t>
           </a:r>
           <a:endParaRPr lang="pt-BR" sz="1600" dirty="0"/>
         </a:p>
@@ -1068,7 +1068,11 @@
         <a:p>
           <a:r>
             <a:rPr lang="pt-BR" sz="1600" dirty="0" smtClean="0"/>
-            <a:t>Modelagem Dimensional</a:t>
+            <a:t>Dimensional </a:t>
+          </a:r>
+          <a:r>
+            <a:rPr lang="pt-BR" sz="1600" dirty="0" err="1" smtClean="0"/>
+            <a:t>Modeling</a:t>
           </a:r>
           <a:endParaRPr lang="pt-BR" sz="1600" dirty="0"/>
         </a:p>
@@ -1111,7 +1115,7 @@
         <a:p>
           <a:r>
             <a:rPr lang="pt-BR" sz="1600" dirty="0" smtClean="0"/>
-            <a:t>Análises OLAP</a:t>
+            <a:t>OLAP</a:t>
           </a:r>
           <a:endParaRPr lang="pt-BR" sz="1600" dirty="0"/>
         </a:p>
@@ -1153,8 +1157,8 @@
         <a:lstStyle/>
         <a:p>
           <a:r>
-            <a:rPr lang="pt-BR" sz="1600" dirty="0" smtClean="0"/>
-            <a:t>Visualização</a:t>
+            <a:rPr lang="pt-BR" sz="1600" dirty="0" err="1" smtClean="0"/>
+            <a:t>Visualization</a:t>
           </a:r>
           <a:endParaRPr lang="pt-BR" sz="1600" dirty="0"/>
         </a:p>
@@ -1196,8 +1200,16 @@
         <a:lstStyle/>
         <a:p>
           <a:r>
+            <a:rPr lang="pt-BR" sz="1600" dirty="0" err="1" smtClean="0"/>
+            <a:t>Requirements</a:t>
+          </a:r>
+          <a:r>
             <a:rPr lang="pt-BR" sz="1600" dirty="0" smtClean="0"/>
-            <a:t>Análise de Requisitos</a:t>
+            <a:t> </a:t>
+          </a:r>
+          <a:r>
+            <a:rPr lang="pt-BR" sz="1600" dirty="0" err="1" smtClean="0"/>
+            <a:t>Analysis</a:t>
           </a:r>
           <a:endParaRPr lang="pt-BR" sz="1600" dirty="0"/>
         </a:p>
@@ -1435,7 +1447,7 @@
   <dgm:whole/>
   <dgm:extLst>
     <a:ext uri="http://schemas.microsoft.com/office/drawing/2008/diagram">
-      <dsp:dataModelExt xmlns:dsp="http://schemas.microsoft.com/office/drawing/2008/diagram" relId="rId6" minVer="http://schemas.openxmlformats.org/drawingml/2006/diagram"/>
+      <dsp:dataModelExt xmlns:dsp="http://schemas.microsoft.com/office/drawing/2008/diagram" relId="rId7" minVer="http://schemas.openxmlformats.org/drawingml/2006/diagram"/>
     </a:ext>
   </dgm:extLst>
 </dgm:dataModel>
@@ -1498,8 +1510,8 @@
             </a:spcAft>
           </a:pPr>
           <a:r>
-            <a:rPr lang="pt-BR" sz="1600" kern="1200" dirty="0" smtClean="0"/>
-            <a:t>Desenvolvimento</a:t>
+            <a:rPr lang="pt-BR" sz="1600" kern="1200" dirty="0" err="1" smtClean="0"/>
+            <a:t>Development</a:t>
           </a:r>
           <a:endParaRPr lang="pt-BR" sz="1600" kern="1200" dirty="0"/>
         </a:p>
@@ -1610,7 +1622,11 @@
           </a:pPr>
           <a:r>
             <a:rPr lang="pt-BR" sz="1600" kern="1200" dirty="0" smtClean="0"/>
-            <a:t>Modelagem Dimensional</a:t>
+            <a:t>Dimensional </a:t>
+          </a:r>
+          <a:r>
+            <a:rPr lang="pt-BR" sz="1600" kern="1200" dirty="0" err="1" smtClean="0"/>
+            <a:t>Modeling</a:t>
           </a:r>
           <a:endParaRPr lang="pt-BR" sz="1600" kern="1200" dirty="0"/>
         </a:p>
@@ -1723,7 +1739,7 @@
           </a:pPr>
           <a:r>
             <a:rPr lang="pt-BR" sz="1600" kern="1200" dirty="0" smtClean="0"/>
-            <a:t>Análises OLAP</a:t>
+            <a:t>OLAP</a:t>
           </a:r>
           <a:endParaRPr lang="pt-BR" sz="1600" kern="1200" dirty="0"/>
         </a:p>
@@ -1835,8 +1851,8 @@
             </a:spcAft>
           </a:pPr>
           <a:r>
-            <a:rPr lang="pt-BR" sz="1600" kern="1200" dirty="0" smtClean="0"/>
-            <a:t>Visualização</a:t>
+            <a:rPr lang="pt-BR" sz="1600" kern="1200" dirty="0" err="1" smtClean="0"/>
+            <a:t>Visualization</a:t>
           </a:r>
           <a:endParaRPr lang="pt-BR" sz="1600" kern="1200" dirty="0"/>
         </a:p>
@@ -1948,8 +1964,16 @@
             </a:spcAft>
           </a:pPr>
           <a:r>
+            <a:rPr lang="pt-BR" sz="1600" kern="1200" dirty="0" err="1" smtClean="0"/>
+            <a:t>Requirements</a:t>
+          </a:r>
+          <a:r>
             <a:rPr lang="pt-BR" sz="1600" kern="1200" dirty="0" smtClean="0"/>
-            <a:t>Análise de Requisitos</a:t>
+            <a:t> </a:t>
+          </a:r>
+          <a:r>
+            <a:rPr lang="pt-BR" sz="1600" kern="1200" dirty="0" err="1" smtClean="0"/>
+            <a:t>Analysis</a:t>
           </a:r>
           <a:endParaRPr lang="pt-BR" sz="1600" kern="1200" dirty="0"/>
         </a:p>
@@ -3330,7 +3354,7 @@
           <a:p>
             <a:fld id="{80D7966B-EEAB-4955-AA39-1BEA29C08D2D}" type="datetimeFigureOut">
               <a:rPr lang="pt-BR" smtClean="0"/>
-              <a:t>29/10/2015</a:t>
+              <a:t>01/03/2016</a:t>
             </a:fld>
             <a:endParaRPr lang="pt-BR"/>
           </a:p>
@@ -3642,41 +3666,6 @@
           <a:bodyPr/>
           <a:lstStyle/>
           <a:p>
-            <a:r>
-              <a:rPr lang="pt-BR" dirty="0" smtClean="0"/>
-              <a:t>Bo</a:t>
-            </a:r>
-            <a:r>
-              <a:rPr lang="pt-BR" baseline="0" dirty="0" smtClean="0"/>
-              <a:t>a noite, pessoal.</a:t>
-            </a:r>
-          </a:p>
-          <a:p>
-            <a:endParaRPr lang="pt-BR" baseline="0" dirty="0" smtClean="0"/>
-          </a:p>
-          <a:p>
-            <a:r>
-              <a:rPr lang="pt-BR" baseline="0" dirty="0" smtClean="0"/>
-              <a:t>Obrigado a todos pela presença!</a:t>
-            </a:r>
-          </a:p>
-          <a:p>
-            <a:endParaRPr lang="pt-BR" baseline="0" dirty="0" smtClean="0"/>
-          </a:p>
-          <a:p>
-            <a:r>
-              <a:rPr lang="pt-BR" baseline="0" dirty="0" smtClean="0"/>
-              <a:t>Espero que esta apresentação seja útil para despertar o interesse no assunto e motivar que mais trabalhos sejam realizados.</a:t>
-            </a:r>
-          </a:p>
-          <a:p>
-            <a:endParaRPr lang="pt-BR" baseline="0" dirty="0" smtClean="0"/>
-          </a:p>
-          <a:p>
-            <a:r>
-              <a:rPr lang="pt-BR" baseline="0" dirty="0" smtClean="0"/>
-              <a:t>O proposta aqui é mostrar um projeto, com todas as etapas, desde o desenvolvimento até a implantação.</a:t>
-            </a:r>
             <a:endParaRPr lang="pt-BR" dirty="0"/>
           </a:p>
         </p:txBody>
@@ -3708,6 +3697,90 @@
     <p:extLst>
       <p:ext uri="{BB962C8B-B14F-4D97-AF65-F5344CB8AC3E}">
         <p14:creationId xmlns:p14="http://schemas.microsoft.com/office/powerpoint/2010/main" val="874204674"/>
+      </p:ext>
+    </p:extLst>
+  </p:cSld>
+  <p:clrMapOvr>
+    <a:masterClrMapping/>
+  </p:clrMapOvr>
+</p:notes>
+</file>
+
+<file path=ppt/notesSlides/notesSlide2.xml><?xml version="1.0" encoding="utf-8"?>
+<p:notes xmlns:a="http://schemas.openxmlformats.org/drawingml/2006/main" xmlns:r="http://schemas.openxmlformats.org/officeDocument/2006/relationships" xmlns:p="http://schemas.openxmlformats.org/presentationml/2006/main">
+  <p:cSld>
+    <p:spTree>
+      <p:nvGrpSpPr>
+        <p:cNvPr id="1" name=""/>
+        <p:cNvGrpSpPr/>
+        <p:nvPr/>
+      </p:nvGrpSpPr>
+      <p:grpSpPr>
+        <a:xfrm>
+          <a:off x="0" y="0"/>
+          <a:ext cx="0" cy="0"/>
+          <a:chOff x="0" y="0"/>
+          <a:chExt cx="0" cy="0"/>
+        </a:xfrm>
+      </p:grpSpPr>
+      <p:sp>
+        <p:nvSpPr>
+          <p:cNvPr id="2" name="Espaço Reservado para Imagem de Slide 1"/>
+          <p:cNvSpPr>
+            <a:spLocks noGrp="1" noRot="1" noChangeAspect="1"/>
+          </p:cNvSpPr>
+          <p:nvPr>
+            <p:ph type="sldImg"/>
+          </p:nvPr>
+        </p:nvSpPr>
+        <p:spPr/>
+      </p:sp>
+      <p:sp>
+        <p:nvSpPr>
+          <p:cNvPr id="3" name="Espaço Reservado para Anotações 2"/>
+          <p:cNvSpPr>
+            <a:spLocks noGrp="1"/>
+          </p:cNvSpPr>
+          <p:nvPr>
+            <p:ph type="body" idx="1"/>
+          </p:nvPr>
+        </p:nvSpPr>
+        <p:spPr/>
+        <p:txBody>
+          <a:bodyPr/>
+          <a:lstStyle/>
+          <a:p>
+            <a:endParaRPr lang="pt-BR" dirty="0"/>
+          </a:p>
+        </p:txBody>
+      </p:sp>
+      <p:sp>
+        <p:nvSpPr>
+          <p:cNvPr id="4" name="Espaço Reservado para Número de Slide 3"/>
+          <p:cNvSpPr>
+            <a:spLocks noGrp="1"/>
+          </p:cNvSpPr>
+          <p:nvPr>
+            <p:ph type="sldNum" sz="quarter" idx="10"/>
+          </p:nvPr>
+        </p:nvSpPr>
+        <p:spPr/>
+        <p:txBody>
+          <a:bodyPr/>
+          <a:lstStyle/>
+          <a:p>
+            <a:fld id="{E20B57F7-F53A-47B0-BE9C-4E03EB4292C5}" type="slidenum">
+              <a:rPr lang="pt-BR" smtClean="0"/>
+              <a:t>4</a:t>
+            </a:fld>
+            <a:endParaRPr lang="pt-BR"/>
+          </a:p>
+        </p:txBody>
+      </p:sp>
+    </p:spTree>
+    <p:extLst>
+      <p:ext uri="{BB962C8B-B14F-4D97-AF65-F5344CB8AC3E}">
+        <p14:creationId xmlns:p14="http://schemas.microsoft.com/office/powerpoint/2010/main" val="1508335339"/>
       </p:ext>
     </p:extLst>
   </p:cSld>
@@ -3848,7 +3921,7 @@
           <a:p>
             <a:fld id="{CE4FFF74-BF01-4247-86D0-34B8A06DD2A9}" type="datetimeFigureOut">
               <a:rPr lang="pt-BR" smtClean="0"/>
-              <a:t>29/10/2015</a:t>
+              <a:t>01/03/2016</a:t>
             </a:fld>
             <a:endParaRPr lang="pt-BR"/>
           </a:p>
@@ -4018,7 +4091,7 @@
           <a:p>
             <a:fld id="{CE4FFF74-BF01-4247-86D0-34B8A06DD2A9}" type="datetimeFigureOut">
               <a:rPr lang="pt-BR" smtClean="0"/>
-              <a:t>29/10/2015</a:t>
+              <a:t>01/03/2016</a:t>
             </a:fld>
             <a:endParaRPr lang="pt-BR"/>
           </a:p>
@@ -4198,7 +4271,7 @@
           <a:p>
             <a:fld id="{CE4FFF74-BF01-4247-86D0-34B8A06DD2A9}" type="datetimeFigureOut">
               <a:rPr lang="pt-BR" smtClean="0"/>
-              <a:t>29/10/2015</a:t>
+              <a:t>01/03/2016</a:t>
             </a:fld>
             <a:endParaRPr lang="pt-BR"/>
           </a:p>
@@ -4368,7 +4441,7 @@
           <a:p>
             <a:fld id="{CE4FFF74-BF01-4247-86D0-34B8A06DD2A9}" type="datetimeFigureOut">
               <a:rPr lang="pt-BR" smtClean="0"/>
-              <a:t>29/10/2015</a:t>
+              <a:t>01/03/2016</a:t>
             </a:fld>
             <a:endParaRPr lang="pt-BR"/>
           </a:p>
@@ -4614,7 +4687,7 @@
           <a:p>
             <a:fld id="{CE4FFF74-BF01-4247-86D0-34B8A06DD2A9}" type="datetimeFigureOut">
               <a:rPr lang="pt-BR" smtClean="0"/>
-              <a:t>29/10/2015</a:t>
+              <a:t>01/03/2016</a:t>
             </a:fld>
             <a:endParaRPr lang="pt-BR"/>
           </a:p>
@@ -4846,7 +4919,7 @@
           <a:p>
             <a:fld id="{CE4FFF74-BF01-4247-86D0-34B8A06DD2A9}" type="datetimeFigureOut">
               <a:rPr lang="pt-BR" smtClean="0"/>
-              <a:t>29/10/2015</a:t>
+              <a:t>01/03/2016</a:t>
             </a:fld>
             <a:endParaRPr lang="pt-BR"/>
           </a:p>
@@ -5213,7 +5286,7 @@
           <a:p>
             <a:fld id="{CE4FFF74-BF01-4247-86D0-34B8A06DD2A9}" type="datetimeFigureOut">
               <a:rPr lang="pt-BR" smtClean="0"/>
-              <a:t>29/10/2015</a:t>
+              <a:t>01/03/2016</a:t>
             </a:fld>
             <a:endParaRPr lang="pt-BR"/>
           </a:p>
@@ -5331,7 +5404,7 @@
           <a:p>
             <a:fld id="{CE4FFF74-BF01-4247-86D0-34B8A06DD2A9}" type="datetimeFigureOut">
               <a:rPr lang="pt-BR" smtClean="0"/>
-              <a:t>29/10/2015</a:t>
+              <a:t>01/03/2016</a:t>
             </a:fld>
             <a:endParaRPr lang="pt-BR"/>
           </a:p>
@@ -5426,7 +5499,7 @@
           <a:p>
             <a:fld id="{CE4FFF74-BF01-4247-86D0-34B8A06DD2A9}" type="datetimeFigureOut">
               <a:rPr lang="pt-BR" smtClean="0"/>
-              <a:t>29/10/2015</a:t>
+              <a:t>01/03/2016</a:t>
             </a:fld>
             <a:endParaRPr lang="pt-BR"/>
           </a:p>
@@ -5703,7 +5776,7 @@
           <a:p>
             <a:fld id="{CE4FFF74-BF01-4247-86D0-34B8A06DD2A9}" type="datetimeFigureOut">
               <a:rPr lang="pt-BR" smtClean="0"/>
-              <a:t>29/10/2015</a:t>
+              <a:t>01/03/2016</a:t>
             </a:fld>
             <a:endParaRPr lang="pt-BR"/>
           </a:p>
@@ -5956,7 +6029,7 @@
           <a:p>
             <a:fld id="{CE4FFF74-BF01-4247-86D0-34B8A06DD2A9}" type="datetimeFigureOut">
               <a:rPr lang="pt-BR" smtClean="0"/>
-              <a:t>29/10/2015</a:t>
+              <a:t>01/03/2016</a:t>
             </a:fld>
             <a:endParaRPr lang="pt-BR"/>
           </a:p>
@@ -6169,7 +6242,7 @@
           <a:p>
             <a:fld id="{CE4FFF74-BF01-4247-86D0-34B8A06DD2A9}" type="datetimeFigureOut">
               <a:rPr lang="pt-BR" smtClean="0"/>
-              <a:t>29/10/2015</a:t>
+              <a:t>01/03/2016</a:t>
             </a:fld>
             <a:endParaRPr lang="pt-BR"/>
           </a:p>
@@ -6638,12 +6711,28 @@
           <a:p>
             <a:pPr algn="ctr"/>
             <a:r>
+              <a:rPr lang="pt-BR" sz="3200" b="1" dirty="0" err="1" smtClean="0">
+                <a:solidFill>
+                  <a:schemeClr val="bg1"/>
+                </a:solidFill>
+              </a:rPr>
+              <a:t>Building</a:t>
+            </a:r>
+            <a:r>
               <a:rPr lang="pt-BR" sz="3200" b="1" dirty="0" smtClean="0">
                 <a:solidFill>
                   <a:schemeClr val="bg1"/>
                 </a:solidFill>
               </a:rPr>
-              <a:t>Construindo um </a:t>
+              <a:t> a data </a:t>
+            </a:r>
+            <a:r>
+              <a:rPr lang="pt-BR" sz="3200" b="1" dirty="0" err="1">
+                <a:solidFill>
+                  <a:schemeClr val="bg1"/>
+                </a:solidFill>
+              </a:rPr>
+              <a:t>warehouse</a:t>
             </a:r>
             <a:r>
               <a:rPr lang="pt-BR" sz="3200" b="1" dirty="0">
@@ -6651,18 +6740,18 @@
                   <a:schemeClr val="bg1"/>
                 </a:solidFill>
               </a:rPr>
-              <a:t>data </a:t>
-            </a:r>
-            <a:r>
-              <a:rPr lang="pt-BR" sz="3200" b="1" dirty="0" err="1">
+              <a:t> </a:t>
+            </a:r>
+            <a:r>
+              <a:rPr lang="pt-BR" sz="3200" b="1" dirty="0" err="1" smtClean="0">
                 <a:solidFill>
                   <a:schemeClr val="bg1"/>
                 </a:solidFill>
               </a:rPr>
-              <a:t>warehouse</a:t>
-            </a:r>
-            <a:r>
-              <a:rPr lang="pt-BR" sz="3200" b="1" dirty="0">
+              <a:t>with</a:t>
+            </a:r>
+            <a:r>
+              <a:rPr lang="pt-BR" sz="3200" b="1" dirty="0" smtClean="0">
                 <a:solidFill>
                   <a:schemeClr val="bg1"/>
                 </a:solidFill>
@@ -6670,12 +6759,20 @@
               <a:t> </a:t>
             </a:r>
             <a:r>
+              <a:rPr lang="pt-BR" sz="3200" b="1" dirty="0" err="1" smtClean="0">
+                <a:solidFill>
+                  <a:schemeClr val="bg1"/>
+                </a:solidFill>
+              </a:rPr>
+              <a:t>Pentaho</a:t>
+            </a:r>
+            <a:r>
               <a:rPr lang="pt-BR" sz="3200" b="1" dirty="0" smtClean="0">
                 <a:solidFill>
                   <a:schemeClr val="bg1"/>
                 </a:solidFill>
               </a:rPr>
-              <a:t>com </a:t>
+              <a:t> </a:t>
             </a:r>
             <a:r>
               <a:rPr lang="pt-BR" sz="3200" b="1" dirty="0" err="1" smtClean="0">
@@ -6683,7 +6780,7 @@
                   <a:schemeClr val="bg1"/>
                 </a:solidFill>
               </a:rPr>
-              <a:t>Pentaho</a:t>
+              <a:t>and</a:t>
             </a:r>
             <a:r>
               <a:rPr lang="pt-BR" sz="3200" b="1" dirty="0" smtClean="0">
@@ -6691,7 +6788,7 @@
                   <a:schemeClr val="bg1"/>
                 </a:solidFill>
               </a:rPr>
-              <a:t> e </a:t>
+              <a:t> </a:t>
             </a:r>
             <a:r>
               <a:rPr lang="pt-BR" sz="3200" b="1" dirty="0" err="1" smtClean="0">
@@ -6849,8 +6946,8 @@
           <a:lstStyle/>
           <a:p>
             <a:r>
-              <a:rPr lang="pt-BR" dirty="0" smtClean="0"/>
-              <a:t>Fonte do Projeto</a:t>
+              <a:rPr lang="pt-BR" dirty="0" err="1" smtClean="0"/>
+              <a:t>Sources</a:t>
             </a:r>
             <a:endParaRPr lang="pt-BR" dirty="0">
               <a:hlinkClick r:id="rId5"/>
@@ -6882,7 +6979,7 @@
         <p:spPr>
           <a:xfrm>
             <a:off x="109946" y="4850005"/>
-            <a:ext cx="7685630" cy="646331"/>
+            <a:ext cx="9917908" cy="646331"/>
           </a:xfrm>
           <a:prstGeom prst="rect">
             <a:avLst/>
@@ -6897,8 +6994,13 @@
           <a:p>
             <a:r>
               <a:rPr lang="pt-BR" dirty="0" smtClean="0"/>
-              <a:t>Estudo de Caso: CENIPA</a:t>
-            </a:r>
+              <a:t>OPEN DATA CASE STUDY: CENIPA - </a:t>
+            </a:r>
+            <a:r>
+              <a:rPr lang="pt-BR" dirty="0"/>
+              <a:t>AERONAUTICAL ACCIDENT INVESTIGATION AND PREVENTION CENTER</a:t>
+            </a:r>
+            <a:endParaRPr lang="pt-BR" dirty="0" smtClean="0"/>
           </a:p>
           <a:p>
             <a:r>
@@ -7051,7 +7153,71 @@
                   <a:schemeClr val="bg1"/>
                 </a:solidFill>
               </a:rPr>
-              <a:t> – Criando arquivo </a:t>
+              <a:t> – </a:t>
+            </a:r>
+            <a:r>
+              <a:rPr lang="pt-BR" sz="3200" b="1" dirty="0" err="1" smtClean="0">
+                <a:solidFill>
+                  <a:schemeClr val="bg1"/>
+                </a:solidFill>
+              </a:rPr>
+              <a:t>Building</a:t>
+            </a:r>
+            <a:r>
+              <a:rPr lang="pt-BR" sz="3200" b="1" dirty="0" smtClean="0">
+                <a:solidFill>
+                  <a:schemeClr val="bg1"/>
+                </a:solidFill>
+              </a:rPr>
+              <a:t> </a:t>
+            </a:r>
+            <a:r>
+              <a:rPr lang="pt-BR" sz="3200" b="1" dirty="0" err="1" smtClean="0">
+                <a:solidFill>
+                  <a:schemeClr val="bg1"/>
+                </a:solidFill>
+              </a:rPr>
+              <a:t>an</a:t>
+            </a:r>
+            <a:r>
+              <a:rPr lang="pt-BR" sz="3200" b="1" dirty="0" smtClean="0">
+                <a:solidFill>
+                  <a:schemeClr val="bg1"/>
+                </a:solidFill>
+              </a:rPr>
+              <a:t> </a:t>
+            </a:r>
+            <a:r>
+              <a:rPr lang="pt-BR" sz="3200" b="1" dirty="0" err="1" smtClean="0">
+                <a:solidFill>
+                  <a:schemeClr val="bg1"/>
+                </a:solidFill>
+              </a:rPr>
+              <a:t>image</a:t>
+            </a:r>
+            <a:r>
+              <a:rPr lang="pt-BR" sz="3200" b="1" dirty="0" smtClean="0">
+                <a:solidFill>
+                  <a:schemeClr val="bg1"/>
+                </a:solidFill>
+              </a:rPr>
+              <a:t> </a:t>
+            </a:r>
+            <a:r>
+              <a:rPr lang="pt-BR" sz="3200" b="1" dirty="0" err="1" smtClean="0">
+                <a:solidFill>
+                  <a:schemeClr val="bg1"/>
+                </a:solidFill>
+              </a:rPr>
+              <a:t>from</a:t>
+            </a:r>
+            <a:r>
+              <a:rPr lang="pt-BR" sz="3200" b="1" dirty="0" smtClean="0">
+                <a:solidFill>
+                  <a:schemeClr val="bg1"/>
+                </a:solidFill>
+              </a:rPr>
+              <a:t> a </a:t>
             </a:r>
             <a:r>
               <a:rPr lang="pt-BR" sz="3200" b="1" dirty="0" err="1" smtClean="0">
@@ -10182,7 +10348,7 @@
         <p:spPr>
           <a:xfrm>
             <a:off x="240812" y="782708"/>
-            <a:ext cx="4788490" cy="507831"/>
+            <a:ext cx="5416868" cy="507831"/>
           </a:xfrm>
           <a:prstGeom prst="rect">
             <a:avLst/>
@@ -10200,6 +10366,16 @@
               </a:lnSpc>
             </a:pPr>
             <a:r>
+              <a:rPr lang="pt-BR" b="1" i="0" dirty="0" err="1" smtClean="0">
+                <a:solidFill>
+                  <a:srgbClr val="333333"/>
+                </a:solidFill>
+                <a:effectLst/>
+                <a:latin typeface="Helvetica Neue"/>
+              </a:rPr>
+              <a:t>Building</a:t>
+            </a:r>
+            <a:r>
               <a:rPr lang="pt-BR" b="1" i="0" dirty="0" smtClean="0">
                 <a:solidFill>
                   <a:srgbClr val="333333"/>
@@ -10207,7 +10383,7 @@
                 <a:effectLst/>
                 <a:latin typeface="Helvetica Neue"/>
               </a:rPr>
-              <a:t>Construir a imagem e rodar um </a:t>
+              <a:t> </a:t>
             </a:r>
             <a:r>
               <a:rPr lang="pt-BR" b="1" i="0" dirty="0" err="1" smtClean="0">
@@ -10217,7 +10393,97 @@
                 <a:effectLst/>
                 <a:latin typeface="Helvetica Neue"/>
               </a:rPr>
-              <a:t>containter</a:t>
+              <a:t>an</a:t>
+            </a:r>
+            <a:r>
+              <a:rPr lang="pt-BR" b="1" i="0" dirty="0" smtClean="0">
+                <a:solidFill>
+                  <a:srgbClr val="333333"/>
+                </a:solidFill>
+                <a:effectLst/>
+                <a:latin typeface="Helvetica Neue"/>
+              </a:rPr>
+              <a:t> </a:t>
+            </a:r>
+            <a:r>
+              <a:rPr lang="pt-BR" b="1" i="0" dirty="0" err="1" smtClean="0">
+                <a:solidFill>
+                  <a:srgbClr val="333333"/>
+                </a:solidFill>
+                <a:effectLst/>
+                <a:latin typeface="Helvetica Neue"/>
+              </a:rPr>
+              <a:t>image</a:t>
+            </a:r>
+            <a:r>
+              <a:rPr lang="pt-BR" b="1" i="0" dirty="0" smtClean="0">
+                <a:solidFill>
+                  <a:srgbClr val="333333"/>
+                </a:solidFill>
+                <a:effectLst/>
+                <a:latin typeface="Helvetica Neue"/>
+              </a:rPr>
+              <a:t> </a:t>
+            </a:r>
+            <a:r>
+              <a:rPr lang="pt-BR" b="1" i="0" dirty="0" err="1" smtClean="0">
+                <a:solidFill>
+                  <a:srgbClr val="333333"/>
+                </a:solidFill>
+                <a:effectLst/>
+                <a:latin typeface="Helvetica Neue"/>
+              </a:rPr>
+              <a:t>and</a:t>
+            </a:r>
+            <a:r>
+              <a:rPr lang="pt-BR" b="1" i="0" dirty="0" smtClean="0">
+                <a:solidFill>
+                  <a:srgbClr val="333333"/>
+                </a:solidFill>
+                <a:effectLst/>
+                <a:latin typeface="Helvetica Neue"/>
+              </a:rPr>
+              <a:t> </a:t>
+            </a:r>
+            <a:r>
+              <a:rPr lang="pt-BR" b="1" i="0" dirty="0" err="1" smtClean="0">
+                <a:solidFill>
+                  <a:srgbClr val="333333"/>
+                </a:solidFill>
+                <a:effectLst/>
+                <a:latin typeface="Helvetica Neue"/>
+              </a:rPr>
+              <a:t>runing</a:t>
+            </a:r>
+            <a:r>
+              <a:rPr lang="pt-BR" b="1" i="0" dirty="0" smtClean="0">
+                <a:solidFill>
+                  <a:srgbClr val="333333"/>
+                </a:solidFill>
+                <a:effectLst/>
+                <a:latin typeface="Helvetica Neue"/>
+              </a:rPr>
+              <a:t> </a:t>
+            </a:r>
+            <a:r>
+              <a:rPr lang="pt-BR" b="1" i="0" dirty="0" err="1" smtClean="0">
+                <a:solidFill>
+                  <a:srgbClr val="333333"/>
+                </a:solidFill>
+                <a:effectLst/>
+                <a:latin typeface="Helvetica Neue"/>
+              </a:rPr>
+              <a:t>docker</a:t>
+            </a:r>
+            <a:r>
+              <a:rPr lang="pt-BR" b="1" i="0" dirty="0" smtClean="0">
+                <a:solidFill>
+                  <a:srgbClr val="333333"/>
+                </a:solidFill>
+                <a:effectLst/>
+                <a:latin typeface="Helvetica Neue"/>
+              </a:rPr>
+              <a:t> container </a:t>
             </a:r>
             <a:endParaRPr lang="pt-BR" b="1" i="0" dirty="0" smtClean="0">
               <a:solidFill>
@@ -10238,7 +10504,7 @@
         <p:spPr>
           <a:xfrm>
             <a:off x="240811" y="2001950"/>
-            <a:ext cx="5198859" cy="507831"/>
+            <a:ext cx="2826415" cy="456535"/>
           </a:xfrm>
           <a:prstGeom prst="rect">
             <a:avLst/>
@@ -10262,7 +10528,7 @@
                 </a:solidFill>
                 <a:latin typeface="Helvetica Neue"/>
               </a:rPr>
-              <a:t>Abrir o navegador e abrir o </a:t>
+              <a:t>Open </a:t>
             </a:r>
             <a:r>
               <a:rPr lang="pt-BR" b="1" dirty="0" err="1" smtClean="0">
@@ -10280,7 +10546,16 @@
                 </a:solidFill>
                 <a:latin typeface="Helvetica Neue"/>
               </a:rPr>
-              <a:t> BI Server</a:t>
+              <a:t> </a:t>
+            </a:r>
+            <a:r>
+              <a:rPr lang="pt-BR" b="1" dirty="0" smtClean="0">
+                <a:solidFill>
+                  <a:srgbClr val="333333"/>
+                </a:solidFill>
+                <a:latin typeface="Helvetica Neue"/>
+              </a:rPr>
+              <a:t>BI Server</a:t>
             </a:r>
             <a:endParaRPr lang="pt-BR" b="1" i="0" dirty="0" smtClean="0">
               <a:solidFill>
@@ -10417,12 +10692,22 @@
           <a:p>
             <a:pPr algn="ctr"/>
             <a:r>
+              <a:rPr lang="pt-BR" sz="3200" b="1" dirty="0" err="1" smtClean="0">
+                <a:solidFill>
+                  <a:schemeClr val="bg1"/>
+                </a:solidFill>
+                <a:latin typeface="Helvetica Neue"/>
+              </a:rPr>
+              <a:t>Deploying</a:t>
+            </a:r>
+            <a:r>
               <a:rPr lang="pt-BR" sz="3200" b="1" dirty="0" smtClean="0">
                 <a:solidFill>
                   <a:schemeClr val="bg1"/>
                 </a:solidFill>
-              </a:rPr>
-              <a:t>Projeto EDW CENIPA</a:t>
+                <a:latin typeface="Helvetica Neue"/>
+              </a:rPr>
+              <a:t> Project</a:t>
             </a:r>
             <a:endParaRPr lang="pt-BR" sz="3200" b="1" dirty="0">
               <a:solidFill>
@@ -10441,7 +10726,7 @@
         <p:spPr>
           <a:xfrm>
             <a:off x="202175" y="814288"/>
-            <a:ext cx="2518638" cy="507831"/>
+            <a:ext cx="3647089" cy="507831"/>
           </a:xfrm>
           <a:prstGeom prst="rect">
             <a:avLst/>
@@ -10459,6 +10744,16 @@
               </a:lnSpc>
             </a:pPr>
             <a:r>
+              <a:rPr lang="pt-BR" b="1" i="0" dirty="0" err="1" smtClean="0">
+                <a:solidFill>
+                  <a:srgbClr val="333333"/>
+                </a:solidFill>
+                <a:effectLst/>
+                <a:latin typeface="Helvetica Neue"/>
+              </a:rPr>
+              <a:t>Deploying</a:t>
+            </a:r>
+            <a:r>
               <a:rPr lang="pt-BR" b="1" i="0" dirty="0" smtClean="0">
                 <a:solidFill>
                   <a:srgbClr val="333333"/>
@@ -10466,8 +10761,25 @@
                 <a:effectLst/>
                 <a:latin typeface="Helvetica Neue"/>
               </a:rPr>
-              <a:t>Instalação do Projeto</a:t>
-            </a:r>
+              <a:t> EDW CENIPA </a:t>
+            </a:r>
+            <a:r>
+              <a:rPr lang="pt-BR" b="1" i="0" dirty="0" err="1" smtClean="0">
+                <a:solidFill>
+                  <a:srgbClr val="333333"/>
+                </a:solidFill>
+                <a:effectLst/>
+                <a:latin typeface="Helvetica Neue"/>
+              </a:rPr>
+              <a:t>project</a:t>
+            </a:r>
+            <a:endParaRPr lang="pt-BR" b="1" i="0" dirty="0" smtClean="0">
+              <a:solidFill>
+                <a:srgbClr val="333333"/>
+              </a:solidFill>
+              <a:effectLst/>
+              <a:latin typeface="Helvetica Neue"/>
+            </a:endParaRPr>
           </a:p>
         </p:txBody>
       </p:sp>
@@ -10635,7 +10947,7 @@
         <p:spPr>
           <a:xfrm>
             <a:off x="202175" y="2401345"/>
-            <a:ext cx="3916521" cy="369332"/>
+            <a:ext cx="3647152" cy="369332"/>
           </a:xfrm>
           <a:prstGeom prst="rect">
             <a:avLst/>
@@ -10648,14 +10960,56 @@
           <a:lstStyle/>
           <a:p>
             <a:r>
-              <a:rPr lang="pt-BR" b="1" dirty="0">
+              <a:rPr lang="pt-BR" b="1" dirty="0" err="1" smtClean="0">
                 <a:solidFill>
                   <a:srgbClr val="333333"/>
                 </a:solidFill>
                 <a:latin typeface="Helvetica Neue"/>
               </a:rPr>
-              <a:t>Verificar execução dos containers</a:t>
-            </a:r>
+              <a:t>Check</a:t>
+            </a:r>
+            <a:r>
+              <a:rPr lang="pt-BR" b="1" dirty="0" smtClean="0">
+                <a:solidFill>
+                  <a:srgbClr val="333333"/>
+                </a:solidFill>
+                <a:latin typeface="Helvetica Neue"/>
+              </a:rPr>
+              <a:t> </a:t>
+            </a:r>
+            <a:r>
+              <a:rPr lang="pt-BR" b="1" dirty="0" err="1" smtClean="0">
+                <a:solidFill>
+                  <a:srgbClr val="333333"/>
+                </a:solidFill>
+                <a:latin typeface="Helvetica Neue"/>
+              </a:rPr>
+              <a:t>if</a:t>
+            </a:r>
+            <a:r>
+              <a:rPr lang="pt-BR" b="1" dirty="0" smtClean="0">
+                <a:solidFill>
+                  <a:srgbClr val="333333"/>
+                </a:solidFill>
+                <a:latin typeface="Helvetica Neue"/>
+              </a:rPr>
+              <a:t> containers are </a:t>
+            </a:r>
+            <a:r>
+              <a:rPr lang="pt-BR" b="1" dirty="0" err="1" smtClean="0">
+                <a:solidFill>
+                  <a:srgbClr val="333333"/>
+                </a:solidFill>
+                <a:latin typeface="Helvetica Neue"/>
+              </a:rPr>
+              <a:t>running</a:t>
+            </a:r>
+            <a:endParaRPr lang="pt-BR" b="1" dirty="0">
+              <a:solidFill>
+                <a:srgbClr val="333333"/>
+              </a:solidFill>
+              <a:latin typeface="Helvetica Neue"/>
+            </a:endParaRPr>
           </a:p>
         </p:txBody>
       </p:sp>
@@ -10811,7 +11165,7 @@
         <p:spPr>
           <a:xfrm>
             <a:off x="486598" y="3539782"/>
-            <a:ext cx="10756659" cy="1754326"/>
+            <a:ext cx="10756659" cy="1477328"/>
           </a:xfrm>
           <a:prstGeom prst="rect">
             <a:avLst/>
@@ -10824,14 +11178,31 @@
           <a:lstStyle/>
           <a:p>
             <a:r>
-              <a:rPr lang="pt-BR" b="1" i="0" dirty="0" smtClean="0">
-                <a:solidFill>
-                  <a:srgbClr val="333333"/>
-                </a:solidFill>
-                <a:effectLst/>
+              <a:rPr lang="en-US" b="1" dirty="0" smtClean="0">
+                <a:solidFill>
+                  <a:srgbClr val="333333"/>
+                </a:solidFill>
                 <a:latin typeface="Helvetica Neue"/>
               </a:rPr>
-              <a:t>O projeto possui 3 containers:</a:t>
+              <a:t>The </a:t>
+            </a:r>
+            <a:r>
+              <a:rPr lang="en-US" b="1" dirty="0">
+                <a:solidFill>
+                  <a:srgbClr val="333333"/>
+                </a:solidFill>
+                <a:latin typeface="Helvetica Neue"/>
+              </a:rPr>
+              <a:t>project has 3 containers </a:t>
+            </a:r>
+            <a:r>
+              <a:rPr lang="pt-BR" b="1" dirty="0">
+                <a:solidFill>
+                  <a:srgbClr val="333333"/>
+                </a:solidFill>
+                <a:latin typeface="Helvetica Neue"/>
+              </a:rPr>
+              <a:t>:</a:t>
             </a:r>
           </a:p>
           <a:p>
@@ -10856,7 +11227,17 @@
                 <a:effectLst/>
                 <a:latin typeface="Helvetica Neue"/>
               </a:rPr>
-              <a:t>edwcenipa_db_1 - Container com Banco de Dados </a:t>
+              <a:t>edwcenipa_db_1 </a:t>
+            </a:r>
+            <a:r>
+              <a:rPr lang="pt-BR" b="0" i="0" dirty="0" smtClean="0">
+                <a:solidFill>
+                  <a:srgbClr val="333333"/>
+                </a:solidFill>
+                <a:effectLst/>
+                <a:latin typeface="Helvetica Neue"/>
+              </a:rPr>
+              <a:t>– </a:t>
             </a:r>
             <a:r>
               <a:rPr lang="pt-BR" b="0" i="0" dirty="0" err="1" smtClean="0">
@@ -10867,6 +11248,35 @@
                 <a:latin typeface="Helvetica Neue"/>
               </a:rPr>
               <a:t>PostgreSQL</a:t>
+            </a:r>
+            <a:r>
+              <a:rPr lang="pt-BR" b="0" i="0" dirty="0" smtClean="0">
+                <a:solidFill>
+                  <a:srgbClr val="333333"/>
+                </a:solidFill>
+                <a:effectLst/>
+                <a:latin typeface="Helvetica Neue"/>
+              </a:rPr>
+              <a:t> </a:t>
+            </a:r>
+            <a:r>
+              <a:rPr lang="pt-BR" b="0" i="0" dirty="0" err="1" smtClean="0">
+                <a:solidFill>
+                  <a:srgbClr val="333333"/>
+                </a:solidFill>
+                <a:effectLst/>
+                <a:latin typeface="Helvetica Neue"/>
+              </a:rPr>
+              <a:t>database</a:t>
+            </a:r>
+            <a:r>
+              <a:rPr lang="pt-BR" dirty="0" smtClean="0">
+                <a:solidFill>
+                  <a:srgbClr val="333333"/>
+                </a:solidFill>
+                <a:latin typeface="Helvetica Neue"/>
+              </a:rPr>
+              <a:t> container</a:t>
             </a:r>
             <a:endParaRPr lang="pt-BR" b="0" i="0" dirty="0" smtClean="0">
               <a:solidFill>
@@ -10889,7 +11299,17 @@
                 <a:effectLst/>
                 <a:latin typeface="Helvetica Neue"/>
               </a:rPr>
-              <a:t>edwcenipa_pdi_1 - Container com </a:t>
+              <a:t>edwcenipa_pdi_1 </a:t>
+            </a:r>
+            <a:r>
+              <a:rPr lang="pt-BR" b="0" i="0" dirty="0" smtClean="0">
+                <a:solidFill>
+                  <a:srgbClr val="333333"/>
+                </a:solidFill>
+                <a:effectLst/>
+                <a:latin typeface="Helvetica Neue"/>
+              </a:rPr>
+              <a:t>– </a:t>
             </a:r>
             <a:r>
               <a:rPr lang="pt-BR" b="0" i="0" dirty="0" err="1" smtClean="0">
@@ -10899,7 +11319,7 @@
                 <a:effectLst/>
                 <a:latin typeface="Helvetica Neue"/>
               </a:rPr>
-              <a:t>instlação</a:t>
+              <a:t>Pentaho</a:t>
             </a:r>
             <a:r>
               <a:rPr lang="pt-BR" b="0" i="0" dirty="0" smtClean="0">
@@ -10909,7 +11329,7 @@
                 <a:effectLst/>
                 <a:latin typeface="Helvetica Neue"/>
               </a:rPr>
-              <a:t> do </a:t>
+              <a:t> Data </a:t>
             </a:r>
             <a:r>
               <a:rPr lang="pt-BR" b="0" i="0" dirty="0" err="1" smtClean="0">
@@ -10919,7 +11339,7 @@
                 <a:effectLst/>
                 <a:latin typeface="Helvetica Neue"/>
               </a:rPr>
-              <a:t>Pentaho</a:t>
+              <a:t>Integration</a:t>
             </a:r>
             <a:r>
               <a:rPr lang="pt-BR" b="0" i="0" dirty="0" smtClean="0">
@@ -10929,48 +11349,15 @@
                 <a:effectLst/>
                 <a:latin typeface="Helvetica Neue"/>
               </a:rPr>
-              <a:t> Data </a:t>
-            </a:r>
-            <a:r>
-              <a:rPr lang="pt-BR" b="0" i="0" dirty="0" err="1" smtClean="0">
-                <a:solidFill>
-                  <a:srgbClr val="333333"/>
-                </a:solidFill>
-                <a:effectLst/>
-                <a:latin typeface="Helvetica Neue"/>
-              </a:rPr>
-              <a:t>Integrator</a:t>
-            </a:r>
-            <a:r>
-              <a:rPr lang="pt-BR" b="0" i="0" dirty="0" smtClean="0">
-                <a:solidFill>
-                  <a:srgbClr val="333333"/>
-                </a:solidFill>
-                <a:effectLst/>
-                <a:latin typeface="Helvetica Neue"/>
-              </a:rPr>
-              <a:t> (</a:t>
-            </a:r>
-            <a:r>
-              <a:rPr lang="pt-BR" b="0" i="0" dirty="0" err="1" smtClean="0">
-                <a:solidFill>
-                  <a:srgbClr val="333333"/>
-                </a:solidFill>
-                <a:effectLst/>
-                <a:latin typeface="Helvetica Neue"/>
-              </a:rPr>
-              <a:t>Kettle</a:t>
-            </a:r>
-            <a:r>
-              <a:rPr lang="pt-BR" b="0" i="0" dirty="0" smtClean="0">
-                <a:solidFill>
-                  <a:srgbClr val="333333"/>
-                </a:solidFill>
-                <a:effectLst/>
-                <a:latin typeface="Helvetica Neue"/>
-              </a:rPr>
-              <a:t>) para download e carga dados para o DW</a:t>
-            </a:r>
+              <a:t> container</a:t>
+            </a:r>
+            <a:endParaRPr lang="pt-BR" b="0" i="0" dirty="0" smtClean="0">
+              <a:solidFill>
+                <a:srgbClr val="333333"/>
+              </a:solidFill>
+              <a:effectLst/>
+              <a:latin typeface="Helvetica Neue"/>
+            </a:endParaRPr>
           </a:p>
           <a:p>
             <a:pPr marL="285750" indent="-285750">
@@ -10985,7 +11372,17 @@
                 <a:effectLst/>
                 <a:latin typeface="Helvetica Neue"/>
               </a:rPr>
-              <a:t>edwcenipa_biserver_1 - Container com instalação do </a:t>
+              <a:t>edwcenipa_biserver_1 </a:t>
+            </a:r>
+            <a:r>
+              <a:rPr lang="pt-BR" b="0" i="0" dirty="0" smtClean="0">
+                <a:solidFill>
+                  <a:srgbClr val="333333"/>
+                </a:solidFill>
+                <a:effectLst/>
+                <a:latin typeface="Helvetica Neue"/>
+              </a:rPr>
+              <a:t>– </a:t>
             </a:r>
             <a:r>
               <a:rPr lang="pt-BR" b="0" i="0" dirty="0" err="1" smtClean="0">
@@ -11005,27 +11402,7 @@
                 <a:effectLst/>
                 <a:latin typeface="Helvetica Neue"/>
               </a:rPr>
-              <a:t> Business </a:t>
-            </a:r>
-            <a:r>
-              <a:rPr lang="pt-BR" b="0" i="0" dirty="0" err="1" smtClean="0">
-                <a:solidFill>
-                  <a:srgbClr val="333333"/>
-                </a:solidFill>
-                <a:effectLst/>
-                <a:latin typeface="Helvetica Neue"/>
-              </a:rPr>
-              <a:t>Analytics</a:t>
-            </a:r>
-            <a:r>
-              <a:rPr lang="pt-BR" b="0" i="0" dirty="0" smtClean="0">
-                <a:solidFill>
-                  <a:srgbClr val="333333"/>
-                </a:solidFill>
-                <a:effectLst/>
-                <a:latin typeface="Helvetica Neue"/>
-              </a:rPr>
-              <a:t> (BI Server)</a:t>
+              <a:t> BI Server container</a:t>
             </a:r>
             <a:endParaRPr lang="pt-BR" b="0" i="0" dirty="0">
               <a:solidFill>
@@ -11046,7 +11423,7 @@
         <p:spPr>
           <a:xfrm>
             <a:off x="202175" y="5523152"/>
-            <a:ext cx="1633845" cy="369332"/>
+            <a:ext cx="1415772" cy="369332"/>
           </a:xfrm>
           <a:prstGeom prst="rect">
             <a:avLst/>
@@ -11059,13 +11436,22 @@
           <a:lstStyle/>
           <a:p>
             <a:r>
+              <a:rPr lang="pt-BR" b="1" dirty="0" err="1" smtClean="0">
+                <a:solidFill>
+                  <a:srgbClr val="333333"/>
+                </a:solidFill>
+                <a:latin typeface="Helvetica Neue"/>
+              </a:rPr>
+              <a:t>Check</a:t>
+            </a:r>
+            <a:r>
               <a:rPr lang="pt-BR" b="1" dirty="0" smtClean="0">
                 <a:solidFill>
                   <a:srgbClr val="333333"/>
                 </a:solidFill>
                 <a:latin typeface="Helvetica Neue"/>
               </a:rPr>
-              <a:t>Verificar logs</a:t>
+              <a:t> logs</a:t>
             </a:r>
             <a:endParaRPr lang="pt-BR" b="1" dirty="0">
               <a:solidFill>
@@ -11236,7 +11622,7 @@
         <p:spPr>
           <a:xfrm>
             <a:off x="651876" y="1796157"/>
-            <a:ext cx="9908802" cy="461665"/>
+            <a:ext cx="9908802" cy="307777"/>
           </a:xfrm>
           <a:prstGeom prst="rect">
             <a:avLst/>
@@ -11249,18 +11635,46 @@
           <a:lstStyle/>
           <a:p>
             <a:r>
-              <a:rPr lang="pt-BR" sz="1200" b="1" i="0" dirty="0" smtClean="0">
-                <a:solidFill>
-                  <a:schemeClr val="bg1">
-                    <a:lumMod val="50000"/>
-                  </a:schemeClr>
-                </a:solidFill>
-                <a:effectLst/>
-                <a:latin typeface="Helvetica Neue"/>
-              </a:rPr>
-              <a:t>A instalação pode levar mais de 30 minutos, dependo da configuração do servidor e da largura de banda da Internet. A instalação completa é de aproximadamente 3GB.</a:t>
-            </a:r>
-            <a:endParaRPr lang="pt-BR" sz="1200" b="1" dirty="0">
+              <a:rPr lang="en-US" sz="1400" dirty="0" smtClean="0"/>
+              <a:t>Installation can take </a:t>
+            </a:r>
+            <a:r>
+              <a:rPr lang="en-US" sz="1400" dirty="0"/>
+              <a:t>o</a:t>
+            </a:r>
+            <a:r>
+              <a:rPr lang="en-US" sz="1400" dirty="0" smtClean="0"/>
+              <a:t>ver </a:t>
+            </a:r>
+            <a:r>
+              <a:rPr lang="en-US" sz="1400" dirty="0"/>
+              <a:t>30 </a:t>
+            </a:r>
+            <a:r>
+              <a:rPr lang="en-US" sz="1400" dirty="0" smtClean="0"/>
+              <a:t>minutes </a:t>
+            </a:r>
+            <a:r>
+              <a:rPr lang="en-US" sz="1400" dirty="0"/>
+              <a:t>, depending </a:t>
+            </a:r>
+            <a:r>
+              <a:rPr lang="en-US" sz="1400" dirty="0" smtClean="0"/>
+              <a:t>of server </a:t>
+            </a:r>
+            <a:r>
+              <a:rPr lang="en-US" sz="1400" dirty="0"/>
+              <a:t>configuration </a:t>
+            </a:r>
+            <a:r>
+              <a:rPr lang="en-US" sz="1400" dirty="0" smtClean="0"/>
+              <a:t>and </a:t>
+            </a:r>
+            <a:r>
+              <a:rPr lang="en-US" sz="1400" dirty="0"/>
+              <a:t>Internet bandwidth . </a:t>
+            </a:r>
+            <a:endParaRPr lang="pt-BR" sz="1400" b="1" dirty="0">
               <a:solidFill>
                 <a:schemeClr val="bg1">
                   <a:lumMod val="50000"/>
@@ -11411,7 +11825,7 @@
         <p:spPr>
           <a:xfrm>
             <a:off x="95735" y="775199"/>
-            <a:ext cx="7891904" cy="507831"/>
+            <a:ext cx="6981398" cy="507831"/>
           </a:xfrm>
           <a:prstGeom prst="rect">
             <a:avLst/>
@@ -11453,7 +11867,97 @@
                 </a:solidFill>
                 <a:latin typeface="Helvetica Neue"/>
               </a:rPr>
-              <a:t> - Orquestra a execução de múltiplos containers</a:t>
+              <a:t> </a:t>
+            </a:r>
+            <a:r>
+              <a:rPr lang="pt-BR" b="1" dirty="0" smtClean="0">
+                <a:solidFill>
+                  <a:srgbClr val="333333"/>
+                </a:solidFill>
+                <a:latin typeface="Helvetica Neue"/>
+              </a:rPr>
+              <a:t>– Define </a:t>
+            </a:r>
+            <a:r>
+              <a:rPr lang="pt-BR" b="1" dirty="0" err="1" smtClean="0">
+                <a:solidFill>
+                  <a:srgbClr val="333333"/>
+                </a:solidFill>
+                <a:latin typeface="Helvetica Neue"/>
+              </a:rPr>
+              <a:t>and</a:t>
+            </a:r>
+            <a:r>
+              <a:rPr lang="pt-BR" b="1" dirty="0" smtClean="0">
+                <a:solidFill>
+                  <a:srgbClr val="333333"/>
+                </a:solidFill>
+                <a:latin typeface="Helvetica Neue"/>
+              </a:rPr>
+              <a:t> </a:t>
+            </a:r>
+            <a:r>
+              <a:rPr lang="pt-BR" b="1" dirty="0" err="1" smtClean="0">
+                <a:solidFill>
+                  <a:srgbClr val="333333"/>
+                </a:solidFill>
+                <a:latin typeface="Helvetica Neue"/>
+              </a:rPr>
+              <a:t>run</a:t>
+            </a:r>
+            <a:r>
+              <a:rPr lang="pt-BR" b="1" dirty="0" smtClean="0">
+                <a:solidFill>
+                  <a:srgbClr val="333333"/>
+                </a:solidFill>
+                <a:latin typeface="Helvetica Neue"/>
+              </a:rPr>
+              <a:t> </a:t>
+            </a:r>
+            <a:r>
+              <a:rPr lang="pt-BR" b="1" dirty="0" err="1" smtClean="0">
+                <a:solidFill>
+                  <a:srgbClr val="333333"/>
+                </a:solidFill>
+                <a:latin typeface="Helvetica Neue"/>
+              </a:rPr>
+              <a:t>all</a:t>
+            </a:r>
+            <a:r>
+              <a:rPr lang="pt-BR" b="1" dirty="0" smtClean="0">
+                <a:solidFill>
+                  <a:srgbClr val="333333"/>
+                </a:solidFill>
+                <a:latin typeface="Helvetica Neue"/>
+              </a:rPr>
+              <a:t> </a:t>
+            </a:r>
+            <a:r>
+              <a:rPr lang="pt-BR" b="1" dirty="0" err="1" smtClean="0">
+                <a:solidFill>
+                  <a:srgbClr val="333333"/>
+                </a:solidFill>
+                <a:latin typeface="Helvetica Neue"/>
+              </a:rPr>
+              <a:t>docker</a:t>
+            </a:r>
+            <a:r>
+              <a:rPr lang="pt-BR" b="1" dirty="0" smtClean="0">
+                <a:solidFill>
+                  <a:srgbClr val="333333"/>
+                </a:solidFill>
+                <a:latin typeface="Helvetica Neue"/>
+              </a:rPr>
+              <a:t> </a:t>
+            </a:r>
+            <a:r>
+              <a:rPr lang="pt-BR" b="1" dirty="0" err="1" smtClean="0">
+                <a:solidFill>
+                  <a:srgbClr val="333333"/>
+                </a:solidFill>
+                <a:latin typeface="Helvetica Neue"/>
+              </a:rPr>
+              <a:t>applications</a:t>
             </a:r>
             <a:endParaRPr lang="pt-BR" b="1" i="0" dirty="0" smtClean="0">
               <a:solidFill>
@@ -12519,17 +13023,7 @@
                 <a:latin typeface="Consolas" panose="020B0609020204030204" pitchFamily="49" charset="0"/>
                 <a:cs typeface="Consolas" panose="020B0609020204030204" pitchFamily="49" charset="0"/>
               </a:rPr>
-              <a:t>5432:5432</a:t>
-            </a:r>
-            <a:r>
-              <a:rPr lang="pt-BR" altLang="pt-BR" sz="1100" smtClean="0">
-                <a:solidFill>
-                  <a:srgbClr val="333333"/>
-                </a:solidFill>
-                <a:latin typeface="Consolas" panose="020B0609020204030204" pitchFamily="49" charset="0"/>
-                <a:cs typeface="Consolas" panose="020B0609020204030204" pitchFamily="49" charset="0"/>
-              </a:rPr>
-              <a:t>"</a:t>
+              <a:t>5432:5432"</a:t>
             </a:r>
             <a:endParaRPr lang="pt-BR" altLang="pt-BR" sz="1100" dirty="0" smtClean="0">
               <a:solidFill>
@@ -12691,84 +13185,6 @@
       </p:sp>
       <p:sp>
         <p:nvSpPr>
-          <p:cNvPr id="24" name="Retângulo 23"/>
-          <p:cNvSpPr/>
-          <p:nvPr/>
-        </p:nvSpPr>
-        <p:spPr>
-          <a:xfrm>
-            <a:off x="147252" y="891109"/>
-            <a:ext cx="10969829" cy="1754326"/>
-          </a:xfrm>
-          <a:prstGeom prst="rect">
-            <a:avLst/>
-          </a:prstGeom>
-        </p:spPr>
-        <p:txBody>
-          <a:bodyPr wrap="square">
-            <a:spAutoFit/>
-          </a:bodyPr>
-          <a:lstStyle/>
-          <a:p>
-            <a:r>
-              <a:rPr lang="pt-BR" dirty="0"/>
-              <a:t>Com o comando abaixo e as devidas credenciais de acesso, é possível subir o ambiente na </a:t>
-            </a:r>
-            <a:r>
-              <a:rPr lang="pt-BR" dirty="0" err="1"/>
-              <a:t>Amazon</a:t>
-            </a:r>
-            <a:r>
-              <a:rPr lang="pt-BR" dirty="0"/>
-              <a:t> em menos de 10 minutos. LEMBRE-SE </a:t>
-            </a:r>
-            <a:r>
-              <a:rPr lang="pt-BR" dirty="0" smtClean="0"/>
-              <a:t>de substituir </a:t>
-            </a:r>
-            <a:r>
-              <a:rPr lang="pt-BR" dirty="0"/>
-              <a:t>as variáveis antes de executar o </a:t>
-            </a:r>
-            <a:r>
-              <a:rPr lang="pt-BR" dirty="0" smtClean="0"/>
-              <a:t>comando (verificar os parâmetros no AWS console). </a:t>
-            </a:r>
-          </a:p>
-          <a:p>
-            <a:endParaRPr lang="pt-BR" dirty="0"/>
-          </a:p>
-          <a:p>
-            <a:r>
-              <a:rPr lang="pt-BR" dirty="0" smtClean="0"/>
-              <a:t>Essa </a:t>
-            </a:r>
-            <a:r>
-              <a:rPr lang="pt-BR" dirty="0"/>
-              <a:t>é uma configuração adequada para este projeto, a um custo aproximado de US$ 80,00/mês (</a:t>
-            </a:r>
-            <a:r>
-              <a:rPr lang="pt-BR" dirty="0">
-                <a:hlinkClick r:id="rId2"/>
-              </a:rPr>
-              <a:t>http://calculator.s3.amazonaws.com/index.html</a:t>
-            </a:r>
-            <a:r>
-              <a:rPr lang="pt-BR" dirty="0"/>
-              <a:t>)</a:t>
-            </a:r>
-            <a:endParaRPr lang="pt-BR" b="1" i="0" dirty="0" smtClean="0">
-              <a:solidFill>
-                <a:srgbClr val="333333"/>
-              </a:solidFill>
-              <a:effectLst/>
-              <a:latin typeface="Helvetica Neue"/>
-            </a:endParaRPr>
-          </a:p>
-        </p:txBody>
-      </p:sp>
-      <p:sp>
-        <p:nvSpPr>
           <p:cNvPr id="2" name="Rectangle 1"/>
           <p:cNvSpPr>
             <a:spLocks noChangeArrowheads="1"/>
@@ -13684,6 +14100,45 @@
               <a:effectLst/>
               <a:latin typeface="Arial" panose="020B0604020202020204" pitchFamily="34" charset="0"/>
             </a:endParaRPr>
+          </a:p>
+        </p:txBody>
+      </p:sp>
+      <p:sp>
+        <p:nvSpPr>
+          <p:cNvPr id="5" name="Rectangle 3"/>
+          <p:cNvSpPr>
+            <a:spLocks noChangeArrowheads="1"/>
+          </p:cNvSpPr>
+          <p:nvPr/>
+        </p:nvSpPr>
+        <p:spPr bwMode="auto">
+          <a:xfrm>
+            <a:off x="262283" y="1269746"/>
+            <a:ext cx="10289189" cy="1015663"/>
+          </a:xfrm>
+          <a:prstGeom prst="rect">
+            <a:avLst/>
+          </a:prstGeom>
+        </p:spPr>
+        <p:txBody>
+          <a:bodyPr wrap="square">
+            <a:spAutoFit/>
+          </a:bodyPr>
+          <a:lstStyle/>
+          <a:p>
+            <a:r>
+              <a:rPr lang="en-US" altLang="pt-BR" sz="2000" dirty="0"/>
+              <a:t>With the following command and the appropriate </a:t>
+            </a:r>
+            <a:r>
+              <a:rPr lang="en-US" altLang="pt-BR" sz="2000" dirty="0" smtClean="0"/>
+              <a:t>credentials </a:t>
+            </a:r>
+            <a:r>
+              <a:rPr lang="en-US" altLang="pt-BR" sz="2000" dirty="0"/>
+              <a:t>, you can run the project on Amazon Web Services. REMEMBER to replace the variables before running the command (check the parameters in the AWS console) . </a:t>
+            </a:r>
+            <a:endParaRPr lang="pt-BR" altLang="pt-BR" sz="2000" dirty="0"/>
           </a:p>
         </p:txBody>
       </p:sp>
@@ -13788,12 +14243,36 @@
           <a:p>
             <a:pPr algn="ctr"/>
             <a:r>
+              <a:rPr lang="pt-BR" sz="3200" b="1" dirty="0" err="1" smtClean="0">
+                <a:solidFill>
+                  <a:schemeClr val="bg1"/>
+                </a:solidFill>
+              </a:rPr>
+              <a:t>Thank</a:t>
+            </a:r>
+            <a:r>
               <a:rPr lang="pt-BR" sz="3200" b="1" dirty="0" smtClean="0">
                 <a:solidFill>
                   <a:schemeClr val="bg1"/>
                 </a:solidFill>
               </a:rPr>
-              <a:t>Obrigado!</a:t>
+              <a:t> </a:t>
+            </a:r>
+            <a:r>
+              <a:rPr lang="pt-BR" sz="3200" b="1" dirty="0" err="1" smtClean="0">
+                <a:solidFill>
+                  <a:schemeClr val="bg1"/>
+                </a:solidFill>
+              </a:rPr>
+              <a:t>you</a:t>
+            </a:r>
+            <a:r>
+              <a:rPr lang="pt-BR" sz="3200" b="1" dirty="0" smtClean="0">
+                <a:solidFill>
+                  <a:schemeClr val="bg1"/>
+                </a:solidFill>
+              </a:rPr>
+              <a:t>!</a:t>
             </a:r>
             <a:endParaRPr lang="pt-BR" sz="3200" b="1" dirty="0">
               <a:solidFill>
@@ -13825,8 +14304,8 @@
           <a:lstStyle/>
           <a:p>
             <a:r>
-              <a:rPr lang="pt-BR" dirty="0"/>
-              <a:t>Projetos</a:t>
+              <a:rPr lang="pt-BR" dirty="0" err="1" smtClean="0"/>
+              <a:t>Sources</a:t>
             </a:r>
             <a:r>
               <a:rPr lang="pt-BR" dirty="0" smtClean="0"/>
@@ -13970,9 +14449,14 @@
           <a:lstStyle/>
           <a:p>
             <a:r>
+              <a:rPr lang="pt-BR" dirty="0" err="1" smtClean="0"/>
+              <a:t>Thanks</a:t>
+            </a:r>
+            <a:r>
               <a:rPr lang="pt-BR" dirty="0" smtClean="0"/>
-              <a:t>Agradecimentos:</a:t>
-            </a:r>
+              <a:t>:</a:t>
+            </a:r>
+            <a:endParaRPr lang="pt-BR" dirty="0" smtClean="0"/>
           </a:p>
           <a:p>
             <a:r>
@@ -14032,1779 +14516,6 @@
           <a:chExt cx="0" cy="0"/>
         </a:xfrm>
       </p:grpSpPr>
-      <p:pic>
-        <p:nvPicPr>
-          <p:cNvPr id="5148" name="Picture 28" descr="http://www.seanculey.com/wp-content/uploads/2015/06/business-analytics.png"/>
-          <p:cNvPicPr>
-            <a:picLocks noChangeAspect="1" noChangeArrowheads="1"/>
-          </p:cNvPicPr>
-          <p:nvPr/>
-        </p:nvPicPr>
-        <p:blipFill>
-          <a:blip r:embed="rId2" cstate="print">
-            <a:extLst>
-              <a:ext uri="{28A0092B-C50C-407E-A947-70E740481C1C}">
-                <a14:useLocalDpi xmlns:a14="http://schemas.microsoft.com/office/drawing/2010/main" val="0"/>
-              </a:ext>
-            </a:extLst>
-          </a:blip>
-          <a:srcRect/>
-          <a:stretch>
-            <a:fillRect/>
-          </a:stretch>
-        </p:blipFill>
-        <p:spPr bwMode="auto">
-          <a:xfrm>
-            <a:off x="7741444" y="4516602"/>
-            <a:ext cx="848489" cy="577761"/>
-          </a:xfrm>
-          <a:prstGeom prst="rect">
-            <a:avLst/>
-          </a:prstGeom>
-          <a:noFill/>
-          <a:extLst>
-            <a:ext uri="{909E8E84-426E-40DD-AFC4-6F175D3DCCD1}">
-              <a14:hiddenFill xmlns:a14="http://schemas.microsoft.com/office/drawing/2010/main">
-                <a:solidFill>
-                  <a:srgbClr val="FFFFFF"/>
-                </a:solidFill>
-              </a14:hiddenFill>
-            </a:ext>
-          </a:extLst>
-        </p:spPr>
-      </p:pic>
-      <p:sp>
-        <p:nvSpPr>
-          <p:cNvPr id="2" name="Retângulo 1"/>
-          <p:cNvSpPr/>
-          <p:nvPr/>
-        </p:nvSpPr>
-        <p:spPr>
-          <a:xfrm>
-            <a:off x="463641" y="1867437"/>
-            <a:ext cx="2279559" cy="3387144"/>
-          </a:xfrm>
-          <a:prstGeom prst="rect">
-            <a:avLst/>
-          </a:prstGeom>
-          <a:noFill/>
-        </p:spPr>
-        <p:style>
-          <a:lnRef idx="2">
-            <a:schemeClr val="accent1">
-              <a:shade val="50000"/>
-            </a:schemeClr>
-          </a:lnRef>
-          <a:fillRef idx="1">
-            <a:schemeClr val="accent1"/>
-          </a:fillRef>
-          <a:effectRef idx="0">
-            <a:schemeClr val="accent1"/>
-          </a:effectRef>
-          <a:fontRef idx="minor">
-            <a:schemeClr val="lt1"/>
-          </a:fontRef>
-        </p:style>
-        <p:txBody>
-          <a:bodyPr rtlCol="0" anchor="ctr"/>
-          <a:lstStyle/>
-          <a:p>
-            <a:pPr algn="ctr"/>
-            <a:endParaRPr lang="pt-BR"/>
-          </a:p>
-        </p:txBody>
-      </p:sp>
-      <p:pic>
-        <p:nvPicPr>
-          <p:cNvPr id="5122" name="Picture 2" descr="https://assets-cdn.github.com/images/modules/logos_page/Octocat.png"/>
-          <p:cNvPicPr>
-            <a:picLocks noChangeAspect="1" noChangeArrowheads="1"/>
-          </p:cNvPicPr>
-          <p:nvPr/>
-        </p:nvPicPr>
-        <p:blipFill>
-          <a:blip r:embed="rId3" cstate="print">
-            <a:extLst>
-              <a:ext uri="{28A0092B-C50C-407E-A947-70E740481C1C}">
-                <a14:useLocalDpi xmlns:a14="http://schemas.microsoft.com/office/drawing/2010/main" val="0"/>
-              </a:ext>
-            </a:extLst>
-          </a:blip>
-          <a:srcRect/>
-          <a:stretch>
-            <a:fillRect/>
-          </a:stretch>
-        </p:blipFill>
-        <p:spPr bwMode="auto">
-          <a:xfrm>
-            <a:off x="978877" y="1059841"/>
-            <a:ext cx="1144554" cy="951410"/>
-          </a:xfrm>
-          <a:prstGeom prst="rect">
-            <a:avLst/>
-          </a:prstGeom>
-          <a:noFill/>
-          <a:extLst>
-            <a:ext uri="{909E8E84-426E-40DD-AFC4-6F175D3DCCD1}">
-              <a14:hiddenFill xmlns:a14="http://schemas.microsoft.com/office/drawing/2010/main">
-                <a:solidFill>
-                  <a:srgbClr val="FFFFFF"/>
-                </a:solidFill>
-              </a14:hiddenFill>
-            </a:ext>
-          </a:extLst>
-        </p:spPr>
-      </p:pic>
-      <p:sp>
-        <p:nvSpPr>
-          <p:cNvPr id="3" name="CaixaDeTexto 2"/>
-          <p:cNvSpPr txBox="1"/>
-          <p:nvPr/>
-        </p:nvSpPr>
-        <p:spPr>
-          <a:xfrm>
-            <a:off x="1146304" y="1916943"/>
-            <a:ext cx="787395" cy="338554"/>
-          </a:xfrm>
-          <a:prstGeom prst="rect">
-            <a:avLst/>
-          </a:prstGeom>
-          <a:noFill/>
-        </p:spPr>
-        <p:txBody>
-          <a:bodyPr wrap="none" rtlCol="0">
-            <a:spAutoFit/>
-          </a:bodyPr>
-          <a:lstStyle/>
-          <a:p>
-            <a:r>
-              <a:rPr lang="pt-BR" sz="1600" b="1" dirty="0" smtClean="0"/>
-              <a:t>GitHub</a:t>
-            </a:r>
-            <a:endParaRPr lang="pt-BR" sz="1600" b="1" dirty="0"/>
-          </a:p>
-        </p:txBody>
-      </p:sp>
-      <p:sp>
-        <p:nvSpPr>
-          <p:cNvPr id="5" name="Retângulo 4"/>
-          <p:cNvSpPr/>
-          <p:nvPr/>
-        </p:nvSpPr>
-        <p:spPr>
-          <a:xfrm>
-            <a:off x="796429" y="2683047"/>
-            <a:ext cx="1380186" cy="611471"/>
-          </a:xfrm>
-          <a:prstGeom prst="rect">
-            <a:avLst/>
-          </a:prstGeom>
-          <a:solidFill>
-            <a:schemeClr val="accent1">
-              <a:lumMod val="20000"/>
-              <a:lumOff val="80000"/>
-            </a:schemeClr>
-          </a:solidFill>
-        </p:spPr>
-        <p:style>
-          <a:lnRef idx="2">
-            <a:schemeClr val="accent1">
-              <a:shade val="50000"/>
-            </a:schemeClr>
-          </a:lnRef>
-          <a:fillRef idx="1">
-            <a:schemeClr val="accent1"/>
-          </a:fillRef>
-          <a:effectRef idx="0">
-            <a:schemeClr val="accent1"/>
-          </a:effectRef>
-          <a:fontRef idx="minor">
-            <a:schemeClr val="lt1"/>
-          </a:fontRef>
-        </p:style>
-        <p:txBody>
-          <a:bodyPr rtlCol="0" anchor="ctr"/>
-          <a:lstStyle/>
-          <a:p>
-            <a:pPr algn="ctr"/>
-            <a:r>
-              <a:rPr lang="pt-BR" sz="1050" b="1" dirty="0" err="1" smtClean="0">
-                <a:solidFill>
-                  <a:schemeClr val="tx1"/>
-                </a:solidFill>
-              </a:rPr>
-              <a:t>docker-pentaho</a:t>
-            </a:r>
-            <a:endParaRPr lang="pt-BR" sz="1050" b="1" dirty="0" smtClean="0">
-              <a:solidFill>
-                <a:schemeClr val="tx1"/>
-              </a:solidFill>
-            </a:endParaRPr>
-          </a:p>
-          <a:p>
-            <a:pPr algn="ctr"/>
-            <a:r>
-              <a:rPr lang="pt-BR" sz="1050" b="1" dirty="0" smtClean="0">
-                <a:solidFill>
-                  <a:schemeClr val="tx1"/>
-                </a:solidFill>
-              </a:rPr>
-              <a:t>( </a:t>
-            </a:r>
-            <a:r>
-              <a:rPr lang="pt-BR" sz="1050" b="1" dirty="0" err="1" smtClean="0">
-                <a:solidFill>
-                  <a:schemeClr val="tx1"/>
-                </a:solidFill>
-              </a:rPr>
-              <a:t>Dockerfile</a:t>
-            </a:r>
-            <a:r>
-              <a:rPr lang="pt-BR" sz="1050" b="1" dirty="0" smtClean="0">
-                <a:solidFill>
-                  <a:schemeClr val="tx1"/>
-                </a:solidFill>
-              </a:rPr>
-              <a:t> / scripts )</a:t>
-            </a:r>
-          </a:p>
-        </p:txBody>
-      </p:sp>
-      <p:sp>
-        <p:nvSpPr>
-          <p:cNvPr id="7" name="Retângulo 6"/>
-          <p:cNvSpPr/>
-          <p:nvPr/>
-        </p:nvSpPr>
-        <p:spPr>
-          <a:xfrm>
-            <a:off x="4008502" y="2683046"/>
-            <a:ext cx="1380186" cy="611471"/>
-          </a:xfrm>
-          <a:prstGeom prst="rect">
-            <a:avLst/>
-          </a:prstGeom>
-          <a:solidFill>
-            <a:schemeClr val="accent1">
-              <a:lumMod val="20000"/>
-              <a:lumOff val="80000"/>
-            </a:schemeClr>
-          </a:solidFill>
-        </p:spPr>
-        <p:style>
-          <a:lnRef idx="2">
-            <a:schemeClr val="accent1">
-              <a:shade val="50000"/>
-            </a:schemeClr>
-          </a:lnRef>
-          <a:fillRef idx="1">
-            <a:schemeClr val="accent1"/>
-          </a:fillRef>
-          <a:effectRef idx="0">
-            <a:schemeClr val="accent1"/>
-          </a:effectRef>
-          <a:fontRef idx="minor">
-            <a:schemeClr val="lt1"/>
-          </a:fontRef>
-        </p:style>
-        <p:txBody>
-          <a:bodyPr rtlCol="0" anchor="ctr"/>
-          <a:lstStyle/>
-          <a:p>
-            <a:pPr algn="ctr"/>
-            <a:r>
-              <a:rPr lang="pt-BR" sz="1050" b="1" dirty="0" smtClean="0">
-                <a:solidFill>
-                  <a:schemeClr val="tx1"/>
-                </a:solidFill>
-              </a:rPr>
-              <a:t>pentaho-biserver:5.4</a:t>
-            </a:r>
-          </a:p>
-          <a:p>
-            <a:pPr algn="ctr"/>
-            <a:r>
-              <a:rPr lang="pt-BR" sz="1050" b="1" dirty="0" smtClean="0">
-                <a:solidFill>
-                  <a:schemeClr val="tx1"/>
-                </a:solidFill>
-              </a:rPr>
-              <a:t>( imagem)</a:t>
-            </a:r>
-          </a:p>
-        </p:txBody>
-      </p:sp>
-      <p:sp>
-        <p:nvSpPr>
-          <p:cNvPr id="8" name="Retângulo 7"/>
-          <p:cNvSpPr/>
-          <p:nvPr/>
-        </p:nvSpPr>
-        <p:spPr>
-          <a:xfrm>
-            <a:off x="809310" y="4070940"/>
-            <a:ext cx="1380186" cy="611471"/>
-          </a:xfrm>
-          <a:prstGeom prst="rect">
-            <a:avLst/>
-          </a:prstGeom>
-          <a:solidFill>
-            <a:schemeClr val="accent1">
-              <a:lumMod val="20000"/>
-              <a:lumOff val="80000"/>
-            </a:schemeClr>
-          </a:solidFill>
-        </p:spPr>
-        <p:style>
-          <a:lnRef idx="2">
-            <a:schemeClr val="accent1">
-              <a:shade val="50000"/>
-            </a:schemeClr>
-          </a:lnRef>
-          <a:fillRef idx="1">
-            <a:schemeClr val="accent1"/>
-          </a:fillRef>
-          <a:effectRef idx="0">
-            <a:schemeClr val="accent1"/>
-          </a:effectRef>
-          <a:fontRef idx="minor">
-            <a:schemeClr val="lt1"/>
-          </a:fontRef>
-        </p:style>
-        <p:txBody>
-          <a:bodyPr rtlCol="0" anchor="ctr"/>
-          <a:lstStyle/>
-          <a:p>
-            <a:pPr algn="ctr"/>
-            <a:r>
-              <a:rPr lang="pt-BR" sz="1050" b="1" dirty="0" err="1" smtClean="0">
-                <a:solidFill>
-                  <a:schemeClr val="tx1"/>
-                </a:solidFill>
-              </a:rPr>
-              <a:t>edw-cenipa</a:t>
-            </a:r>
-            <a:endParaRPr lang="pt-BR" sz="1050" b="1" dirty="0" smtClean="0">
-              <a:solidFill>
-                <a:schemeClr val="tx1"/>
-              </a:solidFill>
-            </a:endParaRPr>
-          </a:p>
-          <a:p>
-            <a:pPr algn="ctr"/>
-            <a:r>
-              <a:rPr lang="pt-BR" sz="1050" b="1" dirty="0" smtClean="0">
-                <a:solidFill>
-                  <a:schemeClr val="tx1"/>
-                </a:solidFill>
-              </a:rPr>
-              <a:t>( </a:t>
-            </a:r>
-            <a:r>
-              <a:rPr lang="pt-BR" sz="1050" b="1" dirty="0" err="1" smtClean="0">
-                <a:solidFill>
-                  <a:schemeClr val="tx1"/>
-                </a:solidFill>
-              </a:rPr>
-              <a:t>Dockerfile</a:t>
-            </a:r>
-            <a:r>
-              <a:rPr lang="pt-BR" sz="1050" b="1" dirty="0" smtClean="0">
-                <a:solidFill>
-                  <a:schemeClr val="tx1"/>
-                </a:solidFill>
-              </a:rPr>
-              <a:t> / scripts )</a:t>
-            </a:r>
-          </a:p>
-        </p:txBody>
-      </p:sp>
-      <p:sp>
-        <p:nvSpPr>
-          <p:cNvPr id="9" name="CaixaDeTexto 8"/>
-          <p:cNvSpPr txBox="1"/>
-          <p:nvPr/>
-        </p:nvSpPr>
-        <p:spPr>
-          <a:xfrm>
-            <a:off x="891060" y="2461182"/>
-            <a:ext cx="1191095" cy="276999"/>
-          </a:xfrm>
-          <a:prstGeom prst="rect">
-            <a:avLst/>
-          </a:prstGeom>
-          <a:noFill/>
-        </p:spPr>
-        <p:txBody>
-          <a:bodyPr wrap="none" rtlCol="0">
-            <a:spAutoFit/>
-          </a:bodyPr>
-          <a:lstStyle/>
-          <a:p>
-            <a:r>
-              <a:rPr lang="pt-BR" sz="1200" b="1" dirty="0" smtClean="0"/>
-              <a:t>BI SERVER / PDI</a:t>
-            </a:r>
-            <a:endParaRPr lang="pt-BR" sz="1200" b="1" dirty="0"/>
-          </a:p>
-        </p:txBody>
-      </p:sp>
-      <p:sp>
-        <p:nvSpPr>
-          <p:cNvPr id="11" name="CaixaDeTexto 10"/>
-          <p:cNvSpPr txBox="1"/>
-          <p:nvPr/>
-        </p:nvSpPr>
-        <p:spPr>
-          <a:xfrm>
-            <a:off x="903941" y="3833975"/>
-            <a:ext cx="1104277" cy="276999"/>
-          </a:xfrm>
-          <a:prstGeom prst="rect">
-            <a:avLst/>
-          </a:prstGeom>
-          <a:noFill/>
-        </p:spPr>
-        <p:txBody>
-          <a:bodyPr wrap="none" rtlCol="0">
-            <a:spAutoFit/>
-          </a:bodyPr>
-          <a:lstStyle/>
-          <a:p>
-            <a:r>
-              <a:rPr lang="pt-BR" sz="1200" b="1" dirty="0" smtClean="0"/>
-              <a:t>PROJETO EDW</a:t>
-            </a:r>
-            <a:endParaRPr lang="pt-BR" sz="1200" b="1" dirty="0"/>
-          </a:p>
-        </p:txBody>
-      </p:sp>
-      <p:sp>
-        <p:nvSpPr>
-          <p:cNvPr id="12" name="Retângulo 11"/>
-          <p:cNvSpPr/>
-          <p:nvPr/>
-        </p:nvSpPr>
-        <p:spPr>
-          <a:xfrm>
-            <a:off x="3631929" y="1867437"/>
-            <a:ext cx="2176443" cy="3387144"/>
-          </a:xfrm>
-          <a:prstGeom prst="rect">
-            <a:avLst/>
-          </a:prstGeom>
-          <a:noFill/>
-        </p:spPr>
-        <p:style>
-          <a:lnRef idx="2">
-            <a:schemeClr val="accent1">
-              <a:shade val="50000"/>
-            </a:schemeClr>
-          </a:lnRef>
-          <a:fillRef idx="1">
-            <a:schemeClr val="accent1"/>
-          </a:fillRef>
-          <a:effectRef idx="0">
-            <a:schemeClr val="accent1"/>
-          </a:effectRef>
-          <a:fontRef idx="minor">
-            <a:schemeClr val="lt1"/>
-          </a:fontRef>
-        </p:style>
-        <p:txBody>
-          <a:bodyPr rtlCol="0" anchor="ctr"/>
-          <a:lstStyle/>
-          <a:p>
-            <a:pPr algn="ctr"/>
-            <a:endParaRPr lang="pt-BR"/>
-          </a:p>
-        </p:txBody>
-      </p:sp>
-      <p:pic>
-        <p:nvPicPr>
-          <p:cNvPr id="5124" name="Picture 4" descr="http://global.download.synology.com/download/pkg_img/Docker/1.6.2-0036/thumb_256.png"/>
-          <p:cNvPicPr>
-            <a:picLocks noChangeAspect="1" noChangeArrowheads="1"/>
-          </p:cNvPicPr>
-          <p:nvPr/>
-        </p:nvPicPr>
-        <p:blipFill>
-          <a:blip r:embed="rId4">
-            <a:extLst>
-              <a:ext uri="{28A0092B-C50C-407E-A947-70E740481C1C}">
-                <a14:useLocalDpi xmlns:a14="http://schemas.microsoft.com/office/drawing/2010/main" val="0"/>
-              </a:ext>
-            </a:extLst>
-          </a:blip>
-          <a:srcRect/>
-          <a:stretch>
-            <a:fillRect/>
-          </a:stretch>
-        </p:blipFill>
-        <p:spPr bwMode="auto">
-          <a:xfrm>
-            <a:off x="4244339" y="1098269"/>
-            <a:ext cx="1144349" cy="1144349"/>
-          </a:xfrm>
-          <a:prstGeom prst="rect">
-            <a:avLst/>
-          </a:prstGeom>
-          <a:noFill/>
-          <a:extLst>
-            <a:ext uri="{909E8E84-426E-40DD-AFC4-6F175D3DCCD1}">
-              <a14:hiddenFill xmlns:a14="http://schemas.microsoft.com/office/drawing/2010/main">
-                <a:solidFill>
-                  <a:srgbClr val="FFFFFF"/>
-                </a:solidFill>
-              </a14:hiddenFill>
-            </a:ext>
-          </a:extLst>
-        </p:spPr>
-      </p:pic>
-      <p:sp>
-        <p:nvSpPr>
-          <p:cNvPr id="13" name="Retângulo 12"/>
-          <p:cNvSpPr/>
-          <p:nvPr/>
-        </p:nvSpPr>
-        <p:spPr>
-          <a:xfrm>
-            <a:off x="4008502" y="4057128"/>
-            <a:ext cx="1380186" cy="611471"/>
-          </a:xfrm>
-          <a:prstGeom prst="rect">
-            <a:avLst/>
-          </a:prstGeom>
-          <a:solidFill>
-            <a:schemeClr val="accent1">
-              <a:lumMod val="20000"/>
-              <a:lumOff val="80000"/>
-            </a:schemeClr>
-          </a:solidFill>
-        </p:spPr>
-        <p:style>
-          <a:lnRef idx="2">
-            <a:schemeClr val="accent1">
-              <a:shade val="50000"/>
-            </a:schemeClr>
-          </a:lnRef>
-          <a:fillRef idx="1">
-            <a:schemeClr val="accent1"/>
-          </a:fillRef>
-          <a:effectRef idx="0">
-            <a:schemeClr val="accent1"/>
-          </a:effectRef>
-          <a:fontRef idx="minor">
-            <a:schemeClr val="lt1"/>
-          </a:fontRef>
-        </p:style>
-        <p:txBody>
-          <a:bodyPr rtlCol="0" anchor="ctr"/>
-          <a:lstStyle/>
-          <a:p>
-            <a:pPr algn="ctr"/>
-            <a:r>
-              <a:rPr lang="pt-BR" sz="1050" b="1" dirty="0" smtClean="0">
-                <a:solidFill>
-                  <a:schemeClr val="tx1"/>
-                </a:solidFill>
-              </a:rPr>
-              <a:t>pentaho-kettle:5.4</a:t>
-            </a:r>
-          </a:p>
-          <a:p>
-            <a:pPr algn="ctr"/>
-            <a:r>
-              <a:rPr lang="pt-BR" sz="1050" b="1" dirty="0" smtClean="0">
-                <a:solidFill>
-                  <a:schemeClr val="tx1"/>
-                </a:solidFill>
-              </a:rPr>
-              <a:t>( imagem)</a:t>
-            </a:r>
-          </a:p>
-        </p:txBody>
-      </p:sp>
-      <p:sp>
-        <p:nvSpPr>
-          <p:cNvPr id="14" name="CaixaDeTexto 13"/>
-          <p:cNvSpPr txBox="1"/>
-          <p:nvPr/>
-        </p:nvSpPr>
-        <p:spPr>
-          <a:xfrm>
-            <a:off x="4281782" y="2461182"/>
-            <a:ext cx="833626" cy="276999"/>
-          </a:xfrm>
-          <a:prstGeom prst="rect">
-            <a:avLst/>
-          </a:prstGeom>
-          <a:noFill/>
-        </p:spPr>
-        <p:txBody>
-          <a:bodyPr wrap="none" rtlCol="0">
-            <a:spAutoFit/>
-          </a:bodyPr>
-          <a:lstStyle/>
-          <a:p>
-            <a:r>
-              <a:rPr lang="pt-BR" sz="1200" b="1" dirty="0" smtClean="0"/>
-              <a:t>BI SERVER</a:t>
-            </a:r>
-            <a:endParaRPr lang="pt-BR" sz="1200" b="1" dirty="0"/>
-          </a:p>
-        </p:txBody>
-      </p:sp>
-      <p:sp>
-        <p:nvSpPr>
-          <p:cNvPr id="15" name="CaixaDeTexto 14"/>
-          <p:cNvSpPr txBox="1"/>
-          <p:nvPr/>
-        </p:nvSpPr>
-        <p:spPr>
-          <a:xfrm>
-            <a:off x="4281782" y="3798869"/>
-            <a:ext cx="405880" cy="276999"/>
-          </a:xfrm>
-          <a:prstGeom prst="rect">
-            <a:avLst/>
-          </a:prstGeom>
-          <a:noFill/>
-        </p:spPr>
-        <p:txBody>
-          <a:bodyPr wrap="none" rtlCol="0">
-            <a:spAutoFit/>
-          </a:bodyPr>
-          <a:lstStyle/>
-          <a:p>
-            <a:r>
-              <a:rPr lang="pt-BR" sz="1200" b="1" dirty="0" smtClean="0"/>
-              <a:t>PDI</a:t>
-            </a:r>
-            <a:endParaRPr lang="pt-BR" sz="1200" b="1" dirty="0"/>
-          </a:p>
-        </p:txBody>
-      </p:sp>
-      <p:sp>
-        <p:nvSpPr>
-          <p:cNvPr id="16" name="CaixaDeTexto 15"/>
-          <p:cNvSpPr txBox="1"/>
-          <p:nvPr/>
-        </p:nvSpPr>
-        <p:spPr>
-          <a:xfrm>
-            <a:off x="4122058" y="1977369"/>
-            <a:ext cx="1177695" cy="338554"/>
-          </a:xfrm>
-          <a:prstGeom prst="rect">
-            <a:avLst/>
-          </a:prstGeom>
-          <a:noFill/>
-        </p:spPr>
-        <p:txBody>
-          <a:bodyPr wrap="none" rtlCol="0">
-            <a:spAutoFit/>
-          </a:bodyPr>
-          <a:lstStyle/>
-          <a:p>
-            <a:r>
-              <a:rPr lang="pt-BR" sz="1600" b="1" dirty="0" err="1" smtClean="0"/>
-              <a:t>Docker</a:t>
-            </a:r>
-            <a:r>
-              <a:rPr lang="pt-BR" sz="1600" b="1" dirty="0" smtClean="0"/>
-              <a:t> Hub</a:t>
-            </a:r>
-            <a:endParaRPr lang="pt-BR" sz="1600" b="1" dirty="0"/>
-          </a:p>
-        </p:txBody>
-      </p:sp>
-      <p:cxnSp>
-        <p:nvCxnSpPr>
-          <p:cNvPr id="6" name="Conector de seta reta 5"/>
-          <p:cNvCxnSpPr>
-            <a:stCxn id="2" idx="3"/>
-            <a:endCxn id="12" idx="1"/>
-          </p:cNvCxnSpPr>
-          <p:nvPr/>
-        </p:nvCxnSpPr>
-        <p:spPr>
-          <a:xfrm>
-            <a:off x="2743200" y="3561009"/>
-            <a:ext cx="888729" cy="0"/>
-          </a:xfrm>
-          <a:prstGeom prst="straightConnector1">
-            <a:avLst/>
-          </a:prstGeom>
-          <a:ln w="57150">
-            <a:solidFill>
-              <a:schemeClr val="tx1"/>
-            </a:solidFill>
-            <a:tailEnd type="triangle"/>
-          </a:ln>
-        </p:spPr>
-        <p:style>
-          <a:lnRef idx="1">
-            <a:schemeClr val="accent1"/>
-          </a:lnRef>
-          <a:fillRef idx="0">
-            <a:schemeClr val="accent1"/>
-          </a:fillRef>
-          <a:effectRef idx="0">
-            <a:schemeClr val="accent1"/>
-          </a:effectRef>
-          <a:fontRef idx="minor">
-            <a:schemeClr val="tx1"/>
-          </a:fontRef>
-        </p:style>
-      </p:cxnSp>
-      <p:pic>
-        <p:nvPicPr>
-          <p:cNvPr id="5126" name="Picture 6" descr="https://utbrudd.bouvet.no/wp-content/uploads/2015/02/jenkins-docker.png"/>
-          <p:cNvPicPr>
-            <a:picLocks noChangeAspect="1" noChangeArrowheads="1"/>
-          </p:cNvPicPr>
-          <p:nvPr/>
-        </p:nvPicPr>
-        <p:blipFill>
-          <a:blip r:embed="rId5" cstate="print">
-            <a:extLst>
-              <a:ext uri="{28A0092B-C50C-407E-A947-70E740481C1C}">
-                <a14:useLocalDpi xmlns:a14="http://schemas.microsoft.com/office/drawing/2010/main" val="0"/>
-              </a:ext>
-            </a:extLst>
-          </a:blip>
-          <a:srcRect/>
-          <a:stretch>
-            <a:fillRect/>
-          </a:stretch>
-        </p:blipFill>
-        <p:spPr bwMode="auto">
-          <a:xfrm>
-            <a:off x="6543041" y="3086044"/>
-            <a:ext cx="1308932" cy="949929"/>
-          </a:xfrm>
-          <a:prstGeom prst="rect">
-            <a:avLst/>
-          </a:prstGeom>
-          <a:noFill/>
-          <a:extLst>
-            <a:ext uri="{909E8E84-426E-40DD-AFC4-6F175D3DCCD1}">
-              <a14:hiddenFill xmlns:a14="http://schemas.microsoft.com/office/drawing/2010/main">
-                <a:solidFill>
-                  <a:srgbClr val="FFFFFF"/>
-                </a:solidFill>
-              </a14:hiddenFill>
-            </a:ext>
-          </a:extLst>
-        </p:spPr>
-      </p:pic>
-      <p:cxnSp>
-        <p:nvCxnSpPr>
-          <p:cNvPr id="22" name="Conector de seta reta 21"/>
-          <p:cNvCxnSpPr>
-            <a:stCxn id="12" idx="3"/>
-            <a:endCxn id="5126" idx="1"/>
-          </p:cNvCxnSpPr>
-          <p:nvPr/>
-        </p:nvCxnSpPr>
-        <p:spPr>
-          <a:xfrm>
-            <a:off x="5808372" y="3561009"/>
-            <a:ext cx="734669" cy="0"/>
-          </a:xfrm>
-          <a:prstGeom prst="straightConnector1">
-            <a:avLst/>
-          </a:prstGeom>
-          <a:ln w="57150">
-            <a:solidFill>
-              <a:schemeClr val="tx1"/>
-            </a:solidFill>
-            <a:tailEnd type="triangle"/>
-          </a:ln>
-        </p:spPr>
-        <p:style>
-          <a:lnRef idx="1">
-            <a:schemeClr val="accent1"/>
-          </a:lnRef>
-          <a:fillRef idx="0">
-            <a:schemeClr val="accent1"/>
-          </a:fillRef>
-          <a:effectRef idx="0">
-            <a:schemeClr val="accent1"/>
-          </a:effectRef>
-          <a:fontRef idx="minor">
-            <a:schemeClr val="tx1"/>
-          </a:fontRef>
-        </p:style>
-      </p:cxnSp>
-      <p:sp>
-        <p:nvSpPr>
-          <p:cNvPr id="25" name="Retângulo 24"/>
-          <p:cNvSpPr/>
-          <p:nvPr/>
-        </p:nvSpPr>
-        <p:spPr>
-          <a:xfrm>
-            <a:off x="8575270" y="1873884"/>
-            <a:ext cx="3166196" cy="3387144"/>
-          </a:xfrm>
-          <a:prstGeom prst="rect">
-            <a:avLst/>
-          </a:prstGeom>
-          <a:noFill/>
-        </p:spPr>
-        <p:style>
-          <a:lnRef idx="2">
-            <a:schemeClr val="accent1">
-              <a:shade val="50000"/>
-            </a:schemeClr>
-          </a:lnRef>
-          <a:fillRef idx="1">
-            <a:schemeClr val="accent1"/>
-          </a:fillRef>
-          <a:effectRef idx="0">
-            <a:schemeClr val="accent1"/>
-          </a:effectRef>
-          <a:fontRef idx="minor">
-            <a:schemeClr val="lt1"/>
-          </a:fontRef>
-        </p:style>
-        <p:txBody>
-          <a:bodyPr rtlCol="0" anchor="ctr"/>
-          <a:lstStyle/>
-          <a:p>
-            <a:pPr algn="ctr"/>
-            <a:endParaRPr lang="pt-BR"/>
-          </a:p>
-        </p:txBody>
-      </p:sp>
-      <p:cxnSp>
-        <p:nvCxnSpPr>
-          <p:cNvPr id="26" name="Conector de seta reta 25"/>
-          <p:cNvCxnSpPr>
-            <a:stCxn id="5126" idx="3"/>
-            <a:endCxn id="25" idx="1"/>
-          </p:cNvCxnSpPr>
-          <p:nvPr/>
-        </p:nvCxnSpPr>
-        <p:spPr>
-          <a:xfrm>
-            <a:off x="7851973" y="3561009"/>
-            <a:ext cx="723297" cy="6447"/>
-          </a:xfrm>
-          <a:prstGeom prst="straightConnector1">
-            <a:avLst/>
-          </a:prstGeom>
-          <a:ln w="57150">
-            <a:solidFill>
-              <a:schemeClr val="tx1"/>
-            </a:solidFill>
-            <a:tailEnd type="triangle"/>
-          </a:ln>
-        </p:spPr>
-        <p:style>
-          <a:lnRef idx="1">
-            <a:schemeClr val="accent1"/>
-          </a:lnRef>
-          <a:fillRef idx="0">
-            <a:schemeClr val="accent1"/>
-          </a:fillRef>
-          <a:effectRef idx="0">
-            <a:schemeClr val="accent1"/>
-          </a:effectRef>
-          <a:fontRef idx="minor">
-            <a:schemeClr val="tx1"/>
-          </a:fontRef>
-        </p:style>
-      </p:cxnSp>
-      <p:sp>
-        <p:nvSpPr>
-          <p:cNvPr id="35" name="CaixaDeTexto 34"/>
-          <p:cNvSpPr txBox="1"/>
-          <p:nvPr/>
-        </p:nvSpPr>
-        <p:spPr>
-          <a:xfrm>
-            <a:off x="6006289" y="3949965"/>
-            <a:ext cx="2434449" cy="338554"/>
-          </a:xfrm>
-          <a:prstGeom prst="rect">
-            <a:avLst/>
-          </a:prstGeom>
-          <a:noFill/>
-        </p:spPr>
-        <p:txBody>
-          <a:bodyPr wrap="none" rtlCol="0">
-            <a:spAutoFit/>
-          </a:bodyPr>
-          <a:lstStyle/>
-          <a:p>
-            <a:r>
-              <a:rPr lang="pt-BR" sz="1600" b="1" dirty="0" err="1" smtClean="0"/>
-              <a:t>Jenkins</a:t>
-            </a:r>
-            <a:r>
-              <a:rPr lang="pt-BR" sz="1600" b="1" dirty="0" smtClean="0"/>
-              <a:t> + </a:t>
-            </a:r>
-            <a:r>
-              <a:rPr lang="pt-BR" sz="1600" b="1" dirty="0" err="1" smtClean="0"/>
-              <a:t>Docker</a:t>
-            </a:r>
-            <a:r>
-              <a:rPr lang="pt-BR" sz="1600" b="1" dirty="0" smtClean="0"/>
-              <a:t> </a:t>
-            </a:r>
-            <a:r>
-              <a:rPr lang="pt-BR" sz="1600" b="1" dirty="0" err="1" smtClean="0"/>
-              <a:t>Compose</a:t>
-            </a:r>
-            <a:endParaRPr lang="pt-BR" sz="1600" b="1" dirty="0"/>
-          </a:p>
-        </p:txBody>
-      </p:sp>
-      <p:pic>
-        <p:nvPicPr>
-          <p:cNvPr id="5130" name="Picture 10" descr="http://cloud.edifixio.com/documents/20108/0/amazon-web-services.png?t=1341472821657"/>
-          <p:cNvPicPr>
-            <a:picLocks noChangeAspect="1" noChangeArrowheads="1"/>
-          </p:cNvPicPr>
-          <p:nvPr/>
-        </p:nvPicPr>
-        <p:blipFill>
-          <a:blip r:embed="rId6" cstate="print">
-            <a:extLst>
-              <a:ext uri="{28A0092B-C50C-407E-A947-70E740481C1C}">
-                <a14:useLocalDpi xmlns:a14="http://schemas.microsoft.com/office/drawing/2010/main" val="0"/>
-              </a:ext>
-            </a:extLst>
-          </a:blip>
-          <a:srcRect/>
-          <a:stretch>
-            <a:fillRect/>
-          </a:stretch>
-        </p:blipFill>
-        <p:spPr bwMode="auto">
-          <a:xfrm>
-            <a:off x="8227039" y="1479026"/>
-            <a:ext cx="1505290" cy="555076"/>
-          </a:xfrm>
-          <a:prstGeom prst="rect">
-            <a:avLst/>
-          </a:prstGeom>
-          <a:noFill/>
-          <a:extLst>
-            <a:ext uri="{909E8E84-426E-40DD-AFC4-6F175D3DCCD1}">
-              <a14:hiddenFill xmlns:a14="http://schemas.microsoft.com/office/drawing/2010/main">
-                <a:solidFill>
-                  <a:srgbClr val="FFFFFF"/>
-                </a:solidFill>
-              </a14:hiddenFill>
-            </a:ext>
-          </a:extLst>
-        </p:spPr>
-      </p:pic>
-      <p:grpSp>
-        <p:nvGrpSpPr>
-          <p:cNvPr id="32" name="Grupo 31"/>
-          <p:cNvGrpSpPr/>
-          <p:nvPr/>
-        </p:nvGrpSpPr>
-        <p:grpSpPr>
-          <a:xfrm>
-            <a:off x="8842487" y="3764761"/>
-            <a:ext cx="971676" cy="1163329"/>
-            <a:chOff x="8848696" y="2439665"/>
-            <a:chExt cx="971676" cy="1163329"/>
-          </a:xfrm>
-        </p:grpSpPr>
-        <p:pic>
-          <p:nvPicPr>
-            <p:cNvPr id="5134" name="Picture 14" descr="http://www.boundary.com/wp-content/themes/boundary2014/images/integrations/aws-ec2.png"/>
-            <p:cNvPicPr>
-              <a:picLocks noChangeAspect="1" noChangeArrowheads="1"/>
-            </p:cNvPicPr>
-            <p:nvPr/>
-          </p:nvPicPr>
-          <p:blipFill>
-            <a:blip r:embed="rId7" cstate="print">
-              <a:extLst>
-                <a:ext uri="{28A0092B-C50C-407E-A947-70E740481C1C}">
-                  <a14:useLocalDpi xmlns:a14="http://schemas.microsoft.com/office/drawing/2010/main" val="0"/>
-                </a:ext>
-              </a:extLst>
-            </a:blip>
-            <a:srcRect/>
-            <a:stretch>
-              <a:fillRect/>
-            </a:stretch>
-          </p:blipFill>
-          <p:spPr bwMode="auto">
-            <a:xfrm>
-              <a:off x="8985893" y="2439665"/>
-              <a:ext cx="697283" cy="697283"/>
-            </a:xfrm>
-            <a:prstGeom prst="rect">
-              <a:avLst/>
-            </a:prstGeom>
-            <a:noFill/>
-            <a:extLst>
-              <a:ext uri="{909E8E84-426E-40DD-AFC4-6F175D3DCCD1}">
-                <a14:hiddenFill xmlns:a14="http://schemas.microsoft.com/office/drawing/2010/main">
-                  <a:solidFill>
-                    <a:srgbClr val="FFFFFF"/>
-                  </a:solidFill>
-                </a14:hiddenFill>
-              </a:ext>
-            </a:extLst>
-          </p:spPr>
-        </p:pic>
-        <p:sp>
-          <p:nvSpPr>
-            <p:cNvPr id="40" name="CaixaDeTexto 39"/>
-            <p:cNvSpPr txBox="1"/>
-            <p:nvPr/>
-          </p:nvSpPr>
-          <p:spPr>
-            <a:xfrm>
-              <a:off x="8848696" y="3141329"/>
-              <a:ext cx="971676" cy="461665"/>
-            </a:xfrm>
-            <a:prstGeom prst="rect">
-              <a:avLst/>
-            </a:prstGeom>
-            <a:noFill/>
-          </p:spPr>
-          <p:txBody>
-            <a:bodyPr wrap="none" rtlCol="0">
-              <a:spAutoFit/>
-            </a:bodyPr>
-            <a:lstStyle/>
-            <a:p>
-              <a:pPr algn="ctr"/>
-              <a:r>
-                <a:rPr lang="pt-BR" sz="1200" b="1" dirty="0" err="1" smtClean="0"/>
-                <a:t>Amazon</a:t>
-              </a:r>
-              <a:r>
-                <a:rPr lang="pt-BR" sz="1200" b="1" dirty="0" smtClean="0"/>
-                <a:t> EC2</a:t>
-              </a:r>
-            </a:p>
-            <a:p>
-              <a:pPr algn="ctr"/>
-              <a:r>
-                <a:rPr lang="pt-BR" sz="1200" b="1" dirty="0" smtClean="0"/>
-                <a:t>BI SERVER</a:t>
-              </a:r>
-              <a:endParaRPr lang="pt-BR" sz="1200" b="1" dirty="0"/>
-            </a:p>
-          </p:txBody>
-        </p:sp>
-      </p:grpSp>
-      <p:grpSp>
-        <p:nvGrpSpPr>
-          <p:cNvPr id="33" name="Grupo 32"/>
-          <p:cNvGrpSpPr/>
-          <p:nvPr/>
-        </p:nvGrpSpPr>
-        <p:grpSpPr>
-          <a:xfrm>
-            <a:off x="8842487" y="2367040"/>
-            <a:ext cx="971676" cy="1133449"/>
-            <a:chOff x="8945518" y="3866156"/>
-            <a:chExt cx="971676" cy="1133449"/>
-          </a:xfrm>
-        </p:grpSpPr>
-        <p:pic>
-          <p:nvPicPr>
-            <p:cNvPr id="41" name="Picture 14" descr="http://www.boundary.com/wp-content/themes/boundary2014/images/integrations/aws-ec2.png"/>
-            <p:cNvPicPr>
-              <a:picLocks noChangeAspect="1" noChangeArrowheads="1"/>
-            </p:cNvPicPr>
-            <p:nvPr/>
-          </p:nvPicPr>
-          <p:blipFill>
-            <a:blip r:embed="rId7" cstate="print">
-              <a:extLst>
-                <a:ext uri="{28A0092B-C50C-407E-A947-70E740481C1C}">
-                  <a14:useLocalDpi xmlns:a14="http://schemas.microsoft.com/office/drawing/2010/main" val="0"/>
-                </a:ext>
-              </a:extLst>
-            </a:blip>
-            <a:srcRect/>
-            <a:stretch>
-              <a:fillRect/>
-            </a:stretch>
-          </p:blipFill>
-          <p:spPr bwMode="auto">
-            <a:xfrm>
-              <a:off x="8985892" y="3866156"/>
-              <a:ext cx="697283" cy="697283"/>
-            </a:xfrm>
-            <a:prstGeom prst="rect">
-              <a:avLst/>
-            </a:prstGeom>
-            <a:noFill/>
-            <a:extLst>
-              <a:ext uri="{909E8E84-426E-40DD-AFC4-6F175D3DCCD1}">
-                <a14:hiddenFill xmlns:a14="http://schemas.microsoft.com/office/drawing/2010/main">
-                  <a:solidFill>
-                    <a:srgbClr val="FFFFFF"/>
-                  </a:solidFill>
-                </a14:hiddenFill>
-              </a:ext>
-            </a:extLst>
-          </p:spPr>
-        </p:pic>
-        <p:sp>
-          <p:nvSpPr>
-            <p:cNvPr id="43" name="CaixaDeTexto 42"/>
-            <p:cNvSpPr txBox="1"/>
-            <p:nvPr/>
-          </p:nvSpPr>
-          <p:spPr>
-            <a:xfrm>
-              <a:off x="8945518" y="4537940"/>
-              <a:ext cx="971676" cy="461665"/>
-            </a:xfrm>
-            <a:prstGeom prst="rect">
-              <a:avLst/>
-            </a:prstGeom>
-            <a:noFill/>
-          </p:spPr>
-          <p:txBody>
-            <a:bodyPr wrap="none" rtlCol="0">
-              <a:spAutoFit/>
-            </a:bodyPr>
-            <a:lstStyle/>
-            <a:p>
-              <a:pPr algn="ctr"/>
-              <a:r>
-                <a:rPr lang="pt-BR" sz="1200" b="1" dirty="0" err="1" smtClean="0"/>
-                <a:t>Amazon</a:t>
-              </a:r>
-              <a:r>
-                <a:rPr lang="pt-BR" sz="1200" b="1" dirty="0" smtClean="0"/>
-                <a:t> EC2</a:t>
-              </a:r>
-            </a:p>
-            <a:p>
-              <a:pPr algn="ctr"/>
-              <a:r>
-                <a:rPr lang="pt-BR" sz="1200" b="1" dirty="0" smtClean="0"/>
-                <a:t>PDI</a:t>
-              </a:r>
-              <a:endParaRPr lang="pt-BR" sz="1200" b="1" dirty="0"/>
-            </a:p>
-          </p:txBody>
-        </p:sp>
-      </p:grpSp>
-      <p:grpSp>
-        <p:nvGrpSpPr>
-          <p:cNvPr id="36" name="Grupo 35"/>
-          <p:cNvGrpSpPr/>
-          <p:nvPr/>
-        </p:nvGrpSpPr>
-        <p:grpSpPr>
-          <a:xfrm>
-            <a:off x="10231308" y="3017720"/>
-            <a:ext cx="1510158" cy="1343548"/>
-            <a:chOff x="10231308" y="3017720"/>
-            <a:chExt cx="1510158" cy="1343548"/>
-          </a:xfrm>
-        </p:grpSpPr>
-        <p:pic>
-          <p:nvPicPr>
-            <p:cNvPr id="5136" name="Picture 16" descr="https://clouda-assets.s3.amazonaws.com/upload/54d0e46ad287c266042be611.png?1422976107"/>
-            <p:cNvPicPr>
-              <a:picLocks noChangeAspect="1" noChangeArrowheads="1"/>
-            </p:cNvPicPr>
-            <p:nvPr/>
-          </p:nvPicPr>
-          <p:blipFill>
-            <a:blip r:embed="rId8" cstate="print">
-              <a:extLst>
-                <a:ext uri="{28A0092B-C50C-407E-A947-70E740481C1C}">
-                  <a14:useLocalDpi xmlns:a14="http://schemas.microsoft.com/office/drawing/2010/main" val="0"/>
-                </a:ext>
-              </a:extLst>
-            </a:blip>
-            <a:srcRect/>
-            <a:stretch>
-              <a:fillRect/>
-            </a:stretch>
-          </p:blipFill>
-          <p:spPr bwMode="auto">
-            <a:xfrm>
-              <a:off x="10561158" y="3017720"/>
-              <a:ext cx="850458" cy="850458"/>
-            </a:xfrm>
-            <a:prstGeom prst="rect">
-              <a:avLst/>
-            </a:prstGeom>
-            <a:noFill/>
-            <a:extLst>
-              <a:ext uri="{909E8E84-426E-40DD-AFC4-6F175D3DCCD1}">
-                <a14:hiddenFill xmlns:a14="http://schemas.microsoft.com/office/drawing/2010/main">
-                  <a:solidFill>
-                    <a:srgbClr val="FFFFFF"/>
-                  </a:solidFill>
-                </a14:hiddenFill>
-              </a:ext>
-            </a:extLst>
-          </p:spPr>
-        </p:pic>
-        <p:sp>
-          <p:nvSpPr>
-            <p:cNvPr id="47" name="CaixaDeTexto 46"/>
-            <p:cNvSpPr txBox="1"/>
-            <p:nvPr/>
-          </p:nvSpPr>
-          <p:spPr>
-            <a:xfrm>
-              <a:off x="10231308" y="3899603"/>
-              <a:ext cx="1510158" cy="461665"/>
-            </a:xfrm>
-            <a:prstGeom prst="rect">
-              <a:avLst/>
-            </a:prstGeom>
-            <a:noFill/>
-          </p:spPr>
-          <p:txBody>
-            <a:bodyPr wrap="none" rtlCol="0">
-              <a:spAutoFit/>
-            </a:bodyPr>
-            <a:lstStyle/>
-            <a:p>
-              <a:pPr algn="ctr"/>
-              <a:r>
-                <a:rPr lang="pt-BR" sz="1200" b="1" dirty="0" err="1" smtClean="0"/>
-                <a:t>Amazon</a:t>
-              </a:r>
-              <a:r>
-                <a:rPr lang="pt-BR" sz="1200" b="1" dirty="0" smtClean="0"/>
-                <a:t> RDS</a:t>
-              </a:r>
-            </a:p>
-            <a:p>
-              <a:pPr algn="ctr"/>
-              <a:r>
-                <a:rPr lang="pt-BR" sz="1200" b="1" dirty="0" err="1" smtClean="0"/>
-                <a:t>Postgresql</a:t>
-              </a:r>
-              <a:r>
-                <a:rPr lang="pt-BR" sz="1200" b="1" dirty="0" smtClean="0"/>
-                <a:t> / </a:t>
-              </a:r>
-              <a:r>
-                <a:rPr lang="pt-BR" sz="1200" b="1" dirty="0" err="1" smtClean="0"/>
-                <a:t>Redshift</a:t>
-              </a:r>
-              <a:endParaRPr lang="pt-BR" sz="1200" b="1" dirty="0"/>
-            </a:p>
-          </p:txBody>
-        </p:sp>
-      </p:grpSp>
-      <p:cxnSp>
-        <p:nvCxnSpPr>
-          <p:cNvPr id="38" name="Conector de seta reta 37"/>
-          <p:cNvCxnSpPr>
-            <a:stCxn id="41" idx="3"/>
-          </p:cNvCxnSpPr>
-          <p:nvPr/>
-        </p:nvCxnSpPr>
-        <p:spPr>
-          <a:xfrm>
-            <a:off x="9580144" y="2715682"/>
-            <a:ext cx="981014" cy="465400"/>
-          </a:xfrm>
-          <a:prstGeom prst="straightConnector1">
-            <a:avLst/>
-          </a:prstGeom>
-          <a:ln>
-            <a:solidFill>
-              <a:schemeClr val="tx1"/>
-            </a:solidFill>
-            <a:tailEnd type="triangle"/>
-          </a:ln>
-        </p:spPr>
-        <p:style>
-          <a:lnRef idx="1">
-            <a:schemeClr val="accent1"/>
-          </a:lnRef>
-          <a:fillRef idx="0">
-            <a:schemeClr val="accent1"/>
-          </a:fillRef>
-          <a:effectRef idx="0">
-            <a:schemeClr val="accent1"/>
-          </a:effectRef>
-          <a:fontRef idx="minor">
-            <a:schemeClr val="tx1"/>
-          </a:fontRef>
-        </p:style>
-      </p:cxnSp>
-      <p:cxnSp>
-        <p:nvCxnSpPr>
-          <p:cNvPr id="52" name="Conector de seta reta 51"/>
-          <p:cNvCxnSpPr>
-            <a:endCxn id="5134" idx="3"/>
-          </p:cNvCxnSpPr>
-          <p:nvPr/>
-        </p:nvCxnSpPr>
-        <p:spPr>
-          <a:xfrm flipH="1">
-            <a:off x="9676967" y="3764761"/>
-            <a:ext cx="884191" cy="348642"/>
-          </a:xfrm>
-          <a:prstGeom prst="straightConnector1">
-            <a:avLst/>
-          </a:prstGeom>
-          <a:ln>
-            <a:solidFill>
-              <a:schemeClr val="tx1"/>
-            </a:solidFill>
-            <a:tailEnd type="triangle"/>
-          </a:ln>
-        </p:spPr>
-        <p:style>
-          <a:lnRef idx="1">
-            <a:schemeClr val="accent1"/>
-          </a:lnRef>
-          <a:fillRef idx="0">
-            <a:schemeClr val="accent1"/>
-          </a:fillRef>
-          <a:effectRef idx="0">
-            <a:schemeClr val="accent1"/>
-          </a:effectRef>
-          <a:fontRef idx="minor">
-            <a:schemeClr val="tx1"/>
-          </a:fontRef>
-        </p:style>
-      </p:cxnSp>
-      <p:sp>
-        <p:nvSpPr>
-          <p:cNvPr id="57" name="CaixaDeTexto 56"/>
-          <p:cNvSpPr txBox="1"/>
-          <p:nvPr/>
-        </p:nvSpPr>
-        <p:spPr>
-          <a:xfrm>
-            <a:off x="9886149" y="2700990"/>
-            <a:ext cx="402675" cy="276999"/>
-          </a:xfrm>
-          <a:prstGeom prst="rect">
-            <a:avLst/>
-          </a:prstGeom>
-          <a:noFill/>
-        </p:spPr>
-        <p:txBody>
-          <a:bodyPr wrap="none" rtlCol="0">
-            <a:spAutoFit/>
-          </a:bodyPr>
-          <a:lstStyle/>
-          <a:p>
-            <a:pPr algn="ctr"/>
-            <a:r>
-              <a:rPr lang="pt-BR" sz="1200" b="1" dirty="0" smtClean="0"/>
-              <a:t>ETL</a:t>
-            </a:r>
-            <a:endParaRPr lang="pt-BR" sz="1200" b="1" dirty="0"/>
-          </a:p>
-        </p:txBody>
-      </p:sp>
-      <p:cxnSp>
-        <p:nvCxnSpPr>
-          <p:cNvPr id="58" name="Conector de seta reta 57"/>
-          <p:cNvCxnSpPr/>
-          <p:nvPr/>
-        </p:nvCxnSpPr>
-        <p:spPr>
-          <a:xfrm>
-            <a:off x="7831786" y="2552851"/>
-            <a:ext cx="723297" cy="6447"/>
-          </a:xfrm>
-          <a:prstGeom prst="straightConnector1">
-            <a:avLst/>
-          </a:prstGeom>
-          <a:ln w="57150">
-            <a:solidFill>
-              <a:schemeClr val="tx1"/>
-            </a:solidFill>
-            <a:tailEnd type="triangle"/>
-          </a:ln>
-        </p:spPr>
-        <p:style>
-          <a:lnRef idx="1">
-            <a:schemeClr val="accent1"/>
-          </a:lnRef>
-          <a:fillRef idx="0">
-            <a:schemeClr val="accent1"/>
-          </a:fillRef>
-          <a:effectRef idx="0">
-            <a:schemeClr val="accent1"/>
-          </a:effectRef>
-          <a:fontRef idx="minor">
-            <a:schemeClr val="tx1"/>
-          </a:fontRef>
-        </p:style>
-      </p:cxnSp>
-      <p:pic>
-        <p:nvPicPr>
-          <p:cNvPr id="5138" name="Picture 18" descr="https://news.namebay.com/wp-content/uploads/2015/09/Database_iStock_000020783950XSmall_0.jpg"/>
-          <p:cNvPicPr>
-            <a:picLocks noChangeAspect="1" noChangeArrowheads="1"/>
-          </p:cNvPicPr>
-          <p:nvPr/>
-        </p:nvPicPr>
-        <p:blipFill>
-          <a:blip r:embed="rId9" cstate="print">
-            <a:extLst>
-              <a:ext uri="{28A0092B-C50C-407E-A947-70E740481C1C}">
-                <a14:useLocalDpi xmlns:a14="http://schemas.microsoft.com/office/drawing/2010/main" val="0"/>
-              </a:ext>
-            </a:extLst>
-          </a:blip>
-          <a:srcRect/>
-          <a:stretch>
-            <a:fillRect/>
-          </a:stretch>
-        </p:blipFill>
-        <p:spPr bwMode="auto">
-          <a:xfrm>
-            <a:off x="7218152" y="1971637"/>
-            <a:ext cx="488114" cy="486707"/>
-          </a:xfrm>
-          <a:prstGeom prst="rect">
-            <a:avLst/>
-          </a:prstGeom>
-          <a:noFill/>
-          <a:extLst>
-            <a:ext uri="{909E8E84-426E-40DD-AFC4-6F175D3DCCD1}">
-              <a14:hiddenFill xmlns:a14="http://schemas.microsoft.com/office/drawing/2010/main">
-                <a:solidFill>
-                  <a:srgbClr val="FFFFFF"/>
-                </a:solidFill>
-              </a14:hiddenFill>
-            </a:ext>
-          </a:extLst>
-        </p:spPr>
-      </p:pic>
-      <p:sp>
-        <p:nvSpPr>
-          <p:cNvPr id="61" name="Retângulo 60"/>
-          <p:cNvSpPr/>
-          <p:nvPr/>
-        </p:nvSpPr>
-        <p:spPr>
-          <a:xfrm>
-            <a:off x="6357062" y="1864683"/>
-            <a:ext cx="1429984" cy="1153037"/>
-          </a:xfrm>
-          <a:prstGeom prst="rect">
-            <a:avLst/>
-          </a:prstGeom>
-          <a:noFill/>
-        </p:spPr>
-        <p:style>
-          <a:lnRef idx="2">
-            <a:schemeClr val="accent1">
-              <a:shade val="50000"/>
-            </a:schemeClr>
-          </a:lnRef>
-          <a:fillRef idx="1">
-            <a:schemeClr val="accent1"/>
-          </a:fillRef>
-          <a:effectRef idx="0">
-            <a:schemeClr val="accent1"/>
-          </a:effectRef>
-          <a:fontRef idx="minor">
-            <a:schemeClr val="lt1"/>
-          </a:fontRef>
-        </p:style>
-        <p:txBody>
-          <a:bodyPr rtlCol="0" anchor="ctr"/>
-          <a:lstStyle/>
-          <a:p>
-            <a:pPr algn="ctr"/>
-            <a:endParaRPr lang="pt-BR"/>
-          </a:p>
-        </p:txBody>
-      </p:sp>
-      <p:sp>
-        <p:nvSpPr>
-          <p:cNvPr id="62" name="CaixaDeTexto 61"/>
-          <p:cNvSpPr txBox="1"/>
-          <p:nvPr/>
-        </p:nvSpPr>
-        <p:spPr>
-          <a:xfrm>
-            <a:off x="6307315" y="1560495"/>
-            <a:ext cx="1588384" cy="338554"/>
-          </a:xfrm>
-          <a:prstGeom prst="rect">
-            <a:avLst/>
-          </a:prstGeom>
-          <a:noFill/>
-        </p:spPr>
-        <p:txBody>
-          <a:bodyPr wrap="none" rtlCol="0">
-            <a:spAutoFit/>
-          </a:bodyPr>
-          <a:lstStyle/>
-          <a:p>
-            <a:r>
-              <a:rPr lang="pt-BR" sz="1600" b="1" dirty="0" smtClean="0"/>
-              <a:t>Fontes de Dados</a:t>
-            </a:r>
-            <a:endParaRPr lang="pt-BR" sz="1600" b="1" dirty="0"/>
-          </a:p>
-        </p:txBody>
-      </p:sp>
-      <p:pic>
-        <p:nvPicPr>
-          <p:cNvPr id="5140" name="Picture 20" descr="http://i1157.photobucket.com/albums/p596/Ne-22/Excel2007Logo.png"/>
-          <p:cNvPicPr>
-            <a:picLocks noChangeAspect="1" noChangeArrowheads="1"/>
-          </p:cNvPicPr>
-          <p:nvPr/>
-        </p:nvPicPr>
-        <p:blipFill>
-          <a:blip r:embed="rId10" cstate="print">
-            <a:extLst>
-              <a:ext uri="{28A0092B-C50C-407E-A947-70E740481C1C}">
-                <a14:useLocalDpi xmlns:a14="http://schemas.microsoft.com/office/drawing/2010/main" val="0"/>
-              </a:ext>
-            </a:extLst>
-          </a:blip>
-          <a:srcRect/>
-          <a:stretch>
-            <a:fillRect/>
-          </a:stretch>
-        </p:blipFill>
-        <p:spPr bwMode="auto">
-          <a:xfrm>
-            <a:off x="7325024" y="2578184"/>
-            <a:ext cx="345434" cy="345434"/>
-          </a:xfrm>
-          <a:prstGeom prst="rect">
-            <a:avLst/>
-          </a:prstGeom>
-          <a:noFill/>
-          <a:extLst>
-            <a:ext uri="{909E8E84-426E-40DD-AFC4-6F175D3DCCD1}">
-              <a14:hiddenFill xmlns:a14="http://schemas.microsoft.com/office/drawing/2010/main">
-                <a:solidFill>
-                  <a:srgbClr val="FFFFFF"/>
-                </a:solidFill>
-              </a14:hiddenFill>
-            </a:ext>
-          </a:extLst>
-        </p:spPr>
-      </p:pic>
-      <p:pic>
-        <p:nvPicPr>
-          <p:cNvPr id="5142" name="Picture 22" descr="http://drstaceynaito.files.wordpress.com/2013/12/social-media-logos.jpg"/>
-          <p:cNvPicPr>
-            <a:picLocks noChangeAspect="1" noChangeArrowheads="1"/>
-          </p:cNvPicPr>
-          <p:nvPr/>
-        </p:nvPicPr>
-        <p:blipFill>
-          <a:blip r:embed="rId11" cstate="print">
-            <a:extLst>
-              <a:ext uri="{28A0092B-C50C-407E-A947-70E740481C1C}">
-                <a14:useLocalDpi xmlns:a14="http://schemas.microsoft.com/office/drawing/2010/main" val="0"/>
-              </a:ext>
-            </a:extLst>
-          </a:blip>
-          <a:srcRect/>
-          <a:stretch>
-            <a:fillRect/>
-          </a:stretch>
-        </p:blipFill>
-        <p:spPr bwMode="auto">
-          <a:xfrm>
-            <a:off x="6376279" y="1899049"/>
-            <a:ext cx="878011" cy="647713"/>
-          </a:xfrm>
-          <a:prstGeom prst="rect">
-            <a:avLst/>
-          </a:prstGeom>
-          <a:noFill/>
-          <a:extLst>
-            <a:ext uri="{909E8E84-426E-40DD-AFC4-6F175D3DCCD1}">
-              <a14:hiddenFill xmlns:a14="http://schemas.microsoft.com/office/drawing/2010/main">
-                <a:solidFill>
-                  <a:srgbClr val="FFFFFF"/>
-                </a:solidFill>
-              </a14:hiddenFill>
-            </a:ext>
-          </a:extLst>
-        </p:spPr>
-      </p:pic>
-      <p:pic>
-        <p:nvPicPr>
-          <p:cNvPr id="5144" name="Picture 24" descr="http://www.transparencia.mg.gov.br/images/stories/csv-logo.png"/>
-          <p:cNvPicPr>
-            <a:picLocks noChangeAspect="1" noChangeArrowheads="1"/>
-          </p:cNvPicPr>
-          <p:nvPr/>
-        </p:nvPicPr>
-        <p:blipFill>
-          <a:blip r:embed="rId12" cstate="print">
-            <a:extLst>
-              <a:ext uri="{28A0092B-C50C-407E-A947-70E740481C1C}">
-                <a14:useLocalDpi xmlns:a14="http://schemas.microsoft.com/office/drawing/2010/main" val="0"/>
-              </a:ext>
-            </a:extLst>
-          </a:blip>
-          <a:srcRect/>
-          <a:stretch>
-            <a:fillRect/>
-          </a:stretch>
-        </p:blipFill>
-        <p:spPr bwMode="auto">
-          <a:xfrm>
-            <a:off x="6846183" y="2571394"/>
-            <a:ext cx="360853" cy="360853"/>
-          </a:xfrm>
-          <a:prstGeom prst="rect">
-            <a:avLst/>
-          </a:prstGeom>
-          <a:noFill/>
-          <a:extLst>
-            <a:ext uri="{909E8E84-426E-40DD-AFC4-6F175D3DCCD1}">
-              <a14:hiddenFill xmlns:a14="http://schemas.microsoft.com/office/drawing/2010/main">
-                <a:solidFill>
-                  <a:srgbClr val="FFFFFF"/>
-                </a:solidFill>
-              </a14:hiddenFill>
-            </a:ext>
-          </a:extLst>
-        </p:spPr>
-      </p:pic>
-      <p:pic>
-        <p:nvPicPr>
-          <p:cNvPr id="5146" name="Picture 26" descr="https://www.west-wind.com/wsdlgenerator/images/WebService_128.png"/>
-          <p:cNvPicPr>
-            <a:picLocks noChangeAspect="1" noChangeArrowheads="1"/>
-          </p:cNvPicPr>
-          <p:nvPr/>
-        </p:nvPicPr>
-        <p:blipFill>
-          <a:blip r:embed="rId13" cstate="print">
-            <a:extLst>
-              <a:ext uri="{28A0092B-C50C-407E-A947-70E740481C1C}">
-                <a14:useLocalDpi xmlns:a14="http://schemas.microsoft.com/office/drawing/2010/main" val="0"/>
-              </a:ext>
-            </a:extLst>
-          </a:blip>
-          <a:srcRect/>
-          <a:stretch>
-            <a:fillRect/>
-          </a:stretch>
-        </p:blipFill>
-        <p:spPr bwMode="auto">
-          <a:xfrm>
-            <a:off x="6384843" y="2574959"/>
-            <a:ext cx="393949" cy="393949"/>
-          </a:xfrm>
-          <a:prstGeom prst="rect">
-            <a:avLst/>
-          </a:prstGeom>
-          <a:noFill/>
-          <a:extLst>
-            <a:ext uri="{909E8E84-426E-40DD-AFC4-6F175D3DCCD1}">
-              <a14:hiddenFill xmlns:a14="http://schemas.microsoft.com/office/drawing/2010/main">
-                <a:solidFill>
-                  <a:srgbClr val="FFFFFF"/>
-                </a:solidFill>
-              </a14:hiddenFill>
-            </a:ext>
-          </a:extLst>
-        </p:spPr>
-      </p:pic>
-      <p:pic>
-        <p:nvPicPr>
-          <p:cNvPr id="5150" name="Picture 30" descr="http://simpleicon.com/wp-content/uploads/users.png"/>
-          <p:cNvPicPr>
-            <a:picLocks noChangeAspect="1" noChangeArrowheads="1"/>
-          </p:cNvPicPr>
-          <p:nvPr/>
-        </p:nvPicPr>
-        <p:blipFill>
-          <a:blip r:embed="rId14" cstate="print">
-            <a:extLst>
-              <a:ext uri="{28A0092B-C50C-407E-A947-70E740481C1C}">
-                <a14:useLocalDpi xmlns:a14="http://schemas.microsoft.com/office/drawing/2010/main" val="0"/>
-              </a:ext>
-            </a:extLst>
-          </a:blip>
-          <a:srcRect/>
-          <a:stretch>
-            <a:fillRect/>
-          </a:stretch>
-        </p:blipFill>
-        <p:spPr bwMode="auto">
-          <a:xfrm>
-            <a:off x="6580004" y="4588477"/>
-            <a:ext cx="963163" cy="963163"/>
-          </a:xfrm>
-          <a:prstGeom prst="rect">
-            <a:avLst/>
-          </a:prstGeom>
-          <a:noFill/>
-          <a:extLst>
-            <a:ext uri="{909E8E84-426E-40DD-AFC4-6F175D3DCCD1}">
-              <a14:hiddenFill xmlns:a14="http://schemas.microsoft.com/office/drawing/2010/main">
-                <a:solidFill>
-                  <a:srgbClr val="FFFFFF"/>
-                </a:solidFill>
-              </a14:hiddenFill>
-            </a:ext>
-          </a:extLst>
-        </p:spPr>
-      </p:pic>
-      <p:cxnSp>
-        <p:nvCxnSpPr>
-          <p:cNvPr id="70" name="Conector de seta reta 69"/>
-          <p:cNvCxnSpPr>
-            <a:endCxn id="5150" idx="3"/>
-          </p:cNvCxnSpPr>
-          <p:nvPr/>
-        </p:nvCxnSpPr>
-        <p:spPr>
-          <a:xfrm flipH="1">
-            <a:off x="7543167" y="5063442"/>
-            <a:ext cx="1011916" cy="6617"/>
-          </a:xfrm>
-          <a:prstGeom prst="straightConnector1">
-            <a:avLst/>
-          </a:prstGeom>
-          <a:ln w="57150">
-            <a:solidFill>
-              <a:schemeClr val="tx1"/>
-            </a:solidFill>
-            <a:tailEnd type="triangle"/>
-          </a:ln>
-        </p:spPr>
-        <p:style>
-          <a:lnRef idx="1">
-            <a:schemeClr val="accent1"/>
-          </a:lnRef>
-          <a:fillRef idx="0">
-            <a:schemeClr val="accent1"/>
-          </a:fillRef>
-          <a:effectRef idx="0">
-            <a:schemeClr val="accent1"/>
-          </a:effectRef>
-          <a:fontRef idx="minor">
-            <a:schemeClr val="tx1"/>
-          </a:fontRef>
-        </p:style>
-      </p:cxnSp>
       <p:sp>
         <p:nvSpPr>
           <p:cNvPr id="75" name="Retângulo 74"/>
@@ -15869,12 +14580,20 @@
           <a:p>
             <a:pPr algn="ctr"/>
             <a:r>
+              <a:rPr lang="pt-BR" sz="3200" b="1" dirty="0" err="1" smtClean="0">
+                <a:solidFill>
+                  <a:schemeClr val="bg1"/>
+                </a:solidFill>
+              </a:rPr>
+              <a:t>Architecture</a:t>
+            </a:r>
+            <a:r>
               <a:rPr lang="pt-BR" sz="3200" b="1" dirty="0" smtClean="0">
                 <a:solidFill>
                   <a:schemeClr val="bg1"/>
                 </a:solidFill>
               </a:rPr>
-              <a:t>Arquitetura</a:t>
+              <a:t> </a:t>
             </a:r>
             <a:endParaRPr lang="pt-BR" sz="3200" b="1" dirty="0">
               <a:solidFill>
@@ -15884,47 +14603,1839 @@
           </a:p>
         </p:txBody>
       </p:sp>
-      <p:pic>
-        <p:nvPicPr>
-          <p:cNvPr id="77" name="Picture 2" descr="https://upload.wikimedia.org/wikipedia/en/c/c1/Pentaho_new_logo_2013.png"/>
-          <p:cNvPicPr>
-            <a:picLocks noChangeAspect="1" noChangeArrowheads="1"/>
-          </p:cNvPicPr>
+      <p:grpSp>
+        <p:nvGrpSpPr>
+          <p:cNvPr id="4" name="Grupo 3"/>
+          <p:cNvGrpSpPr/>
           <p:nvPr/>
-        </p:nvPicPr>
-        <p:blipFill>
-          <a:blip r:embed="rId15" cstate="print">
+        </p:nvGrpSpPr>
+        <p:grpSpPr>
+          <a:xfrm>
+            <a:off x="463641" y="1059841"/>
+            <a:ext cx="11277825" cy="4491799"/>
+            <a:chOff x="463641" y="1059841"/>
+            <a:chExt cx="11277825" cy="4491799"/>
+          </a:xfrm>
+        </p:grpSpPr>
+        <p:pic>
+          <p:nvPicPr>
+            <p:cNvPr id="5148" name="Picture 28" descr="http://www.seanculey.com/wp-content/uploads/2015/06/business-analytics.png"/>
+            <p:cNvPicPr>
+              <a:picLocks noChangeAspect="1" noChangeArrowheads="1"/>
+            </p:cNvPicPr>
+            <p:nvPr/>
+          </p:nvPicPr>
+          <p:blipFill>
+            <a:blip r:embed="rId2" cstate="print">
+              <a:extLst>
+                <a:ext uri="{28A0092B-C50C-407E-A947-70E740481C1C}">
+                  <a14:useLocalDpi xmlns:a14="http://schemas.microsoft.com/office/drawing/2010/main" val="0"/>
+                </a:ext>
+              </a:extLst>
+            </a:blip>
+            <a:srcRect/>
+            <a:stretch>
+              <a:fillRect/>
+            </a:stretch>
+          </p:blipFill>
+          <p:spPr bwMode="auto">
+            <a:xfrm>
+              <a:off x="7741444" y="4516602"/>
+              <a:ext cx="848489" cy="577761"/>
+            </a:xfrm>
+            <a:prstGeom prst="rect">
+              <a:avLst/>
+            </a:prstGeom>
+            <a:noFill/>
             <a:extLst>
-              <a:ext uri="{28A0092B-C50C-407E-A947-70E740481C1C}">
-                <a14:useLocalDpi xmlns:a14="http://schemas.microsoft.com/office/drawing/2010/main" val="0"/>
+              <a:ext uri="{909E8E84-426E-40DD-AFC4-6F175D3DCCD1}">
+                <a14:hiddenFill xmlns:a14="http://schemas.microsoft.com/office/drawing/2010/main">
+                  <a:solidFill>
+                    <a:srgbClr val="FFFFFF"/>
+                  </a:solidFill>
+                </a14:hiddenFill>
               </a:ext>
             </a:extLst>
-          </a:blip>
-          <a:srcRect/>
-          <a:stretch>
-            <a:fillRect/>
-          </a:stretch>
-        </p:blipFill>
-        <p:spPr bwMode="auto">
-          <a:xfrm>
-            <a:off x="8789433" y="3462413"/>
-            <a:ext cx="1024730" cy="273749"/>
-          </a:xfrm>
-          <a:prstGeom prst="rect">
-            <a:avLst/>
-          </a:prstGeom>
-          <a:noFill/>
-          <a:extLst>
-            <a:ext uri="{909E8E84-426E-40DD-AFC4-6F175D3DCCD1}">
-              <a14:hiddenFill xmlns:a14="http://schemas.microsoft.com/office/drawing/2010/main">
-                <a:solidFill>
-                  <a:srgbClr val="FFFFFF"/>
-                </a:solidFill>
-              </a14:hiddenFill>
-            </a:ext>
-          </a:extLst>
-        </p:spPr>
-      </p:pic>
+          </p:spPr>
+        </p:pic>
+        <p:sp>
+          <p:nvSpPr>
+            <p:cNvPr id="2" name="Retângulo 1"/>
+            <p:cNvSpPr/>
+            <p:nvPr/>
+          </p:nvSpPr>
+          <p:spPr>
+            <a:xfrm>
+              <a:off x="463641" y="1867437"/>
+              <a:ext cx="2279559" cy="3387144"/>
+            </a:xfrm>
+            <a:prstGeom prst="rect">
+              <a:avLst/>
+            </a:prstGeom>
+            <a:noFill/>
+          </p:spPr>
+          <p:style>
+            <a:lnRef idx="2">
+              <a:schemeClr val="accent1">
+                <a:shade val="50000"/>
+              </a:schemeClr>
+            </a:lnRef>
+            <a:fillRef idx="1">
+              <a:schemeClr val="accent1"/>
+            </a:fillRef>
+            <a:effectRef idx="0">
+              <a:schemeClr val="accent1"/>
+            </a:effectRef>
+            <a:fontRef idx="minor">
+              <a:schemeClr val="lt1"/>
+            </a:fontRef>
+          </p:style>
+          <p:txBody>
+            <a:bodyPr rtlCol="0" anchor="ctr"/>
+            <a:lstStyle/>
+            <a:p>
+              <a:pPr algn="ctr"/>
+              <a:endParaRPr lang="pt-BR"/>
+            </a:p>
+          </p:txBody>
+        </p:sp>
+        <p:pic>
+          <p:nvPicPr>
+            <p:cNvPr id="5122" name="Picture 2" descr="https://assets-cdn.github.com/images/modules/logos_page/Octocat.png"/>
+            <p:cNvPicPr>
+              <a:picLocks noChangeAspect="1" noChangeArrowheads="1"/>
+            </p:cNvPicPr>
+            <p:nvPr/>
+          </p:nvPicPr>
+          <p:blipFill>
+            <a:blip r:embed="rId3" cstate="print">
+              <a:extLst>
+                <a:ext uri="{28A0092B-C50C-407E-A947-70E740481C1C}">
+                  <a14:useLocalDpi xmlns:a14="http://schemas.microsoft.com/office/drawing/2010/main" val="0"/>
+                </a:ext>
+              </a:extLst>
+            </a:blip>
+            <a:srcRect/>
+            <a:stretch>
+              <a:fillRect/>
+            </a:stretch>
+          </p:blipFill>
+          <p:spPr bwMode="auto">
+            <a:xfrm>
+              <a:off x="978877" y="1059841"/>
+              <a:ext cx="1144554" cy="951410"/>
+            </a:xfrm>
+            <a:prstGeom prst="rect">
+              <a:avLst/>
+            </a:prstGeom>
+            <a:noFill/>
+            <a:extLst>
+              <a:ext uri="{909E8E84-426E-40DD-AFC4-6F175D3DCCD1}">
+                <a14:hiddenFill xmlns:a14="http://schemas.microsoft.com/office/drawing/2010/main">
+                  <a:solidFill>
+                    <a:srgbClr val="FFFFFF"/>
+                  </a:solidFill>
+                </a14:hiddenFill>
+              </a:ext>
+            </a:extLst>
+          </p:spPr>
+        </p:pic>
+        <p:sp>
+          <p:nvSpPr>
+            <p:cNvPr id="3" name="CaixaDeTexto 2"/>
+            <p:cNvSpPr txBox="1"/>
+            <p:nvPr/>
+          </p:nvSpPr>
+          <p:spPr>
+            <a:xfrm>
+              <a:off x="1146304" y="1916943"/>
+              <a:ext cx="787395" cy="338554"/>
+            </a:xfrm>
+            <a:prstGeom prst="rect">
+              <a:avLst/>
+            </a:prstGeom>
+            <a:noFill/>
+          </p:spPr>
+          <p:txBody>
+            <a:bodyPr wrap="none" rtlCol="0">
+              <a:spAutoFit/>
+            </a:bodyPr>
+            <a:lstStyle/>
+            <a:p>
+              <a:r>
+                <a:rPr lang="pt-BR" sz="1600" b="1" dirty="0" smtClean="0"/>
+                <a:t>GitHub</a:t>
+              </a:r>
+              <a:endParaRPr lang="pt-BR" sz="1600" b="1" dirty="0"/>
+            </a:p>
+          </p:txBody>
+        </p:sp>
+        <p:sp>
+          <p:nvSpPr>
+            <p:cNvPr id="5" name="Retângulo 4"/>
+            <p:cNvSpPr/>
+            <p:nvPr/>
+          </p:nvSpPr>
+          <p:spPr>
+            <a:xfrm>
+              <a:off x="796429" y="2683047"/>
+              <a:ext cx="1380186" cy="611471"/>
+            </a:xfrm>
+            <a:prstGeom prst="rect">
+              <a:avLst/>
+            </a:prstGeom>
+            <a:solidFill>
+              <a:schemeClr val="accent1">
+                <a:lumMod val="20000"/>
+                <a:lumOff val="80000"/>
+              </a:schemeClr>
+            </a:solidFill>
+          </p:spPr>
+          <p:style>
+            <a:lnRef idx="2">
+              <a:schemeClr val="accent1">
+                <a:shade val="50000"/>
+              </a:schemeClr>
+            </a:lnRef>
+            <a:fillRef idx="1">
+              <a:schemeClr val="accent1"/>
+            </a:fillRef>
+            <a:effectRef idx="0">
+              <a:schemeClr val="accent1"/>
+            </a:effectRef>
+            <a:fontRef idx="minor">
+              <a:schemeClr val="lt1"/>
+            </a:fontRef>
+          </p:style>
+          <p:txBody>
+            <a:bodyPr rtlCol="0" anchor="ctr"/>
+            <a:lstStyle/>
+            <a:p>
+              <a:pPr algn="ctr"/>
+              <a:r>
+                <a:rPr lang="pt-BR" sz="1050" b="1" dirty="0" err="1" smtClean="0">
+                  <a:solidFill>
+                    <a:schemeClr val="tx1"/>
+                  </a:solidFill>
+                </a:rPr>
+                <a:t>docker-pentaho</a:t>
+              </a:r>
+              <a:endParaRPr lang="pt-BR" sz="1050" b="1" dirty="0" smtClean="0">
+                <a:solidFill>
+                  <a:schemeClr val="tx1"/>
+                </a:solidFill>
+              </a:endParaRPr>
+            </a:p>
+            <a:p>
+              <a:pPr algn="ctr"/>
+              <a:r>
+                <a:rPr lang="pt-BR" sz="1050" b="1" dirty="0" smtClean="0">
+                  <a:solidFill>
+                    <a:schemeClr val="tx1"/>
+                  </a:solidFill>
+                </a:rPr>
+                <a:t>( </a:t>
+              </a:r>
+              <a:r>
+                <a:rPr lang="pt-BR" sz="1050" b="1" dirty="0" err="1" smtClean="0">
+                  <a:solidFill>
+                    <a:schemeClr val="tx1"/>
+                  </a:solidFill>
+                </a:rPr>
+                <a:t>Dockerfile</a:t>
+              </a:r>
+              <a:r>
+                <a:rPr lang="pt-BR" sz="1050" b="1" dirty="0" smtClean="0">
+                  <a:solidFill>
+                    <a:schemeClr val="tx1"/>
+                  </a:solidFill>
+                </a:rPr>
+                <a:t> / scripts )</a:t>
+              </a:r>
+            </a:p>
+          </p:txBody>
+        </p:sp>
+        <p:sp>
+          <p:nvSpPr>
+            <p:cNvPr id="7" name="Retângulo 6"/>
+            <p:cNvSpPr/>
+            <p:nvPr/>
+          </p:nvSpPr>
+          <p:spPr>
+            <a:xfrm>
+              <a:off x="4008502" y="2683046"/>
+              <a:ext cx="1380186" cy="611471"/>
+            </a:xfrm>
+            <a:prstGeom prst="rect">
+              <a:avLst/>
+            </a:prstGeom>
+            <a:solidFill>
+              <a:schemeClr val="accent1">
+                <a:lumMod val="20000"/>
+                <a:lumOff val="80000"/>
+              </a:schemeClr>
+            </a:solidFill>
+          </p:spPr>
+          <p:style>
+            <a:lnRef idx="2">
+              <a:schemeClr val="accent1">
+                <a:shade val="50000"/>
+              </a:schemeClr>
+            </a:lnRef>
+            <a:fillRef idx="1">
+              <a:schemeClr val="accent1"/>
+            </a:fillRef>
+            <a:effectRef idx="0">
+              <a:schemeClr val="accent1"/>
+            </a:effectRef>
+            <a:fontRef idx="minor">
+              <a:schemeClr val="lt1"/>
+            </a:fontRef>
+          </p:style>
+          <p:txBody>
+            <a:bodyPr rtlCol="0" anchor="ctr"/>
+            <a:lstStyle/>
+            <a:p>
+              <a:pPr algn="ctr"/>
+              <a:r>
+                <a:rPr lang="pt-BR" sz="1050" b="1" dirty="0" smtClean="0">
+                  <a:solidFill>
+                    <a:schemeClr val="tx1"/>
+                  </a:solidFill>
+                </a:rPr>
+                <a:t>pentaho-biserver:5.4</a:t>
+              </a:r>
+            </a:p>
+            <a:p>
+              <a:pPr algn="ctr"/>
+              <a:r>
+                <a:rPr lang="pt-BR" sz="1050" b="1" dirty="0" smtClean="0">
+                  <a:solidFill>
+                    <a:schemeClr val="tx1"/>
+                  </a:solidFill>
+                </a:rPr>
+                <a:t>( imagem)</a:t>
+              </a:r>
+            </a:p>
+          </p:txBody>
+        </p:sp>
+        <p:sp>
+          <p:nvSpPr>
+            <p:cNvPr id="8" name="Retângulo 7"/>
+            <p:cNvSpPr/>
+            <p:nvPr/>
+          </p:nvSpPr>
+          <p:spPr>
+            <a:xfrm>
+              <a:off x="809310" y="4070940"/>
+              <a:ext cx="1380186" cy="611471"/>
+            </a:xfrm>
+            <a:prstGeom prst="rect">
+              <a:avLst/>
+            </a:prstGeom>
+            <a:solidFill>
+              <a:schemeClr val="accent1">
+                <a:lumMod val="20000"/>
+                <a:lumOff val="80000"/>
+              </a:schemeClr>
+            </a:solidFill>
+          </p:spPr>
+          <p:style>
+            <a:lnRef idx="2">
+              <a:schemeClr val="accent1">
+                <a:shade val="50000"/>
+              </a:schemeClr>
+            </a:lnRef>
+            <a:fillRef idx="1">
+              <a:schemeClr val="accent1"/>
+            </a:fillRef>
+            <a:effectRef idx="0">
+              <a:schemeClr val="accent1"/>
+            </a:effectRef>
+            <a:fontRef idx="minor">
+              <a:schemeClr val="lt1"/>
+            </a:fontRef>
+          </p:style>
+          <p:txBody>
+            <a:bodyPr rtlCol="0" anchor="ctr"/>
+            <a:lstStyle/>
+            <a:p>
+              <a:pPr algn="ctr"/>
+              <a:r>
+                <a:rPr lang="pt-BR" sz="1050" b="1" dirty="0" err="1" smtClean="0">
+                  <a:solidFill>
+                    <a:schemeClr val="tx1"/>
+                  </a:solidFill>
+                </a:rPr>
+                <a:t>edw-cenipa</a:t>
+              </a:r>
+              <a:endParaRPr lang="pt-BR" sz="1050" b="1" dirty="0" smtClean="0">
+                <a:solidFill>
+                  <a:schemeClr val="tx1"/>
+                </a:solidFill>
+              </a:endParaRPr>
+            </a:p>
+            <a:p>
+              <a:pPr algn="ctr"/>
+              <a:r>
+                <a:rPr lang="pt-BR" sz="1050" b="1" dirty="0" smtClean="0">
+                  <a:solidFill>
+                    <a:schemeClr val="tx1"/>
+                  </a:solidFill>
+                </a:rPr>
+                <a:t>( </a:t>
+              </a:r>
+              <a:r>
+                <a:rPr lang="pt-BR" sz="1050" b="1" dirty="0" err="1" smtClean="0">
+                  <a:solidFill>
+                    <a:schemeClr val="tx1"/>
+                  </a:solidFill>
+                </a:rPr>
+                <a:t>Dockerfile</a:t>
+              </a:r>
+              <a:r>
+                <a:rPr lang="pt-BR" sz="1050" b="1" dirty="0" smtClean="0">
+                  <a:solidFill>
+                    <a:schemeClr val="tx1"/>
+                  </a:solidFill>
+                </a:rPr>
+                <a:t> / scripts )</a:t>
+              </a:r>
+            </a:p>
+          </p:txBody>
+        </p:sp>
+        <p:sp>
+          <p:nvSpPr>
+            <p:cNvPr id="9" name="CaixaDeTexto 8"/>
+            <p:cNvSpPr txBox="1"/>
+            <p:nvPr/>
+          </p:nvSpPr>
+          <p:spPr>
+            <a:xfrm>
+              <a:off x="891060" y="2461182"/>
+              <a:ext cx="1191095" cy="276999"/>
+            </a:xfrm>
+            <a:prstGeom prst="rect">
+              <a:avLst/>
+            </a:prstGeom>
+            <a:noFill/>
+          </p:spPr>
+          <p:txBody>
+            <a:bodyPr wrap="none" rtlCol="0">
+              <a:spAutoFit/>
+            </a:bodyPr>
+            <a:lstStyle/>
+            <a:p>
+              <a:r>
+                <a:rPr lang="pt-BR" sz="1200" b="1" dirty="0" smtClean="0"/>
+                <a:t>BI SERVER / PDI</a:t>
+              </a:r>
+              <a:endParaRPr lang="pt-BR" sz="1200" b="1" dirty="0"/>
+            </a:p>
+          </p:txBody>
+        </p:sp>
+        <p:sp>
+          <p:nvSpPr>
+            <p:cNvPr id="11" name="CaixaDeTexto 10"/>
+            <p:cNvSpPr txBox="1"/>
+            <p:nvPr/>
+          </p:nvSpPr>
+          <p:spPr>
+            <a:xfrm>
+              <a:off x="903941" y="3833975"/>
+              <a:ext cx="1104277" cy="276999"/>
+            </a:xfrm>
+            <a:prstGeom prst="rect">
+              <a:avLst/>
+            </a:prstGeom>
+            <a:noFill/>
+          </p:spPr>
+          <p:txBody>
+            <a:bodyPr wrap="none" rtlCol="0">
+              <a:spAutoFit/>
+            </a:bodyPr>
+            <a:lstStyle/>
+            <a:p>
+              <a:r>
+                <a:rPr lang="pt-BR" sz="1200" b="1" dirty="0" smtClean="0"/>
+                <a:t>PROJETO EDW</a:t>
+              </a:r>
+              <a:endParaRPr lang="pt-BR" sz="1200" b="1" dirty="0"/>
+            </a:p>
+          </p:txBody>
+        </p:sp>
+        <p:sp>
+          <p:nvSpPr>
+            <p:cNvPr id="12" name="Retângulo 11"/>
+            <p:cNvSpPr/>
+            <p:nvPr/>
+          </p:nvSpPr>
+          <p:spPr>
+            <a:xfrm>
+              <a:off x="3631929" y="1867437"/>
+              <a:ext cx="2176443" cy="3387144"/>
+            </a:xfrm>
+            <a:prstGeom prst="rect">
+              <a:avLst/>
+            </a:prstGeom>
+            <a:noFill/>
+          </p:spPr>
+          <p:style>
+            <a:lnRef idx="2">
+              <a:schemeClr val="accent1">
+                <a:shade val="50000"/>
+              </a:schemeClr>
+            </a:lnRef>
+            <a:fillRef idx="1">
+              <a:schemeClr val="accent1"/>
+            </a:fillRef>
+            <a:effectRef idx="0">
+              <a:schemeClr val="accent1"/>
+            </a:effectRef>
+            <a:fontRef idx="minor">
+              <a:schemeClr val="lt1"/>
+            </a:fontRef>
+          </p:style>
+          <p:txBody>
+            <a:bodyPr rtlCol="0" anchor="ctr"/>
+            <a:lstStyle/>
+            <a:p>
+              <a:pPr algn="ctr"/>
+              <a:endParaRPr lang="pt-BR"/>
+            </a:p>
+          </p:txBody>
+        </p:sp>
+        <p:pic>
+          <p:nvPicPr>
+            <p:cNvPr id="5124" name="Picture 4" descr="http://global.download.synology.com/download/pkg_img/Docker/1.6.2-0036/thumb_256.png"/>
+            <p:cNvPicPr>
+              <a:picLocks noChangeAspect="1" noChangeArrowheads="1"/>
+            </p:cNvPicPr>
+            <p:nvPr/>
+          </p:nvPicPr>
+          <p:blipFill>
+            <a:blip r:embed="rId4">
+              <a:extLst>
+                <a:ext uri="{28A0092B-C50C-407E-A947-70E740481C1C}">
+                  <a14:useLocalDpi xmlns:a14="http://schemas.microsoft.com/office/drawing/2010/main" val="0"/>
+                </a:ext>
+              </a:extLst>
+            </a:blip>
+            <a:srcRect/>
+            <a:stretch>
+              <a:fillRect/>
+            </a:stretch>
+          </p:blipFill>
+          <p:spPr bwMode="auto">
+            <a:xfrm>
+              <a:off x="4244339" y="1098269"/>
+              <a:ext cx="1144349" cy="1144349"/>
+            </a:xfrm>
+            <a:prstGeom prst="rect">
+              <a:avLst/>
+            </a:prstGeom>
+            <a:noFill/>
+            <a:extLst>
+              <a:ext uri="{909E8E84-426E-40DD-AFC4-6F175D3DCCD1}">
+                <a14:hiddenFill xmlns:a14="http://schemas.microsoft.com/office/drawing/2010/main">
+                  <a:solidFill>
+                    <a:srgbClr val="FFFFFF"/>
+                  </a:solidFill>
+                </a14:hiddenFill>
+              </a:ext>
+            </a:extLst>
+          </p:spPr>
+        </p:pic>
+        <p:sp>
+          <p:nvSpPr>
+            <p:cNvPr id="13" name="Retângulo 12"/>
+            <p:cNvSpPr/>
+            <p:nvPr/>
+          </p:nvSpPr>
+          <p:spPr>
+            <a:xfrm>
+              <a:off x="4008502" y="4057128"/>
+              <a:ext cx="1380186" cy="611471"/>
+            </a:xfrm>
+            <a:prstGeom prst="rect">
+              <a:avLst/>
+            </a:prstGeom>
+            <a:solidFill>
+              <a:schemeClr val="accent1">
+                <a:lumMod val="20000"/>
+                <a:lumOff val="80000"/>
+              </a:schemeClr>
+            </a:solidFill>
+          </p:spPr>
+          <p:style>
+            <a:lnRef idx="2">
+              <a:schemeClr val="accent1">
+                <a:shade val="50000"/>
+              </a:schemeClr>
+            </a:lnRef>
+            <a:fillRef idx="1">
+              <a:schemeClr val="accent1"/>
+            </a:fillRef>
+            <a:effectRef idx="0">
+              <a:schemeClr val="accent1"/>
+            </a:effectRef>
+            <a:fontRef idx="minor">
+              <a:schemeClr val="lt1"/>
+            </a:fontRef>
+          </p:style>
+          <p:txBody>
+            <a:bodyPr rtlCol="0" anchor="ctr"/>
+            <a:lstStyle/>
+            <a:p>
+              <a:pPr algn="ctr"/>
+              <a:r>
+                <a:rPr lang="pt-BR" sz="1050" b="1" dirty="0" smtClean="0">
+                  <a:solidFill>
+                    <a:schemeClr val="tx1"/>
+                  </a:solidFill>
+                </a:rPr>
+                <a:t>pentaho-kettle:5.4</a:t>
+              </a:r>
+            </a:p>
+            <a:p>
+              <a:pPr algn="ctr"/>
+              <a:r>
+                <a:rPr lang="pt-BR" sz="1050" b="1" dirty="0" smtClean="0">
+                  <a:solidFill>
+                    <a:schemeClr val="tx1"/>
+                  </a:solidFill>
+                </a:rPr>
+                <a:t>( imagem)</a:t>
+              </a:r>
+            </a:p>
+          </p:txBody>
+        </p:sp>
+        <p:sp>
+          <p:nvSpPr>
+            <p:cNvPr id="14" name="CaixaDeTexto 13"/>
+            <p:cNvSpPr txBox="1"/>
+            <p:nvPr/>
+          </p:nvSpPr>
+          <p:spPr>
+            <a:xfrm>
+              <a:off x="4281782" y="2461182"/>
+              <a:ext cx="833626" cy="276999"/>
+            </a:xfrm>
+            <a:prstGeom prst="rect">
+              <a:avLst/>
+            </a:prstGeom>
+            <a:noFill/>
+          </p:spPr>
+          <p:txBody>
+            <a:bodyPr wrap="none" rtlCol="0">
+              <a:spAutoFit/>
+            </a:bodyPr>
+            <a:lstStyle/>
+            <a:p>
+              <a:r>
+                <a:rPr lang="pt-BR" sz="1200" b="1" dirty="0" smtClean="0"/>
+                <a:t>BI SERVER</a:t>
+              </a:r>
+              <a:endParaRPr lang="pt-BR" sz="1200" b="1" dirty="0"/>
+            </a:p>
+          </p:txBody>
+        </p:sp>
+        <p:sp>
+          <p:nvSpPr>
+            <p:cNvPr id="15" name="CaixaDeTexto 14"/>
+            <p:cNvSpPr txBox="1"/>
+            <p:nvPr/>
+          </p:nvSpPr>
+          <p:spPr>
+            <a:xfrm>
+              <a:off x="4281782" y="3798869"/>
+              <a:ext cx="405880" cy="276999"/>
+            </a:xfrm>
+            <a:prstGeom prst="rect">
+              <a:avLst/>
+            </a:prstGeom>
+            <a:noFill/>
+          </p:spPr>
+          <p:txBody>
+            <a:bodyPr wrap="none" rtlCol="0">
+              <a:spAutoFit/>
+            </a:bodyPr>
+            <a:lstStyle/>
+            <a:p>
+              <a:r>
+                <a:rPr lang="pt-BR" sz="1200" b="1" dirty="0" smtClean="0"/>
+                <a:t>PDI</a:t>
+              </a:r>
+              <a:endParaRPr lang="pt-BR" sz="1200" b="1" dirty="0"/>
+            </a:p>
+          </p:txBody>
+        </p:sp>
+        <p:sp>
+          <p:nvSpPr>
+            <p:cNvPr id="16" name="CaixaDeTexto 15"/>
+            <p:cNvSpPr txBox="1"/>
+            <p:nvPr/>
+          </p:nvSpPr>
+          <p:spPr>
+            <a:xfrm>
+              <a:off x="4122058" y="1977369"/>
+              <a:ext cx="1177695" cy="338554"/>
+            </a:xfrm>
+            <a:prstGeom prst="rect">
+              <a:avLst/>
+            </a:prstGeom>
+            <a:noFill/>
+          </p:spPr>
+          <p:txBody>
+            <a:bodyPr wrap="none" rtlCol="0">
+              <a:spAutoFit/>
+            </a:bodyPr>
+            <a:lstStyle/>
+            <a:p>
+              <a:r>
+                <a:rPr lang="pt-BR" sz="1600" b="1" dirty="0" err="1" smtClean="0"/>
+                <a:t>Docker</a:t>
+              </a:r>
+              <a:r>
+                <a:rPr lang="pt-BR" sz="1600" b="1" dirty="0" smtClean="0"/>
+                <a:t> Hub</a:t>
+              </a:r>
+              <a:endParaRPr lang="pt-BR" sz="1600" b="1" dirty="0"/>
+            </a:p>
+          </p:txBody>
+        </p:sp>
+        <p:cxnSp>
+          <p:nvCxnSpPr>
+            <p:cNvPr id="6" name="Conector de seta reta 5"/>
+            <p:cNvCxnSpPr>
+              <a:stCxn id="2" idx="3"/>
+              <a:endCxn id="12" idx="1"/>
+            </p:cNvCxnSpPr>
+            <p:nvPr/>
+          </p:nvCxnSpPr>
+          <p:spPr>
+            <a:xfrm>
+              <a:off x="2743200" y="3561009"/>
+              <a:ext cx="888729" cy="0"/>
+            </a:xfrm>
+            <a:prstGeom prst="straightConnector1">
+              <a:avLst/>
+            </a:prstGeom>
+            <a:ln w="57150">
+              <a:solidFill>
+                <a:schemeClr val="tx1"/>
+              </a:solidFill>
+              <a:tailEnd type="triangle"/>
+            </a:ln>
+          </p:spPr>
+          <p:style>
+            <a:lnRef idx="1">
+              <a:schemeClr val="accent1"/>
+            </a:lnRef>
+            <a:fillRef idx="0">
+              <a:schemeClr val="accent1"/>
+            </a:fillRef>
+            <a:effectRef idx="0">
+              <a:schemeClr val="accent1"/>
+            </a:effectRef>
+            <a:fontRef idx="minor">
+              <a:schemeClr val="tx1"/>
+            </a:fontRef>
+          </p:style>
+        </p:cxnSp>
+        <p:pic>
+          <p:nvPicPr>
+            <p:cNvPr id="5126" name="Picture 6" descr="https://utbrudd.bouvet.no/wp-content/uploads/2015/02/jenkins-docker.png"/>
+            <p:cNvPicPr>
+              <a:picLocks noChangeAspect="1" noChangeArrowheads="1"/>
+            </p:cNvPicPr>
+            <p:nvPr/>
+          </p:nvPicPr>
+          <p:blipFill>
+            <a:blip r:embed="rId5" cstate="print">
+              <a:extLst>
+                <a:ext uri="{28A0092B-C50C-407E-A947-70E740481C1C}">
+                  <a14:useLocalDpi xmlns:a14="http://schemas.microsoft.com/office/drawing/2010/main" val="0"/>
+                </a:ext>
+              </a:extLst>
+            </a:blip>
+            <a:srcRect/>
+            <a:stretch>
+              <a:fillRect/>
+            </a:stretch>
+          </p:blipFill>
+          <p:spPr bwMode="auto">
+            <a:xfrm>
+              <a:off x="6543041" y="3086044"/>
+              <a:ext cx="1308932" cy="949929"/>
+            </a:xfrm>
+            <a:prstGeom prst="rect">
+              <a:avLst/>
+            </a:prstGeom>
+            <a:noFill/>
+            <a:extLst>
+              <a:ext uri="{909E8E84-426E-40DD-AFC4-6F175D3DCCD1}">
+                <a14:hiddenFill xmlns:a14="http://schemas.microsoft.com/office/drawing/2010/main">
+                  <a:solidFill>
+                    <a:srgbClr val="FFFFFF"/>
+                  </a:solidFill>
+                </a14:hiddenFill>
+              </a:ext>
+            </a:extLst>
+          </p:spPr>
+        </p:pic>
+        <p:cxnSp>
+          <p:nvCxnSpPr>
+            <p:cNvPr id="22" name="Conector de seta reta 21"/>
+            <p:cNvCxnSpPr>
+              <a:stCxn id="12" idx="3"/>
+              <a:endCxn id="5126" idx="1"/>
+            </p:cNvCxnSpPr>
+            <p:nvPr/>
+          </p:nvCxnSpPr>
+          <p:spPr>
+            <a:xfrm>
+              <a:off x="5808372" y="3561009"/>
+              <a:ext cx="734669" cy="0"/>
+            </a:xfrm>
+            <a:prstGeom prst="straightConnector1">
+              <a:avLst/>
+            </a:prstGeom>
+            <a:ln w="57150">
+              <a:solidFill>
+                <a:schemeClr val="tx1"/>
+              </a:solidFill>
+              <a:tailEnd type="triangle"/>
+            </a:ln>
+          </p:spPr>
+          <p:style>
+            <a:lnRef idx="1">
+              <a:schemeClr val="accent1"/>
+            </a:lnRef>
+            <a:fillRef idx="0">
+              <a:schemeClr val="accent1"/>
+            </a:fillRef>
+            <a:effectRef idx="0">
+              <a:schemeClr val="accent1"/>
+            </a:effectRef>
+            <a:fontRef idx="minor">
+              <a:schemeClr val="tx1"/>
+            </a:fontRef>
+          </p:style>
+        </p:cxnSp>
+        <p:sp>
+          <p:nvSpPr>
+            <p:cNvPr id="25" name="Retângulo 24"/>
+            <p:cNvSpPr/>
+            <p:nvPr/>
+          </p:nvSpPr>
+          <p:spPr>
+            <a:xfrm>
+              <a:off x="8575270" y="1873884"/>
+              <a:ext cx="3166196" cy="3387144"/>
+            </a:xfrm>
+            <a:prstGeom prst="rect">
+              <a:avLst/>
+            </a:prstGeom>
+            <a:noFill/>
+          </p:spPr>
+          <p:style>
+            <a:lnRef idx="2">
+              <a:schemeClr val="accent1">
+                <a:shade val="50000"/>
+              </a:schemeClr>
+            </a:lnRef>
+            <a:fillRef idx="1">
+              <a:schemeClr val="accent1"/>
+            </a:fillRef>
+            <a:effectRef idx="0">
+              <a:schemeClr val="accent1"/>
+            </a:effectRef>
+            <a:fontRef idx="minor">
+              <a:schemeClr val="lt1"/>
+            </a:fontRef>
+          </p:style>
+          <p:txBody>
+            <a:bodyPr rtlCol="0" anchor="ctr"/>
+            <a:lstStyle/>
+            <a:p>
+              <a:pPr algn="ctr"/>
+              <a:endParaRPr lang="pt-BR"/>
+            </a:p>
+          </p:txBody>
+        </p:sp>
+        <p:cxnSp>
+          <p:nvCxnSpPr>
+            <p:cNvPr id="26" name="Conector de seta reta 25"/>
+            <p:cNvCxnSpPr>
+              <a:stCxn id="5126" idx="3"/>
+              <a:endCxn id="25" idx="1"/>
+            </p:cNvCxnSpPr>
+            <p:nvPr/>
+          </p:nvCxnSpPr>
+          <p:spPr>
+            <a:xfrm>
+              <a:off x="7851973" y="3561009"/>
+              <a:ext cx="723297" cy="6447"/>
+            </a:xfrm>
+            <a:prstGeom prst="straightConnector1">
+              <a:avLst/>
+            </a:prstGeom>
+            <a:ln w="57150">
+              <a:solidFill>
+                <a:schemeClr val="tx1"/>
+              </a:solidFill>
+              <a:tailEnd type="triangle"/>
+            </a:ln>
+          </p:spPr>
+          <p:style>
+            <a:lnRef idx="1">
+              <a:schemeClr val="accent1"/>
+            </a:lnRef>
+            <a:fillRef idx="0">
+              <a:schemeClr val="accent1"/>
+            </a:fillRef>
+            <a:effectRef idx="0">
+              <a:schemeClr val="accent1"/>
+            </a:effectRef>
+            <a:fontRef idx="minor">
+              <a:schemeClr val="tx1"/>
+            </a:fontRef>
+          </p:style>
+        </p:cxnSp>
+        <p:sp>
+          <p:nvSpPr>
+            <p:cNvPr id="35" name="CaixaDeTexto 34"/>
+            <p:cNvSpPr txBox="1"/>
+            <p:nvPr/>
+          </p:nvSpPr>
+          <p:spPr>
+            <a:xfrm>
+              <a:off x="6006289" y="3949965"/>
+              <a:ext cx="2434449" cy="338554"/>
+            </a:xfrm>
+            <a:prstGeom prst="rect">
+              <a:avLst/>
+            </a:prstGeom>
+            <a:noFill/>
+          </p:spPr>
+          <p:txBody>
+            <a:bodyPr wrap="none" rtlCol="0">
+              <a:spAutoFit/>
+            </a:bodyPr>
+            <a:lstStyle/>
+            <a:p>
+              <a:r>
+                <a:rPr lang="pt-BR" sz="1600" b="1" dirty="0" err="1" smtClean="0"/>
+                <a:t>Jenkins</a:t>
+              </a:r>
+              <a:r>
+                <a:rPr lang="pt-BR" sz="1600" b="1" dirty="0" smtClean="0"/>
+                <a:t> + </a:t>
+              </a:r>
+              <a:r>
+                <a:rPr lang="pt-BR" sz="1600" b="1" dirty="0" err="1" smtClean="0"/>
+                <a:t>Docker</a:t>
+              </a:r>
+              <a:r>
+                <a:rPr lang="pt-BR" sz="1600" b="1" dirty="0" smtClean="0"/>
+                <a:t> </a:t>
+              </a:r>
+              <a:r>
+                <a:rPr lang="pt-BR" sz="1600" b="1" dirty="0" err="1" smtClean="0"/>
+                <a:t>Compose</a:t>
+              </a:r>
+              <a:endParaRPr lang="pt-BR" sz="1600" b="1" dirty="0"/>
+            </a:p>
+          </p:txBody>
+        </p:sp>
+        <p:pic>
+          <p:nvPicPr>
+            <p:cNvPr id="5130" name="Picture 10" descr="http://cloud.edifixio.com/documents/20108/0/amazon-web-services.png?t=1341472821657"/>
+            <p:cNvPicPr>
+              <a:picLocks noChangeAspect="1" noChangeArrowheads="1"/>
+            </p:cNvPicPr>
+            <p:nvPr/>
+          </p:nvPicPr>
+          <p:blipFill>
+            <a:blip r:embed="rId6" cstate="print">
+              <a:extLst>
+                <a:ext uri="{28A0092B-C50C-407E-A947-70E740481C1C}">
+                  <a14:useLocalDpi xmlns:a14="http://schemas.microsoft.com/office/drawing/2010/main" val="0"/>
+                </a:ext>
+              </a:extLst>
+            </a:blip>
+            <a:srcRect/>
+            <a:stretch>
+              <a:fillRect/>
+            </a:stretch>
+          </p:blipFill>
+          <p:spPr bwMode="auto">
+            <a:xfrm>
+              <a:off x="8227039" y="1479026"/>
+              <a:ext cx="1505290" cy="555076"/>
+            </a:xfrm>
+            <a:prstGeom prst="rect">
+              <a:avLst/>
+            </a:prstGeom>
+            <a:noFill/>
+            <a:extLst>
+              <a:ext uri="{909E8E84-426E-40DD-AFC4-6F175D3DCCD1}">
+                <a14:hiddenFill xmlns:a14="http://schemas.microsoft.com/office/drawing/2010/main">
+                  <a:solidFill>
+                    <a:srgbClr val="FFFFFF"/>
+                  </a:solidFill>
+                </a14:hiddenFill>
+              </a:ext>
+            </a:extLst>
+          </p:spPr>
+        </p:pic>
+        <p:grpSp>
+          <p:nvGrpSpPr>
+            <p:cNvPr id="32" name="Grupo 31"/>
+            <p:cNvGrpSpPr/>
+            <p:nvPr/>
+          </p:nvGrpSpPr>
+          <p:grpSpPr>
+            <a:xfrm>
+              <a:off x="8842487" y="3764761"/>
+              <a:ext cx="971676" cy="1163329"/>
+              <a:chOff x="8848696" y="2439665"/>
+              <a:chExt cx="971676" cy="1163329"/>
+            </a:xfrm>
+          </p:grpSpPr>
+          <p:pic>
+            <p:nvPicPr>
+              <p:cNvPr id="5134" name="Picture 14" descr="http://www.boundary.com/wp-content/themes/boundary2014/images/integrations/aws-ec2.png"/>
+              <p:cNvPicPr>
+                <a:picLocks noChangeAspect="1" noChangeArrowheads="1"/>
+              </p:cNvPicPr>
+              <p:nvPr/>
+            </p:nvPicPr>
+            <p:blipFill>
+              <a:blip r:embed="rId7" cstate="print">
+                <a:extLst>
+                  <a:ext uri="{28A0092B-C50C-407E-A947-70E740481C1C}">
+                    <a14:useLocalDpi xmlns:a14="http://schemas.microsoft.com/office/drawing/2010/main" val="0"/>
+                  </a:ext>
+                </a:extLst>
+              </a:blip>
+              <a:srcRect/>
+              <a:stretch>
+                <a:fillRect/>
+              </a:stretch>
+            </p:blipFill>
+            <p:spPr bwMode="auto">
+              <a:xfrm>
+                <a:off x="8985893" y="2439665"/>
+                <a:ext cx="697283" cy="697283"/>
+              </a:xfrm>
+              <a:prstGeom prst="rect">
+                <a:avLst/>
+              </a:prstGeom>
+              <a:noFill/>
+              <a:extLst>
+                <a:ext uri="{909E8E84-426E-40DD-AFC4-6F175D3DCCD1}">
+                  <a14:hiddenFill xmlns:a14="http://schemas.microsoft.com/office/drawing/2010/main">
+                    <a:solidFill>
+                      <a:srgbClr val="FFFFFF"/>
+                    </a:solidFill>
+                  </a14:hiddenFill>
+                </a:ext>
+              </a:extLst>
+            </p:spPr>
+          </p:pic>
+          <p:sp>
+            <p:nvSpPr>
+              <p:cNvPr id="40" name="CaixaDeTexto 39"/>
+              <p:cNvSpPr txBox="1"/>
+              <p:nvPr/>
+            </p:nvSpPr>
+            <p:spPr>
+              <a:xfrm>
+                <a:off x="8848696" y="3141329"/>
+                <a:ext cx="971676" cy="461665"/>
+              </a:xfrm>
+              <a:prstGeom prst="rect">
+                <a:avLst/>
+              </a:prstGeom>
+              <a:noFill/>
+            </p:spPr>
+            <p:txBody>
+              <a:bodyPr wrap="none" rtlCol="0">
+                <a:spAutoFit/>
+              </a:bodyPr>
+              <a:lstStyle/>
+              <a:p>
+                <a:pPr algn="ctr"/>
+                <a:r>
+                  <a:rPr lang="pt-BR" sz="1200" b="1" dirty="0" err="1" smtClean="0"/>
+                  <a:t>Amazon</a:t>
+                </a:r>
+                <a:r>
+                  <a:rPr lang="pt-BR" sz="1200" b="1" dirty="0" smtClean="0"/>
+                  <a:t> EC2</a:t>
+                </a:r>
+              </a:p>
+              <a:p>
+                <a:pPr algn="ctr"/>
+                <a:r>
+                  <a:rPr lang="pt-BR" sz="1200" b="1" dirty="0" smtClean="0"/>
+                  <a:t>BI SERVER</a:t>
+                </a:r>
+                <a:endParaRPr lang="pt-BR" sz="1200" b="1" dirty="0"/>
+              </a:p>
+            </p:txBody>
+          </p:sp>
+        </p:grpSp>
+        <p:grpSp>
+          <p:nvGrpSpPr>
+            <p:cNvPr id="33" name="Grupo 32"/>
+            <p:cNvGrpSpPr/>
+            <p:nvPr/>
+          </p:nvGrpSpPr>
+          <p:grpSpPr>
+            <a:xfrm>
+              <a:off x="8842487" y="2367040"/>
+              <a:ext cx="971676" cy="1133449"/>
+              <a:chOff x="8945518" y="3866156"/>
+              <a:chExt cx="971676" cy="1133449"/>
+            </a:xfrm>
+          </p:grpSpPr>
+          <p:pic>
+            <p:nvPicPr>
+              <p:cNvPr id="41" name="Picture 14" descr="http://www.boundary.com/wp-content/themes/boundary2014/images/integrations/aws-ec2.png"/>
+              <p:cNvPicPr>
+                <a:picLocks noChangeAspect="1" noChangeArrowheads="1"/>
+              </p:cNvPicPr>
+              <p:nvPr/>
+            </p:nvPicPr>
+            <p:blipFill>
+              <a:blip r:embed="rId7" cstate="print">
+                <a:extLst>
+                  <a:ext uri="{28A0092B-C50C-407E-A947-70E740481C1C}">
+                    <a14:useLocalDpi xmlns:a14="http://schemas.microsoft.com/office/drawing/2010/main" val="0"/>
+                  </a:ext>
+                </a:extLst>
+              </a:blip>
+              <a:srcRect/>
+              <a:stretch>
+                <a:fillRect/>
+              </a:stretch>
+            </p:blipFill>
+            <p:spPr bwMode="auto">
+              <a:xfrm>
+                <a:off x="8985892" y="3866156"/>
+                <a:ext cx="697283" cy="697283"/>
+              </a:xfrm>
+              <a:prstGeom prst="rect">
+                <a:avLst/>
+              </a:prstGeom>
+              <a:noFill/>
+              <a:extLst>
+                <a:ext uri="{909E8E84-426E-40DD-AFC4-6F175D3DCCD1}">
+                  <a14:hiddenFill xmlns:a14="http://schemas.microsoft.com/office/drawing/2010/main">
+                    <a:solidFill>
+                      <a:srgbClr val="FFFFFF"/>
+                    </a:solidFill>
+                  </a14:hiddenFill>
+                </a:ext>
+              </a:extLst>
+            </p:spPr>
+          </p:pic>
+          <p:sp>
+            <p:nvSpPr>
+              <p:cNvPr id="43" name="CaixaDeTexto 42"/>
+              <p:cNvSpPr txBox="1"/>
+              <p:nvPr/>
+            </p:nvSpPr>
+            <p:spPr>
+              <a:xfrm>
+                <a:off x="8945518" y="4537940"/>
+                <a:ext cx="971676" cy="461665"/>
+              </a:xfrm>
+              <a:prstGeom prst="rect">
+                <a:avLst/>
+              </a:prstGeom>
+              <a:noFill/>
+            </p:spPr>
+            <p:txBody>
+              <a:bodyPr wrap="none" rtlCol="0">
+                <a:spAutoFit/>
+              </a:bodyPr>
+              <a:lstStyle/>
+              <a:p>
+                <a:pPr algn="ctr"/>
+                <a:r>
+                  <a:rPr lang="pt-BR" sz="1200" b="1" dirty="0" err="1" smtClean="0"/>
+                  <a:t>Amazon</a:t>
+                </a:r>
+                <a:r>
+                  <a:rPr lang="pt-BR" sz="1200" b="1" dirty="0" smtClean="0"/>
+                  <a:t> EC2</a:t>
+                </a:r>
+              </a:p>
+              <a:p>
+                <a:pPr algn="ctr"/>
+                <a:r>
+                  <a:rPr lang="pt-BR" sz="1200" b="1" dirty="0" smtClean="0"/>
+                  <a:t>PDI</a:t>
+                </a:r>
+                <a:endParaRPr lang="pt-BR" sz="1200" b="1" dirty="0"/>
+              </a:p>
+            </p:txBody>
+          </p:sp>
+        </p:grpSp>
+        <p:grpSp>
+          <p:nvGrpSpPr>
+            <p:cNvPr id="36" name="Grupo 35"/>
+            <p:cNvGrpSpPr/>
+            <p:nvPr/>
+          </p:nvGrpSpPr>
+          <p:grpSpPr>
+            <a:xfrm>
+              <a:off x="10231308" y="3017720"/>
+              <a:ext cx="1510158" cy="1343548"/>
+              <a:chOff x="10231308" y="3017720"/>
+              <a:chExt cx="1510158" cy="1343548"/>
+            </a:xfrm>
+          </p:grpSpPr>
+          <p:pic>
+            <p:nvPicPr>
+              <p:cNvPr id="5136" name="Picture 16" descr="https://clouda-assets.s3.amazonaws.com/upload/54d0e46ad287c266042be611.png?1422976107"/>
+              <p:cNvPicPr>
+                <a:picLocks noChangeAspect="1" noChangeArrowheads="1"/>
+              </p:cNvPicPr>
+              <p:nvPr/>
+            </p:nvPicPr>
+            <p:blipFill>
+              <a:blip r:embed="rId8" cstate="print">
+                <a:extLst>
+                  <a:ext uri="{28A0092B-C50C-407E-A947-70E740481C1C}">
+                    <a14:useLocalDpi xmlns:a14="http://schemas.microsoft.com/office/drawing/2010/main" val="0"/>
+                  </a:ext>
+                </a:extLst>
+              </a:blip>
+              <a:srcRect/>
+              <a:stretch>
+                <a:fillRect/>
+              </a:stretch>
+            </p:blipFill>
+            <p:spPr bwMode="auto">
+              <a:xfrm>
+                <a:off x="10561158" y="3017720"/>
+                <a:ext cx="850458" cy="850458"/>
+              </a:xfrm>
+              <a:prstGeom prst="rect">
+                <a:avLst/>
+              </a:prstGeom>
+              <a:noFill/>
+              <a:extLst>
+                <a:ext uri="{909E8E84-426E-40DD-AFC4-6F175D3DCCD1}">
+                  <a14:hiddenFill xmlns:a14="http://schemas.microsoft.com/office/drawing/2010/main">
+                    <a:solidFill>
+                      <a:srgbClr val="FFFFFF"/>
+                    </a:solidFill>
+                  </a14:hiddenFill>
+                </a:ext>
+              </a:extLst>
+            </p:spPr>
+          </p:pic>
+          <p:sp>
+            <p:nvSpPr>
+              <p:cNvPr id="47" name="CaixaDeTexto 46"/>
+              <p:cNvSpPr txBox="1"/>
+              <p:nvPr/>
+            </p:nvSpPr>
+            <p:spPr>
+              <a:xfrm>
+                <a:off x="10231308" y="3899603"/>
+                <a:ext cx="1510158" cy="461665"/>
+              </a:xfrm>
+              <a:prstGeom prst="rect">
+                <a:avLst/>
+              </a:prstGeom>
+              <a:noFill/>
+            </p:spPr>
+            <p:txBody>
+              <a:bodyPr wrap="none" rtlCol="0">
+                <a:spAutoFit/>
+              </a:bodyPr>
+              <a:lstStyle/>
+              <a:p>
+                <a:pPr algn="ctr"/>
+                <a:r>
+                  <a:rPr lang="pt-BR" sz="1200" b="1" dirty="0" err="1" smtClean="0"/>
+                  <a:t>Amazon</a:t>
+                </a:r>
+                <a:r>
+                  <a:rPr lang="pt-BR" sz="1200" b="1" dirty="0" smtClean="0"/>
+                  <a:t> RDS</a:t>
+                </a:r>
+              </a:p>
+              <a:p>
+                <a:pPr algn="ctr"/>
+                <a:r>
+                  <a:rPr lang="pt-BR" sz="1200" b="1" dirty="0" err="1" smtClean="0"/>
+                  <a:t>Postgresql</a:t>
+                </a:r>
+                <a:r>
+                  <a:rPr lang="pt-BR" sz="1200" b="1" dirty="0" smtClean="0"/>
+                  <a:t> / </a:t>
+                </a:r>
+                <a:r>
+                  <a:rPr lang="pt-BR" sz="1200" b="1" dirty="0" err="1" smtClean="0"/>
+                  <a:t>Redshift</a:t>
+                </a:r>
+                <a:endParaRPr lang="pt-BR" sz="1200" b="1" dirty="0"/>
+              </a:p>
+            </p:txBody>
+          </p:sp>
+        </p:grpSp>
+        <p:cxnSp>
+          <p:nvCxnSpPr>
+            <p:cNvPr id="38" name="Conector de seta reta 37"/>
+            <p:cNvCxnSpPr>
+              <a:stCxn id="41" idx="3"/>
+            </p:cNvCxnSpPr>
+            <p:nvPr/>
+          </p:nvCxnSpPr>
+          <p:spPr>
+            <a:xfrm>
+              <a:off x="9580144" y="2715682"/>
+              <a:ext cx="981014" cy="465400"/>
+            </a:xfrm>
+            <a:prstGeom prst="straightConnector1">
+              <a:avLst/>
+            </a:prstGeom>
+            <a:ln>
+              <a:solidFill>
+                <a:schemeClr val="tx1"/>
+              </a:solidFill>
+              <a:tailEnd type="triangle"/>
+            </a:ln>
+          </p:spPr>
+          <p:style>
+            <a:lnRef idx="1">
+              <a:schemeClr val="accent1"/>
+            </a:lnRef>
+            <a:fillRef idx="0">
+              <a:schemeClr val="accent1"/>
+            </a:fillRef>
+            <a:effectRef idx="0">
+              <a:schemeClr val="accent1"/>
+            </a:effectRef>
+            <a:fontRef idx="minor">
+              <a:schemeClr val="tx1"/>
+            </a:fontRef>
+          </p:style>
+        </p:cxnSp>
+        <p:cxnSp>
+          <p:nvCxnSpPr>
+            <p:cNvPr id="52" name="Conector de seta reta 51"/>
+            <p:cNvCxnSpPr>
+              <a:endCxn id="5134" idx="3"/>
+            </p:cNvCxnSpPr>
+            <p:nvPr/>
+          </p:nvCxnSpPr>
+          <p:spPr>
+            <a:xfrm flipH="1">
+              <a:off x="9676967" y="3764761"/>
+              <a:ext cx="884191" cy="348642"/>
+            </a:xfrm>
+            <a:prstGeom prst="straightConnector1">
+              <a:avLst/>
+            </a:prstGeom>
+            <a:ln>
+              <a:solidFill>
+                <a:schemeClr val="tx1"/>
+              </a:solidFill>
+              <a:tailEnd type="triangle"/>
+            </a:ln>
+          </p:spPr>
+          <p:style>
+            <a:lnRef idx="1">
+              <a:schemeClr val="accent1"/>
+            </a:lnRef>
+            <a:fillRef idx="0">
+              <a:schemeClr val="accent1"/>
+            </a:fillRef>
+            <a:effectRef idx="0">
+              <a:schemeClr val="accent1"/>
+            </a:effectRef>
+            <a:fontRef idx="minor">
+              <a:schemeClr val="tx1"/>
+            </a:fontRef>
+          </p:style>
+        </p:cxnSp>
+        <p:sp>
+          <p:nvSpPr>
+            <p:cNvPr id="57" name="CaixaDeTexto 56"/>
+            <p:cNvSpPr txBox="1"/>
+            <p:nvPr/>
+          </p:nvSpPr>
+          <p:spPr>
+            <a:xfrm>
+              <a:off x="9886149" y="2700990"/>
+              <a:ext cx="402675" cy="276999"/>
+            </a:xfrm>
+            <a:prstGeom prst="rect">
+              <a:avLst/>
+            </a:prstGeom>
+            <a:noFill/>
+          </p:spPr>
+          <p:txBody>
+            <a:bodyPr wrap="none" rtlCol="0">
+              <a:spAutoFit/>
+            </a:bodyPr>
+            <a:lstStyle/>
+            <a:p>
+              <a:pPr algn="ctr"/>
+              <a:r>
+                <a:rPr lang="pt-BR" sz="1200" b="1" dirty="0" smtClean="0"/>
+                <a:t>ETL</a:t>
+              </a:r>
+              <a:endParaRPr lang="pt-BR" sz="1200" b="1" dirty="0"/>
+            </a:p>
+          </p:txBody>
+        </p:sp>
+        <p:cxnSp>
+          <p:nvCxnSpPr>
+            <p:cNvPr id="58" name="Conector de seta reta 57"/>
+            <p:cNvCxnSpPr/>
+            <p:nvPr/>
+          </p:nvCxnSpPr>
+          <p:spPr>
+            <a:xfrm>
+              <a:off x="7831786" y="2552851"/>
+              <a:ext cx="723297" cy="6447"/>
+            </a:xfrm>
+            <a:prstGeom prst="straightConnector1">
+              <a:avLst/>
+            </a:prstGeom>
+            <a:ln w="57150">
+              <a:solidFill>
+                <a:schemeClr val="tx1"/>
+              </a:solidFill>
+              <a:tailEnd type="triangle"/>
+            </a:ln>
+          </p:spPr>
+          <p:style>
+            <a:lnRef idx="1">
+              <a:schemeClr val="accent1"/>
+            </a:lnRef>
+            <a:fillRef idx="0">
+              <a:schemeClr val="accent1"/>
+            </a:fillRef>
+            <a:effectRef idx="0">
+              <a:schemeClr val="accent1"/>
+            </a:effectRef>
+            <a:fontRef idx="minor">
+              <a:schemeClr val="tx1"/>
+            </a:fontRef>
+          </p:style>
+        </p:cxnSp>
+        <p:pic>
+          <p:nvPicPr>
+            <p:cNvPr id="5138" name="Picture 18" descr="https://news.namebay.com/wp-content/uploads/2015/09/Database_iStock_000020783950XSmall_0.jpg"/>
+            <p:cNvPicPr>
+              <a:picLocks noChangeAspect="1" noChangeArrowheads="1"/>
+            </p:cNvPicPr>
+            <p:nvPr/>
+          </p:nvPicPr>
+          <p:blipFill>
+            <a:blip r:embed="rId9" cstate="print">
+              <a:extLst>
+                <a:ext uri="{28A0092B-C50C-407E-A947-70E740481C1C}">
+                  <a14:useLocalDpi xmlns:a14="http://schemas.microsoft.com/office/drawing/2010/main" val="0"/>
+                </a:ext>
+              </a:extLst>
+            </a:blip>
+            <a:srcRect/>
+            <a:stretch>
+              <a:fillRect/>
+            </a:stretch>
+          </p:blipFill>
+          <p:spPr bwMode="auto">
+            <a:xfrm>
+              <a:off x="7218152" y="1971637"/>
+              <a:ext cx="488114" cy="486707"/>
+            </a:xfrm>
+            <a:prstGeom prst="rect">
+              <a:avLst/>
+            </a:prstGeom>
+            <a:noFill/>
+            <a:extLst>
+              <a:ext uri="{909E8E84-426E-40DD-AFC4-6F175D3DCCD1}">
+                <a14:hiddenFill xmlns:a14="http://schemas.microsoft.com/office/drawing/2010/main">
+                  <a:solidFill>
+                    <a:srgbClr val="FFFFFF"/>
+                  </a:solidFill>
+                </a14:hiddenFill>
+              </a:ext>
+            </a:extLst>
+          </p:spPr>
+        </p:pic>
+        <p:sp>
+          <p:nvSpPr>
+            <p:cNvPr id="61" name="Retângulo 60"/>
+            <p:cNvSpPr/>
+            <p:nvPr/>
+          </p:nvSpPr>
+          <p:spPr>
+            <a:xfrm>
+              <a:off x="6357062" y="1864683"/>
+              <a:ext cx="1429984" cy="1153037"/>
+            </a:xfrm>
+            <a:prstGeom prst="rect">
+              <a:avLst/>
+            </a:prstGeom>
+            <a:noFill/>
+          </p:spPr>
+          <p:style>
+            <a:lnRef idx="2">
+              <a:schemeClr val="accent1">
+                <a:shade val="50000"/>
+              </a:schemeClr>
+            </a:lnRef>
+            <a:fillRef idx="1">
+              <a:schemeClr val="accent1"/>
+            </a:fillRef>
+            <a:effectRef idx="0">
+              <a:schemeClr val="accent1"/>
+            </a:effectRef>
+            <a:fontRef idx="minor">
+              <a:schemeClr val="lt1"/>
+            </a:fontRef>
+          </p:style>
+          <p:txBody>
+            <a:bodyPr rtlCol="0" anchor="ctr"/>
+            <a:lstStyle/>
+            <a:p>
+              <a:pPr algn="ctr"/>
+              <a:endParaRPr lang="pt-BR"/>
+            </a:p>
+          </p:txBody>
+        </p:sp>
+        <p:sp>
+          <p:nvSpPr>
+            <p:cNvPr id="62" name="CaixaDeTexto 61"/>
+            <p:cNvSpPr txBox="1"/>
+            <p:nvPr/>
+          </p:nvSpPr>
+          <p:spPr>
+            <a:xfrm>
+              <a:off x="6307315" y="1560495"/>
+              <a:ext cx="1290353" cy="338554"/>
+            </a:xfrm>
+            <a:prstGeom prst="rect">
+              <a:avLst/>
+            </a:prstGeom>
+            <a:noFill/>
+          </p:spPr>
+          <p:txBody>
+            <a:bodyPr wrap="none" rtlCol="0">
+              <a:spAutoFit/>
+            </a:bodyPr>
+            <a:lstStyle/>
+            <a:p>
+              <a:r>
+                <a:rPr lang="pt-BR" sz="1600" b="1" dirty="0" smtClean="0"/>
+                <a:t>Data </a:t>
+              </a:r>
+              <a:r>
+                <a:rPr lang="pt-BR" sz="1600" b="1" dirty="0" err="1" smtClean="0"/>
+                <a:t>Sources</a:t>
+              </a:r>
+              <a:endParaRPr lang="pt-BR" sz="1600" b="1" dirty="0"/>
+            </a:p>
+          </p:txBody>
+        </p:sp>
+        <p:pic>
+          <p:nvPicPr>
+            <p:cNvPr id="5140" name="Picture 20" descr="http://i1157.photobucket.com/albums/p596/Ne-22/Excel2007Logo.png"/>
+            <p:cNvPicPr>
+              <a:picLocks noChangeAspect="1" noChangeArrowheads="1"/>
+            </p:cNvPicPr>
+            <p:nvPr/>
+          </p:nvPicPr>
+          <p:blipFill>
+            <a:blip r:embed="rId10" cstate="print">
+              <a:extLst>
+                <a:ext uri="{28A0092B-C50C-407E-A947-70E740481C1C}">
+                  <a14:useLocalDpi xmlns:a14="http://schemas.microsoft.com/office/drawing/2010/main" val="0"/>
+                </a:ext>
+              </a:extLst>
+            </a:blip>
+            <a:srcRect/>
+            <a:stretch>
+              <a:fillRect/>
+            </a:stretch>
+          </p:blipFill>
+          <p:spPr bwMode="auto">
+            <a:xfrm>
+              <a:off x="7325024" y="2578184"/>
+              <a:ext cx="345434" cy="345434"/>
+            </a:xfrm>
+            <a:prstGeom prst="rect">
+              <a:avLst/>
+            </a:prstGeom>
+            <a:noFill/>
+            <a:extLst>
+              <a:ext uri="{909E8E84-426E-40DD-AFC4-6F175D3DCCD1}">
+                <a14:hiddenFill xmlns:a14="http://schemas.microsoft.com/office/drawing/2010/main">
+                  <a:solidFill>
+                    <a:srgbClr val="FFFFFF"/>
+                  </a:solidFill>
+                </a14:hiddenFill>
+              </a:ext>
+            </a:extLst>
+          </p:spPr>
+        </p:pic>
+        <p:pic>
+          <p:nvPicPr>
+            <p:cNvPr id="5142" name="Picture 22" descr="http://drstaceynaito.files.wordpress.com/2013/12/social-media-logos.jpg"/>
+            <p:cNvPicPr>
+              <a:picLocks noChangeAspect="1" noChangeArrowheads="1"/>
+            </p:cNvPicPr>
+            <p:nvPr/>
+          </p:nvPicPr>
+          <p:blipFill>
+            <a:blip r:embed="rId11" cstate="print">
+              <a:extLst>
+                <a:ext uri="{28A0092B-C50C-407E-A947-70E740481C1C}">
+                  <a14:useLocalDpi xmlns:a14="http://schemas.microsoft.com/office/drawing/2010/main" val="0"/>
+                </a:ext>
+              </a:extLst>
+            </a:blip>
+            <a:srcRect/>
+            <a:stretch>
+              <a:fillRect/>
+            </a:stretch>
+          </p:blipFill>
+          <p:spPr bwMode="auto">
+            <a:xfrm>
+              <a:off x="6376279" y="1899049"/>
+              <a:ext cx="878011" cy="647713"/>
+            </a:xfrm>
+            <a:prstGeom prst="rect">
+              <a:avLst/>
+            </a:prstGeom>
+            <a:noFill/>
+            <a:extLst>
+              <a:ext uri="{909E8E84-426E-40DD-AFC4-6F175D3DCCD1}">
+                <a14:hiddenFill xmlns:a14="http://schemas.microsoft.com/office/drawing/2010/main">
+                  <a:solidFill>
+                    <a:srgbClr val="FFFFFF"/>
+                  </a:solidFill>
+                </a14:hiddenFill>
+              </a:ext>
+            </a:extLst>
+          </p:spPr>
+        </p:pic>
+        <p:pic>
+          <p:nvPicPr>
+            <p:cNvPr id="5144" name="Picture 24" descr="http://www.transparencia.mg.gov.br/images/stories/csv-logo.png"/>
+            <p:cNvPicPr>
+              <a:picLocks noChangeAspect="1" noChangeArrowheads="1"/>
+            </p:cNvPicPr>
+            <p:nvPr/>
+          </p:nvPicPr>
+          <p:blipFill>
+            <a:blip r:embed="rId12" cstate="print">
+              <a:extLst>
+                <a:ext uri="{28A0092B-C50C-407E-A947-70E740481C1C}">
+                  <a14:useLocalDpi xmlns:a14="http://schemas.microsoft.com/office/drawing/2010/main" val="0"/>
+                </a:ext>
+              </a:extLst>
+            </a:blip>
+            <a:srcRect/>
+            <a:stretch>
+              <a:fillRect/>
+            </a:stretch>
+          </p:blipFill>
+          <p:spPr bwMode="auto">
+            <a:xfrm>
+              <a:off x="6846183" y="2571394"/>
+              <a:ext cx="360853" cy="360853"/>
+            </a:xfrm>
+            <a:prstGeom prst="rect">
+              <a:avLst/>
+            </a:prstGeom>
+            <a:noFill/>
+            <a:extLst>
+              <a:ext uri="{909E8E84-426E-40DD-AFC4-6F175D3DCCD1}">
+                <a14:hiddenFill xmlns:a14="http://schemas.microsoft.com/office/drawing/2010/main">
+                  <a:solidFill>
+                    <a:srgbClr val="FFFFFF"/>
+                  </a:solidFill>
+                </a14:hiddenFill>
+              </a:ext>
+            </a:extLst>
+          </p:spPr>
+        </p:pic>
+        <p:pic>
+          <p:nvPicPr>
+            <p:cNvPr id="5146" name="Picture 26" descr="https://www.west-wind.com/wsdlgenerator/images/WebService_128.png"/>
+            <p:cNvPicPr>
+              <a:picLocks noChangeAspect="1" noChangeArrowheads="1"/>
+            </p:cNvPicPr>
+            <p:nvPr/>
+          </p:nvPicPr>
+          <p:blipFill>
+            <a:blip r:embed="rId13" cstate="print">
+              <a:extLst>
+                <a:ext uri="{28A0092B-C50C-407E-A947-70E740481C1C}">
+                  <a14:useLocalDpi xmlns:a14="http://schemas.microsoft.com/office/drawing/2010/main" val="0"/>
+                </a:ext>
+              </a:extLst>
+            </a:blip>
+            <a:srcRect/>
+            <a:stretch>
+              <a:fillRect/>
+            </a:stretch>
+          </p:blipFill>
+          <p:spPr bwMode="auto">
+            <a:xfrm>
+              <a:off x="6384843" y="2574959"/>
+              <a:ext cx="393949" cy="393949"/>
+            </a:xfrm>
+            <a:prstGeom prst="rect">
+              <a:avLst/>
+            </a:prstGeom>
+            <a:noFill/>
+            <a:extLst>
+              <a:ext uri="{909E8E84-426E-40DD-AFC4-6F175D3DCCD1}">
+                <a14:hiddenFill xmlns:a14="http://schemas.microsoft.com/office/drawing/2010/main">
+                  <a:solidFill>
+                    <a:srgbClr val="FFFFFF"/>
+                  </a:solidFill>
+                </a14:hiddenFill>
+              </a:ext>
+            </a:extLst>
+          </p:spPr>
+        </p:pic>
+        <p:pic>
+          <p:nvPicPr>
+            <p:cNvPr id="5150" name="Picture 30" descr="http://simpleicon.com/wp-content/uploads/users.png"/>
+            <p:cNvPicPr>
+              <a:picLocks noChangeAspect="1" noChangeArrowheads="1"/>
+            </p:cNvPicPr>
+            <p:nvPr/>
+          </p:nvPicPr>
+          <p:blipFill>
+            <a:blip r:embed="rId14" cstate="print">
+              <a:extLst>
+                <a:ext uri="{28A0092B-C50C-407E-A947-70E740481C1C}">
+                  <a14:useLocalDpi xmlns:a14="http://schemas.microsoft.com/office/drawing/2010/main" val="0"/>
+                </a:ext>
+              </a:extLst>
+            </a:blip>
+            <a:srcRect/>
+            <a:stretch>
+              <a:fillRect/>
+            </a:stretch>
+          </p:blipFill>
+          <p:spPr bwMode="auto">
+            <a:xfrm>
+              <a:off x="6580004" y="4588477"/>
+              <a:ext cx="963163" cy="963163"/>
+            </a:xfrm>
+            <a:prstGeom prst="rect">
+              <a:avLst/>
+            </a:prstGeom>
+            <a:noFill/>
+            <a:extLst>
+              <a:ext uri="{909E8E84-426E-40DD-AFC4-6F175D3DCCD1}">
+                <a14:hiddenFill xmlns:a14="http://schemas.microsoft.com/office/drawing/2010/main">
+                  <a:solidFill>
+                    <a:srgbClr val="FFFFFF"/>
+                  </a:solidFill>
+                </a14:hiddenFill>
+              </a:ext>
+            </a:extLst>
+          </p:spPr>
+        </p:pic>
+        <p:cxnSp>
+          <p:nvCxnSpPr>
+            <p:cNvPr id="70" name="Conector de seta reta 69"/>
+            <p:cNvCxnSpPr>
+              <a:endCxn id="5150" idx="3"/>
+            </p:cNvCxnSpPr>
+            <p:nvPr/>
+          </p:nvCxnSpPr>
+          <p:spPr>
+            <a:xfrm flipH="1">
+              <a:off x="7543167" y="5063442"/>
+              <a:ext cx="1011916" cy="6617"/>
+            </a:xfrm>
+            <a:prstGeom prst="straightConnector1">
+              <a:avLst/>
+            </a:prstGeom>
+            <a:ln w="57150">
+              <a:solidFill>
+                <a:schemeClr val="tx1"/>
+              </a:solidFill>
+              <a:tailEnd type="triangle"/>
+            </a:ln>
+          </p:spPr>
+          <p:style>
+            <a:lnRef idx="1">
+              <a:schemeClr val="accent1"/>
+            </a:lnRef>
+            <a:fillRef idx="0">
+              <a:schemeClr val="accent1"/>
+            </a:fillRef>
+            <a:effectRef idx="0">
+              <a:schemeClr val="accent1"/>
+            </a:effectRef>
+            <a:fontRef idx="minor">
+              <a:schemeClr val="tx1"/>
+            </a:fontRef>
+          </p:style>
+        </p:cxnSp>
+        <p:pic>
+          <p:nvPicPr>
+            <p:cNvPr id="77" name="Picture 2" descr="https://upload.wikimedia.org/wikipedia/en/c/c1/Pentaho_new_logo_2013.png"/>
+            <p:cNvPicPr>
+              <a:picLocks noChangeAspect="1" noChangeArrowheads="1"/>
+            </p:cNvPicPr>
+            <p:nvPr/>
+          </p:nvPicPr>
+          <p:blipFill>
+            <a:blip r:embed="rId15" cstate="print">
+              <a:extLst>
+                <a:ext uri="{28A0092B-C50C-407E-A947-70E740481C1C}">
+                  <a14:useLocalDpi xmlns:a14="http://schemas.microsoft.com/office/drawing/2010/main" val="0"/>
+                </a:ext>
+              </a:extLst>
+            </a:blip>
+            <a:srcRect/>
+            <a:stretch>
+              <a:fillRect/>
+            </a:stretch>
+          </p:blipFill>
+          <p:spPr bwMode="auto">
+            <a:xfrm>
+              <a:off x="8789433" y="3462413"/>
+              <a:ext cx="1024730" cy="273749"/>
+            </a:xfrm>
+            <a:prstGeom prst="rect">
+              <a:avLst/>
+            </a:prstGeom>
+            <a:noFill/>
+            <a:extLst>
+              <a:ext uri="{909E8E84-426E-40DD-AFC4-6F175D3DCCD1}">
+                <a14:hiddenFill xmlns:a14="http://schemas.microsoft.com/office/drawing/2010/main">
+                  <a:solidFill>
+                    <a:srgbClr val="FFFFFF"/>
+                  </a:solidFill>
+                </a14:hiddenFill>
+              </a:ext>
+            </a:extLst>
+          </p:spPr>
+        </p:pic>
+      </p:grpSp>
     </p:spTree>
     <p:extLst>
       <p:ext uri="{BB962C8B-B14F-4D97-AF65-F5344CB8AC3E}">
@@ -16080,7 +16591,63 @@
                   <a:schemeClr val="bg1"/>
                 </a:solidFill>
               </a:rPr>
-              <a:t> – Ocorrências aeronáuticas</a:t>
+              <a:t> </a:t>
+            </a:r>
+            <a:r>
+              <a:rPr lang="pt-BR" sz="3200" b="1" dirty="0">
+                <a:solidFill>
+                  <a:schemeClr val="bg1"/>
+                </a:solidFill>
+              </a:rPr>
+              <a:t>– </a:t>
+            </a:r>
+            <a:r>
+              <a:rPr lang="pt-BR" sz="3200" b="1" dirty="0" err="1" smtClean="0">
+                <a:solidFill>
+                  <a:schemeClr val="bg1"/>
+                </a:solidFill>
+              </a:rPr>
+              <a:t>Aeronautical</a:t>
+            </a:r>
+            <a:r>
+              <a:rPr lang="pt-BR" sz="3200" b="1" dirty="0" smtClean="0">
+                <a:solidFill>
+                  <a:schemeClr val="bg1"/>
+                </a:solidFill>
+              </a:rPr>
+              <a:t> </a:t>
+            </a:r>
+            <a:r>
+              <a:rPr lang="pt-BR" sz="3200" b="1" dirty="0" err="1" smtClean="0">
+                <a:solidFill>
+                  <a:schemeClr val="bg1"/>
+                </a:solidFill>
+              </a:rPr>
+              <a:t>Accident</a:t>
+            </a:r>
+            <a:r>
+              <a:rPr lang="pt-BR" sz="3200" b="1" dirty="0" smtClean="0">
+                <a:solidFill>
+                  <a:schemeClr val="bg1"/>
+                </a:solidFill>
+              </a:rPr>
+              <a:t> </a:t>
+            </a:r>
+            <a:r>
+              <a:rPr lang="pt-BR" sz="3200" b="1" dirty="0">
+                <a:solidFill>
+                  <a:schemeClr val="bg1"/>
+                </a:solidFill>
+              </a:rPr>
+              <a:t>&amp; </a:t>
+            </a:r>
+            <a:r>
+              <a:rPr lang="pt-BR" sz="3200" b="1" dirty="0" err="1">
+                <a:solidFill>
+                  <a:schemeClr val="bg1"/>
+                </a:solidFill>
+              </a:rPr>
+              <a:t>Incident</a:t>
             </a:r>
             <a:endParaRPr lang="pt-BR" sz="3200" b="1" dirty="0">
               <a:solidFill>
@@ -16409,7 +16976,7 @@
               <p:nvPr>
                 <p:extLst>
                   <p:ext uri="{D42A27DB-BD31-4B8C-83A1-F6EECF244321}">
-                    <p14:modId xmlns:p14="http://schemas.microsoft.com/office/powerpoint/2010/main" val="504748264"/>
+                    <p14:modId xmlns:p14="http://schemas.microsoft.com/office/powerpoint/2010/main" val="538369175"/>
                   </p:ext>
                 </p:extLst>
               </p:nvPr>
@@ -16420,7 +16987,7 @@
             </p:xfrm>
             <a:graphic>
               <a:graphicData uri="http://schemas.openxmlformats.org/drawingml/2006/diagram">
-                <dgm:relIds xmlns:dgm="http://schemas.openxmlformats.org/drawingml/2006/diagram" xmlns:r="http://schemas.openxmlformats.org/officeDocument/2006/relationships" r:dm="rId2" r:lo="rId3" r:qs="rId4" r:cs="rId5"/>
+                <dgm:relIds xmlns:dgm="http://schemas.openxmlformats.org/drawingml/2006/diagram" xmlns:r="http://schemas.openxmlformats.org/officeDocument/2006/relationships" r:dm="rId3" r:lo="rId4" r:qs="rId5" r:cs="rId6"/>
               </a:graphicData>
             </a:graphic>
           </p:graphicFrame>
@@ -16432,8 +16999,8 @@
             </p:nvSpPr>
             <p:spPr>
               <a:xfrm>
-                <a:off x="4906850" y="2002666"/>
-                <a:ext cx="1983346" cy="1912512"/>
+                <a:off x="4742416" y="1841603"/>
+                <a:ext cx="2226457" cy="2115766"/>
               </a:xfrm>
               <a:prstGeom prst="ellipse">
                 <a:avLst/>
@@ -16467,13 +17034,26 @@
               <a:p>
                 <a:pPr algn="ctr"/>
                 <a:r>
-                  <a:rPr lang="pt-BR" b="1" dirty="0">
+                  <a:rPr lang="pt-BR" b="1" dirty="0" smtClean="0">
                     <a:solidFill>
                       <a:schemeClr val="bg1"/>
                     </a:solidFill>
                   </a:rPr>
-                  <a:t>Requisitos de Negócio</a:t>
+                  <a:t>Business </a:t>
                 </a:r>
+                <a:r>
+                  <a:rPr lang="pt-BR" b="1" dirty="0" err="1" smtClean="0">
+                    <a:solidFill>
+                      <a:schemeClr val="bg1"/>
+                    </a:solidFill>
+                  </a:rPr>
+                  <a:t>Requirements</a:t>
+                </a:r>
+                <a:endParaRPr lang="pt-BR" b="1" dirty="0">
+                  <a:solidFill>
+                    <a:schemeClr val="bg1"/>
+                  </a:solidFill>
+                </a:endParaRPr>
               </a:p>
             </p:txBody>
           </p:sp>
@@ -16553,7 +17133,7 @@
             <a:lstStyle/>
             <a:p>
               <a:r>
-                <a:rPr lang="pt-BR" sz="2400" b="1" dirty="0" smtClean="0">
+                <a:rPr lang="pt-BR" sz="2400" b="1" dirty="0" err="1" smtClean="0">
                   <a:solidFill>
                     <a:schemeClr val="tx1">
                       <a:lumMod val="50000"/>
@@ -16561,7 +17141,7 @@
                     </a:schemeClr>
                   </a:solidFill>
                 </a:rPr>
-                <a:t>Usuário</a:t>
+                <a:t>User</a:t>
               </a:r>
               <a:endParaRPr lang="pt-BR" sz="2400" b="1" dirty="0">
                 <a:solidFill>
@@ -16779,7 +17359,7 @@
                   </a:schemeClr>
                 </a:solidFill>
               </a:rPr>
-              <a:t>Dados</a:t>
+              <a:t>Data</a:t>
             </a:r>
             <a:endParaRPr lang="pt-BR" sz="2400" b="1" dirty="0">
               <a:solidFill>
@@ -16820,7 +17400,7 @@
           <a:lstStyle/>
           <a:p>
             <a:r>
-              <a:rPr lang="pt-BR" sz="2400" b="1" dirty="0" smtClean="0">
+              <a:rPr lang="pt-BR" sz="2400" b="1" dirty="0" err="1" smtClean="0">
                 <a:solidFill>
                   <a:schemeClr val="tx1">
                     <a:lumMod val="50000"/>
@@ -16828,7 +17408,7 @@
                   </a:schemeClr>
                 </a:solidFill>
               </a:rPr>
-              <a:t>Informação</a:t>
+              <a:t>Information</a:t>
             </a:r>
             <a:endParaRPr lang="pt-BR" sz="2400" b="1" dirty="0">
               <a:solidFill>
@@ -17039,7 +17619,7 @@
           <a:lstStyle/>
           <a:p>
             <a:r>
-              <a:rPr lang="pt-BR" sz="2400" b="1" dirty="0" smtClean="0">
+              <a:rPr lang="pt-BR" sz="2400" b="1" dirty="0" err="1" smtClean="0">
                 <a:solidFill>
                   <a:schemeClr val="tx1">
                     <a:lumMod val="50000"/>
@@ -17047,7 +17627,7 @@
                   </a:schemeClr>
                 </a:solidFill>
               </a:rPr>
-              <a:t>Conhecimento</a:t>
+              <a:t>Knowledge</a:t>
             </a:r>
             <a:endParaRPr lang="pt-BR" sz="2400" b="1" dirty="0">
               <a:solidFill>
@@ -17105,30 +17685,6 @@
           <a:chExt cx="0" cy="0"/>
         </a:xfrm>
       </p:grpSpPr>
-      <p:pic>
-        <p:nvPicPr>
-          <p:cNvPr id="11" name="Imagem 10"/>
-          <p:cNvPicPr>
-            <a:picLocks noChangeAspect="1"/>
-          </p:cNvPicPr>
-          <p:nvPr/>
-        </p:nvPicPr>
-        <p:blipFill>
-          <a:blip r:embed="rId2"/>
-          <a:stretch>
-            <a:fillRect/>
-          </a:stretch>
-        </p:blipFill>
-        <p:spPr>
-          <a:xfrm>
-            <a:off x="2833351" y="1097711"/>
-            <a:ext cx="6056995" cy="5523738"/>
-          </a:xfrm>
-          <a:prstGeom prst="rect">
-            <a:avLst/>
-          </a:prstGeom>
-        </p:spPr>
-      </p:pic>
       <p:sp>
         <p:nvSpPr>
           <p:cNvPr id="35" name="Retângulo 34"/>
@@ -17216,6 +17772,30 @@
           </a:p>
         </p:txBody>
       </p:sp>
+      <p:pic>
+        <p:nvPicPr>
+          <p:cNvPr id="2" name="Imagem 1"/>
+          <p:cNvPicPr>
+            <a:picLocks noChangeAspect="1"/>
+          </p:cNvPicPr>
+          <p:nvPr/>
+        </p:nvPicPr>
+        <p:blipFill>
+          <a:blip r:embed="rId2"/>
+          <a:stretch>
+            <a:fillRect/>
+          </a:stretch>
+        </p:blipFill>
+        <p:spPr>
+          <a:xfrm>
+            <a:off x="2848708" y="748573"/>
+            <a:ext cx="6460202" cy="5891447"/>
+          </a:xfrm>
+          <a:prstGeom prst="rect">
+            <a:avLst/>
+          </a:prstGeom>
+        </p:spPr>
+      </p:pic>
     </p:spTree>
     <p:extLst>
       <p:ext uri="{BB962C8B-B14F-4D97-AF65-F5344CB8AC3E}">
@@ -17322,7 +17902,7 @@
                   <a:schemeClr val="bg1"/>
                 </a:solidFill>
               </a:rPr>
-              <a:t>Estudo de Caso - </a:t>
+              <a:t>CASE STUDY- </a:t>
             </a:r>
             <a:r>
               <a:rPr lang="pt-BR" sz="3200" b="1" dirty="0">
@@ -17343,8 +17923,8 @@
         </p:nvSpPr>
         <p:spPr>
           <a:xfrm>
-            <a:off x="624624" y="1498732"/>
-            <a:ext cx="11172423" cy="1754326"/>
+            <a:off x="509787" y="1367554"/>
+            <a:ext cx="11172423" cy="1200329"/>
           </a:xfrm>
           <a:prstGeom prst="rect">
             <a:avLst/>
@@ -17365,7 +17945,17 @@
                 <a:effectLst/>
                 <a:latin typeface="Helvetica Neue"/>
               </a:rPr>
-              <a:t>EDW CENIPA é um projeto </a:t>
+              <a:t>EDW CENIPA </a:t>
+            </a:r>
+            <a:r>
+              <a:rPr lang="pt-BR" b="0" i="0" dirty="0" smtClean="0">
+                <a:solidFill>
+                  <a:srgbClr val="333333"/>
+                </a:solidFill>
+                <a:effectLst/>
+                <a:latin typeface="Helvetica Neue"/>
+              </a:rPr>
+              <a:t> </a:t>
             </a:r>
             <a:r>
               <a:rPr lang="pt-BR" b="0" i="0" dirty="0" err="1" smtClean="0">
@@ -17375,6 +17965,26 @@
                 <a:effectLst/>
                 <a:latin typeface="Helvetica Neue"/>
               </a:rPr>
+              <a:t>is</a:t>
+            </a:r>
+            <a:r>
+              <a:rPr lang="pt-BR" b="0" i="0" dirty="0" smtClean="0">
+                <a:solidFill>
+                  <a:srgbClr val="333333"/>
+                </a:solidFill>
+                <a:effectLst/>
+                <a:latin typeface="Helvetica Neue"/>
+              </a:rPr>
+              <a:t> a </a:t>
+            </a:r>
+            <a:r>
+              <a:rPr lang="pt-BR" b="0" i="0" dirty="0" err="1" smtClean="0">
+                <a:solidFill>
+                  <a:srgbClr val="333333"/>
+                </a:solidFill>
+                <a:effectLst/>
+                <a:latin typeface="Helvetica Neue"/>
+              </a:rPr>
               <a:t>opensource</a:t>
             </a:r>
             <a:r>
@@ -17385,7 +17995,7 @@
                 <a:effectLst/>
                 <a:latin typeface="Helvetica Neue"/>
               </a:rPr>
-              <a:t>, criado para prover análises dinâmicas de ocorrências aeronáuticas, ocorridas na aviação civil brasileira. O projeto utiliza técnicas e ferramentas de BI, explorando tecnologias inovadoras e de baixo custo. Historicamente, plataformas de Business </a:t>
+              <a:t> </a:t>
             </a:r>
             <a:r>
               <a:rPr lang="pt-BR" b="0" i="0" dirty="0" err="1" smtClean="0">
@@ -17395,7 +18005,7 @@
                 <a:effectLst/>
                 <a:latin typeface="Helvetica Neue"/>
               </a:rPr>
-              <a:t>Intelligence</a:t>
+              <a:t>project</a:t>
             </a:r>
             <a:r>
               <a:rPr lang="pt-BR" b="0" i="0" dirty="0" smtClean="0">
@@ -17405,9 +18015,309 @@
                 <a:effectLst/>
                 <a:latin typeface="Helvetica Neue"/>
               </a:rPr>
-              <a:t> são caras e inviáveis para pequenos projetos. Esses projetos exigem qualificação especializada e custos altos de desenvolvimento. Este trabalho tem a pretensão de quebrar um pouco esta barreira. O que não significa pouca dedicação, empenho e esforço.</a:t>
-            </a:r>
-            <a:endParaRPr lang="pt-BR" dirty="0"/>
+              <a:t> </a:t>
+            </a:r>
+            <a:r>
+              <a:rPr lang="pt-BR" b="0" i="0" dirty="0" err="1" smtClean="0">
+                <a:solidFill>
+                  <a:srgbClr val="333333"/>
+                </a:solidFill>
+                <a:effectLst/>
+                <a:latin typeface="Helvetica Neue"/>
+              </a:rPr>
+              <a:t>designed</a:t>
+            </a:r>
+            <a:r>
+              <a:rPr lang="pt-BR" b="0" i="0" dirty="0" smtClean="0">
+                <a:solidFill>
+                  <a:srgbClr val="333333"/>
+                </a:solidFill>
+                <a:effectLst/>
+                <a:latin typeface="Helvetica Neue"/>
+              </a:rPr>
+              <a:t> </a:t>
+            </a:r>
+            <a:r>
+              <a:rPr lang="pt-BR" b="0" i="0" dirty="0" err="1" smtClean="0">
+                <a:solidFill>
+                  <a:srgbClr val="333333"/>
+                </a:solidFill>
+                <a:effectLst/>
+                <a:latin typeface="Helvetica Neue"/>
+              </a:rPr>
+              <a:t>to</a:t>
+            </a:r>
+            <a:r>
+              <a:rPr lang="pt-BR" b="0" i="0" dirty="0" smtClean="0">
+                <a:solidFill>
+                  <a:srgbClr val="333333"/>
+                </a:solidFill>
+                <a:effectLst/>
+                <a:latin typeface="Helvetica Neue"/>
+              </a:rPr>
+              <a:t> </a:t>
+            </a:r>
+            <a:r>
+              <a:rPr lang="pt-BR" b="0" i="0" dirty="0" err="1" smtClean="0">
+                <a:solidFill>
+                  <a:srgbClr val="333333"/>
+                </a:solidFill>
+                <a:effectLst/>
+                <a:latin typeface="Helvetica Neue"/>
+              </a:rPr>
+              <a:t>enable</a:t>
+            </a:r>
+            <a:r>
+              <a:rPr lang="pt-BR" b="0" i="0" dirty="0" smtClean="0">
+                <a:solidFill>
+                  <a:srgbClr val="333333"/>
+                </a:solidFill>
+                <a:effectLst/>
+                <a:latin typeface="Helvetica Neue"/>
+              </a:rPr>
+              <a:t> </a:t>
+            </a:r>
+            <a:r>
+              <a:rPr lang="pt-BR" b="0" i="0" dirty="0" err="1" smtClean="0">
+                <a:solidFill>
+                  <a:srgbClr val="333333"/>
+                </a:solidFill>
+                <a:effectLst/>
+                <a:latin typeface="Helvetica Neue"/>
+              </a:rPr>
+              <a:t>analysis</a:t>
+            </a:r>
+            <a:r>
+              <a:rPr lang="pt-BR" b="0" i="0" dirty="0" smtClean="0">
+                <a:solidFill>
+                  <a:srgbClr val="333333"/>
+                </a:solidFill>
+                <a:effectLst/>
+                <a:latin typeface="Helvetica Neue"/>
+              </a:rPr>
+              <a:t> </a:t>
+            </a:r>
+            <a:r>
+              <a:rPr lang="pt-BR" b="0" i="0" dirty="0" err="1" smtClean="0">
+                <a:solidFill>
+                  <a:srgbClr val="333333"/>
+                </a:solidFill>
+                <a:effectLst/>
+                <a:latin typeface="Helvetica Neue"/>
+              </a:rPr>
+              <a:t>of</a:t>
+            </a:r>
+            <a:r>
+              <a:rPr lang="pt-BR" b="0" i="0" dirty="0" smtClean="0">
+                <a:solidFill>
+                  <a:srgbClr val="333333"/>
+                </a:solidFill>
+                <a:effectLst/>
+                <a:latin typeface="Helvetica Neue"/>
+              </a:rPr>
+              <a:t> </a:t>
+            </a:r>
+            <a:r>
+              <a:rPr lang="pt-BR" b="0" i="0" dirty="0" err="1" smtClean="0">
+                <a:solidFill>
+                  <a:srgbClr val="333333"/>
+                </a:solidFill>
+                <a:effectLst/>
+                <a:latin typeface="Helvetica Neue"/>
+              </a:rPr>
+              <a:t>aeronautical</a:t>
+            </a:r>
+            <a:r>
+              <a:rPr lang="pt-BR" b="0" i="0" dirty="0" smtClean="0">
+                <a:solidFill>
+                  <a:srgbClr val="333333"/>
+                </a:solidFill>
+                <a:effectLst/>
+                <a:latin typeface="Helvetica Neue"/>
+              </a:rPr>
+              <a:t> incidentes </a:t>
+            </a:r>
+            <a:r>
+              <a:rPr lang="pt-BR" b="0" i="0" dirty="0" err="1" smtClean="0">
+                <a:solidFill>
+                  <a:srgbClr val="333333"/>
+                </a:solidFill>
+                <a:effectLst/>
+                <a:latin typeface="Helvetica Neue"/>
+              </a:rPr>
+              <a:t>that</a:t>
+            </a:r>
+            <a:r>
+              <a:rPr lang="pt-BR" b="0" i="0" dirty="0" smtClean="0">
+                <a:solidFill>
+                  <a:srgbClr val="333333"/>
+                </a:solidFill>
+                <a:effectLst/>
+                <a:latin typeface="Helvetica Neue"/>
+              </a:rPr>
+              <a:t> </a:t>
+            </a:r>
+            <a:r>
+              <a:rPr lang="pt-BR" b="0" i="0" dirty="0" err="1" smtClean="0">
+                <a:solidFill>
+                  <a:srgbClr val="333333"/>
+                </a:solidFill>
+                <a:effectLst/>
+                <a:latin typeface="Helvetica Neue"/>
+              </a:rPr>
+              <a:t>occured</a:t>
+            </a:r>
+            <a:r>
+              <a:rPr lang="pt-BR" b="0" i="0" dirty="0" smtClean="0">
+                <a:solidFill>
+                  <a:srgbClr val="333333"/>
+                </a:solidFill>
+                <a:effectLst/>
+                <a:latin typeface="Helvetica Neue"/>
+              </a:rPr>
+              <a:t> in </a:t>
+            </a:r>
+            <a:r>
+              <a:rPr lang="pt-BR" b="0" i="0" dirty="0" err="1" smtClean="0">
+                <a:solidFill>
+                  <a:srgbClr val="333333"/>
+                </a:solidFill>
+                <a:effectLst/>
+                <a:latin typeface="Helvetica Neue"/>
+              </a:rPr>
+              <a:t>the</a:t>
+            </a:r>
+            <a:r>
+              <a:rPr lang="pt-BR" b="0" i="0" dirty="0" smtClean="0">
+                <a:solidFill>
+                  <a:srgbClr val="333333"/>
+                </a:solidFill>
+                <a:effectLst/>
+                <a:latin typeface="Helvetica Neue"/>
+              </a:rPr>
+              <a:t> </a:t>
+            </a:r>
+            <a:r>
+              <a:rPr lang="pt-BR" dirty="0" err="1">
+                <a:solidFill>
+                  <a:srgbClr val="333333"/>
+                </a:solidFill>
+                <a:latin typeface="Helvetica Neue"/>
+              </a:rPr>
+              <a:t>b</a:t>
+            </a:r>
+            <a:r>
+              <a:rPr lang="pt-BR" b="0" i="0" dirty="0" err="1" smtClean="0">
+                <a:solidFill>
+                  <a:srgbClr val="333333"/>
+                </a:solidFill>
+                <a:effectLst/>
+                <a:latin typeface="Helvetica Neue"/>
+              </a:rPr>
+              <a:t>razilian</a:t>
+            </a:r>
+            <a:r>
+              <a:rPr lang="pt-BR" b="0" i="0" dirty="0" smtClean="0">
+                <a:solidFill>
+                  <a:srgbClr val="333333"/>
+                </a:solidFill>
+                <a:effectLst/>
+                <a:latin typeface="Helvetica Neue"/>
+              </a:rPr>
+              <a:t> civil </a:t>
+            </a:r>
+            <a:r>
+              <a:rPr lang="pt-BR" b="0" i="0" dirty="0" err="1" smtClean="0">
+                <a:solidFill>
+                  <a:srgbClr val="333333"/>
+                </a:solidFill>
+                <a:effectLst/>
+                <a:latin typeface="Helvetica Neue"/>
+              </a:rPr>
+              <a:t>aviation</a:t>
+            </a:r>
+            <a:r>
+              <a:rPr lang="pt-BR" b="0" i="0" dirty="0" smtClean="0">
+                <a:solidFill>
+                  <a:srgbClr val="333333"/>
+                </a:solidFill>
+                <a:effectLst/>
+                <a:latin typeface="Helvetica Neue"/>
+              </a:rPr>
+              <a:t>. </a:t>
+            </a:r>
+            <a:r>
+              <a:rPr lang="en-US" dirty="0">
+                <a:solidFill>
+                  <a:srgbClr val="333333"/>
+                </a:solidFill>
+                <a:latin typeface="Helvetica Neue"/>
+              </a:rPr>
+              <a:t>The project uses </a:t>
+            </a:r>
+            <a:r>
+              <a:rPr lang="en-US" dirty="0" smtClean="0">
+                <a:solidFill>
+                  <a:srgbClr val="333333"/>
+                </a:solidFill>
+                <a:latin typeface="Helvetica Neue"/>
+              </a:rPr>
+              <a:t>techniques and BI tools that explore </a:t>
+            </a:r>
+            <a:r>
+              <a:rPr lang="en-US" dirty="0">
+                <a:solidFill>
+                  <a:srgbClr val="333333"/>
+                </a:solidFill>
+                <a:latin typeface="Helvetica Neue"/>
+              </a:rPr>
+              <a:t>innovative </a:t>
+            </a:r>
+            <a:r>
+              <a:rPr lang="en-US" dirty="0" smtClean="0">
+                <a:solidFill>
+                  <a:srgbClr val="333333"/>
+                </a:solidFill>
+                <a:latin typeface="Helvetica Neue"/>
+              </a:rPr>
+              <a:t>low-cost </a:t>
+            </a:r>
+            <a:r>
+              <a:rPr lang="en-US" dirty="0">
+                <a:solidFill>
+                  <a:srgbClr val="333333"/>
+                </a:solidFill>
+                <a:latin typeface="Helvetica Neue"/>
+              </a:rPr>
+              <a:t>technologies. Historically, Business Intelligence platforms are expensive and impracticable for small projects. </a:t>
+            </a:r>
+            <a:r>
+              <a:rPr lang="en-US" dirty="0" smtClean="0">
+                <a:solidFill>
+                  <a:srgbClr val="333333"/>
+                </a:solidFill>
+                <a:latin typeface="Helvetica Neue"/>
+              </a:rPr>
+              <a:t>BI projects </a:t>
+            </a:r>
+            <a:r>
+              <a:rPr lang="en-US" dirty="0">
+                <a:solidFill>
+                  <a:srgbClr val="333333"/>
+                </a:solidFill>
+                <a:latin typeface="Helvetica Neue"/>
+              </a:rPr>
+              <a:t>require specialized skills and high development costs. This work aims to break this barrier</a:t>
+            </a:r>
+            <a:r>
+              <a:rPr lang="en-US" dirty="0" smtClean="0">
+                <a:solidFill>
+                  <a:srgbClr val="333333"/>
+                </a:solidFill>
+                <a:latin typeface="Helvetica Neue"/>
+              </a:rPr>
+              <a:t>.</a:t>
+            </a:r>
           </a:p>
         </p:txBody>
       </p:sp>
@@ -17419,8 +18329,8 @@
         </p:nvSpPr>
         <p:spPr>
           <a:xfrm>
-            <a:off x="624624" y="3682843"/>
-            <a:ext cx="11339849" cy="2031325"/>
+            <a:off x="624624" y="3331150"/>
+            <a:ext cx="11339849" cy="1754326"/>
           </a:xfrm>
           <a:prstGeom prst="rect">
             <a:avLst/>
@@ -17433,6 +18343,15 @@
           <a:lstStyle/>
           <a:p>
             <a:r>
+              <a:rPr lang="en-US" dirty="0">
+                <a:solidFill>
+                  <a:srgbClr val="333333"/>
+                </a:solidFill>
+                <a:latin typeface="Helvetica Neue"/>
+              </a:rPr>
+              <a:t>All analyzes are based on open data provided by CENIPA with historical events of the last 10 years </a:t>
+            </a:r>
+            <a:r>
               <a:rPr lang="pt-BR" b="0" i="0" dirty="0" smtClean="0">
                 <a:solidFill>
                   <a:srgbClr val="333333"/>
@@ -17440,10 +18359,8 @@
                 <a:effectLst/>
                 <a:latin typeface="Helvetica Neue"/>
               </a:rPr>
-              <a:t>Todas as análises têm como base os dados abertos fornecidos pelo CENIPA, com histórico de ocorrências dos últimos 10 anos:</a:t>
-            </a:r>
-          </a:p>
-          <a:p>
+              <a:t>:</a:t>
+            </a:r>
             <a:endParaRPr lang="pt-BR" b="0" i="0" dirty="0" smtClean="0">
               <a:solidFill>
                 <a:srgbClr val="333333"/>
@@ -17453,21 +18370,6 @@
             </a:endParaRPr>
           </a:p>
           <a:p>
-            <a:pPr marL="285750" indent="-285750">
-              <a:buFont typeface="Arial" panose="020B0604020202020204" pitchFamily="34" charset="0"/>
-              <a:buChar char="•"/>
-            </a:pPr>
-            <a:r>
-              <a:rPr lang="pt-BR" b="0" i="0" u="none" strike="noStrike" dirty="0" smtClean="0">
-                <a:solidFill>
-                  <a:srgbClr val="4078C0"/>
-                </a:solidFill>
-                <a:effectLst/>
-                <a:latin typeface="Helvetica Neue"/>
-                <a:hlinkClick r:id="rId2"/>
-              </a:rPr>
-              <a:t>http://dados.gov.br/dataset/ocorrencias-aeronauticas-da-aviacao-civil-brasileira</a:t>
-            </a:r>
             <a:endParaRPr lang="pt-BR" b="0" i="0" dirty="0" smtClean="0">
               <a:solidFill>
                 <a:srgbClr val="333333"/>
@@ -17477,6 +18379,30 @@
             </a:endParaRPr>
           </a:p>
           <a:p>
+            <a:pPr marL="285750" indent="-285750">
+              <a:buFont typeface="Arial" panose="020B0604020202020204" pitchFamily="34" charset="0"/>
+              <a:buChar char="•"/>
+            </a:pPr>
+            <a:r>
+              <a:rPr lang="pt-BR" b="0" i="0" u="none" strike="noStrike" dirty="0" smtClean="0">
+                <a:solidFill>
+                  <a:srgbClr val="4078C0"/>
+                </a:solidFill>
+                <a:effectLst/>
+                <a:latin typeface="Helvetica Neue"/>
+                <a:hlinkClick r:id="rId2"/>
+              </a:rPr>
+              <a:t>http://dados.gov.br/dataset/ocorrencias-aeronauticas-da-aviacao-civil-brasileira</a:t>
+            </a:r>
+            <a:endParaRPr lang="pt-BR" b="0" i="0" dirty="0" smtClean="0">
+              <a:solidFill>
+                <a:srgbClr val="333333"/>
+              </a:solidFill>
+              <a:effectLst/>
+              <a:latin typeface="Helvetica Neue"/>
+            </a:endParaRPr>
+          </a:p>
+          <a:p>
             <a:endParaRPr lang="pt-BR" dirty="0">
               <a:solidFill>
                 <a:srgbClr val="333333"/>
@@ -17486,6 +18412,24 @@
           </a:p>
           <a:p>
             <a:r>
+              <a:rPr lang="en-US" dirty="0">
+                <a:solidFill>
+                  <a:srgbClr val="333333"/>
+                </a:solidFill>
+                <a:latin typeface="Helvetica Neue"/>
+              </a:rPr>
+              <a:t>The graphics were inspired by the report available on the </a:t>
+            </a:r>
+            <a:r>
+              <a:rPr lang="en-US" dirty="0" smtClean="0">
+                <a:solidFill>
+                  <a:srgbClr val="333333"/>
+                </a:solidFill>
+                <a:latin typeface="Helvetica Neue"/>
+              </a:rPr>
+              <a:t>link</a:t>
+            </a:r>
+            <a:r>
               <a:rPr lang="pt-BR" b="0" i="0" dirty="0" smtClean="0">
                 <a:solidFill>
                   <a:srgbClr val="333333"/>
@@ -17493,8 +18437,15 @@
                 <a:effectLst/>
                 <a:latin typeface="Helvetica Neue"/>
               </a:rPr>
-              <a:t>Os gráficos foram inspirados no relatório disponibilizado no link:</a:t>
-            </a:r>
+              <a:t>:</a:t>
+            </a:r>
+            <a:endParaRPr lang="pt-BR" b="0" i="0" dirty="0" smtClean="0">
+              <a:solidFill>
+                <a:srgbClr val="333333"/>
+              </a:solidFill>
+              <a:effectLst/>
+              <a:latin typeface="Helvetica Neue"/>
+            </a:endParaRPr>
           </a:p>
           <a:p>
             <a:pPr marL="285750" indent="-285750">
@@ -17673,7 +18624,7 @@
                   <a:schemeClr val="bg1"/>
                 </a:solidFill>
               </a:rPr>
-              <a:t>Recursos</a:t>
+              <a:t>Tools</a:t>
             </a:r>
             <a:endParaRPr lang="pt-BR" sz="3200" b="1" dirty="0">
               <a:solidFill>
@@ -17692,7 +18643,7 @@
         <p:spPr>
           <a:xfrm>
             <a:off x="613892" y="1189639"/>
-            <a:ext cx="10410423" cy="3385542"/>
+            <a:ext cx="10410423" cy="3539430"/>
           </a:xfrm>
           <a:prstGeom prst="rect">
             <a:avLst/>
@@ -17706,15 +18657,39 @@
           <a:p>
             <a:pPr algn="just"/>
             <a:r>
-              <a:rPr lang="pt-BR" sz="1600" b="0" i="0" dirty="0" smtClean="0">
-                <a:solidFill>
-                  <a:srgbClr val="333333"/>
-                </a:solidFill>
-                <a:effectLst/>
+              <a:rPr lang="en-US" sz="1600" dirty="0">
+                <a:solidFill>
+                  <a:srgbClr val="333333"/>
+                </a:solidFill>
                 <a:latin typeface="Helvetica Neue"/>
               </a:rPr>
-              <a:t>Seguem alguns serviços, ferramentas e plataformas que foram utilizados para desenvolver e implantar o projeto:</a:t>
-            </a:r>
+              <a:t>Here are some </a:t>
+            </a:r>
+            <a:r>
+              <a:rPr lang="en-US" sz="1600" dirty="0" smtClean="0">
+                <a:solidFill>
+                  <a:srgbClr val="333333"/>
+                </a:solidFill>
+                <a:latin typeface="Helvetica Neue"/>
+              </a:rPr>
+              <a:t>resources, </a:t>
+            </a:r>
+            <a:r>
+              <a:rPr lang="en-US" sz="1600" dirty="0">
+                <a:solidFill>
+                  <a:srgbClr val="333333"/>
+                </a:solidFill>
+                <a:latin typeface="Helvetica Neue"/>
+              </a:rPr>
+              <a:t>tools and platforms that were used to develop and deploy the project</a:t>
+            </a:r>
+            <a:endParaRPr lang="pt-BR" sz="1600" b="0" i="0" dirty="0" smtClean="0">
+              <a:solidFill>
+                <a:srgbClr val="333333"/>
+              </a:solidFill>
+              <a:effectLst/>
+              <a:latin typeface="Helvetica Neue"/>
+            </a:endParaRPr>
           </a:p>
           <a:p>
             <a:pPr marL="285750" indent="-285750" algn="just">
@@ -17773,8 +18748,14 @@
                 <a:effectLst/>
                 <a:latin typeface="Helvetica Neue"/>
               </a:rPr>
-              <a:t> - Serviços de infraestrutura de nuvem</a:t>
-            </a:r>
+              <a:t> </a:t>
+            </a:r>
+            <a:endParaRPr lang="pt-BR" sz="1600" dirty="0">
+              <a:solidFill>
+                <a:srgbClr val="333333"/>
+              </a:solidFill>
+              <a:latin typeface="Helvetica Neue"/>
+            </a:endParaRPr>
           </a:p>
           <a:p>
             <a:pPr marL="285750" indent="-285750" algn="just">
@@ -17795,14 +18776,31 @@
               <a:buChar char="•"/>
             </a:pPr>
             <a:r>
-              <a:rPr lang="pt-BR" sz="1600" b="0" i="0" dirty="0" smtClean="0">
-                <a:solidFill>
-                  <a:srgbClr val="333333"/>
-                </a:solidFill>
-                <a:effectLst/>
+              <a:rPr lang="pt-BR" sz="1600" dirty="0">
+                <a:solidFill>
+                  <a:srgbClr val="333333"/>
+                </a:solidFill>
                 <a:latin typeface="Helvetica Neue"/>
               </a:rPr>
-              <a:t>Sistema Operacional Linux - </a:t>
+              <a:t>Linux </a:t>
+            </a:r>
+            <a:r>
+              <a:rPr lang="pt-BR" sz="1600" dirty="0" err="1">
+                <a:solidFill>
+                  <a:srgbClr val="333333"/>
+                </a:solidFill>
+                <a:latin typeface="Helvetica Neue"/>
+              </a:rPr>
+              <a:t>Operating</a:t>
+            </a:r>
+            <a:r>
+              <a:rPr lang="pt-BR" sz="1600" dirty="0">
+                <a:solidFill>
+                  <a:srgbClr val="333333"/>
+                </a:solidFill>
+                <a:latin typeface="Helvetica Neue"/>
+              </a:rPr>
+              <a:t> System - </a:t>
             </a:r>
             <a:r>
               <a:rPr lang="pt-BR" sz="1600" b="0" i="0" dirty="0" err="1" smtClean="0">
@@ -17901,34 +18899,42 @@
                 </a:solidFill>
                 <a:latin typeface="Helvetica Neue"/>
               </a:rPr>
-              <a:t>- Serviço de Web </a:t>
-            </a:r>
-            <a:r>
-              <a:rPr lang="pt-BR" sz="1600" dirty="0" err="1">
+              <a:t>- </a:t>
+            </a:r>
+            <a:r>
+              <a:rPr lang="en-US" sz="1600" dirty="0">
                 <a:solidFill>
                   <a:srgbClr val="333333"/>
                 </a:solidFill>
                 <a:latin typeface="Helvetica Neue"/>
               </a:rPr>
-              <a:t>Hosting</a:t>
-            </a:r>
-            <a:r>
-              <a:rPr lang="pt-BR" sz="1600" dirty="0">
+              <a:t>Powerful collaboration, code review, and code management for</a:t>
+            </a:r>
+            <a:br>
+              <a:rPr lang="en-US" sz="1600" dirty="0">
                 <a:solidFill>
                   <a:srgbClr val="333333"/>
                 </a:solidFill>
                 <a:latin typeface="Helvetica Neue"/>
               </a:rPr>
-              <a:t> Compartilhado para projetos que usam o controle de </a:t>
-            </a:r>
-            <a:r>
-              <a:rPr lang="pt-BR" sz="1600" dirty="0" smtClean="0">
+            </a:br>
+            <a:r>
+              <a:rPr lang="en-US" sz="1600" dirty="0">
                 <a:solidFill>
                   <a:srgbClr val="333333"/>
                 </a:solidFill>
                 <a:latin typeface="Helvetica Neue"/>
               </a:rPr>
-              <a:t>versionamento</a:t>
+              <a:t>open source and private </a:t>
+            </a:r>
+            <a:r>
+              <a:rPr lang="en-US" sz="1600" dirty="0">
+                <a:solidFill>
+                  <a:srgbClr val="333333"/>
+                </a:solidFill>
+                <a:latin typeface="Helvetica Neue"/>
+              </a:rPr>
+              <a:t>projects</a:t>
             </a:r>
           </a:p>
           <a:p>
@@ -17987,7 +18993,25 @@
                 <a:effectLst/>
                 <a:latin typeface="Helvetica Neue"/>
               </a:rPr>
-              <a:t> - Plataforma aberta para construir e rodar aplicações distribuídas.</a:t>
+              <a:t> - </a:t>
+            </a:r>
+            <a:r>
+              <a:rPr lang="en-US" sz="1600" dirty="0">
+                <a:solidFill>
+                  <a:srgbClr val="333333"/>
+                </a:solidFill>
+                <a:latin typeface="Helvetica Neue"/>
+              </a:rPr>
+              <a:t>An open platform for distributed applications for developers and </a:t>
+            </a:r>
+            <a:r>
+              <a:rPr lang="en-US" sz="1600" dirty="0">
+                <a:solidFill>
+                  <a:srgbClr val="333333"/>
+                </a:solidFill>
+                <a:latin typeface="Helvetica Neue"/>
+              </a:rPr>
+              <a:t>sysadmins.</a:t>
             </a:r>
           </a:p>
           <a:p>
@@ -18068,58 +19092,32 @@
                 <a:effectLst/>
                 <a:latin typeface="Helvetica Neue"/>
               </a:rPr>
-              <a:t> - Plataforma open </a:t>
-            </a:r>
-            <a:r>
-              <a:rPr lang="pt-BR" sz="1600" b="0" i="0" dirty="0" err="1" smtClean="0">
-                <a:solidFill>
-                  <a:srgbClr val="333333"/>
-                </a:solidFill>
-                <a:effectLst/>
+              <a:t> - </a:t>
+            </a:r>
+            <a:r>
+              <a:rPr lang="en-US" sz="1600" dirty="0">
+                <a:solidFill>
+                  <a:srgbClr val="333333"/>
+                </a:solidFill>
                 <a:latin typeface="Helvetica Neue"/>
               </a:rPr>
-              <a:t>source</a:t>
-            </a:r>
-            <a:r>
-              <a:rPr lang="pt-BR" sz="1600" b="0" i="0" dirty="0" smtClean="0">
-                <a:solidFill>
-                  <a:srgbClr val="333333"/>
-                </a:solidFill>
-                <a:effectLst/>
+              <a:t>Big data integration and analytics </a:t>
+            </a:r>
+            <a:r>
+              <a:rPr lang="en-US" sz="1600" dirty="0" smtClean="0">
+                <a:solidFill>
+                  <a:srgbClr val="333333"/>
+                </a:solidFill>
                 <a:latin typeface="Helvetica Neue"/>
               </a:rPr>
-              <a:t> de Big Data, Data </a:t>
-            </a:r>
-            <a:r>
-              <a:rPr lang="pt-BR" sz="1600" b="0" i="0" dirty="0" err="1" smtClean="0">
-                <a:solidFill>
-                  <a:srgbClr val="333333"/>
-                </a:solidFill>
-                <a:effectLst/>
-                <a:latin typeface="Helvetica Neue"/>
-              </a:rPr>
-              <a:t>Integration</a:t>
-            </a:r>
-            <a:r>
-              <a:rPr lang="pt-BR" sz="1600" b="0" i="0" dirty="0" smtClean="0">
-                <a:solidFill>
-                  <a:srgbClr val="333333"/>
-                </a:solidFill>
-                <a:effectLst/>
-                <a:latin typeface="Helvetica Neue"/>
-              </a:rPr>
-              <a:t> e Business </a:t>
-            </a:r>
-            <a:r>
-              <a:rPr lang="pt-BR" sz="1600" b="0" i="0" dirty="0" err="1" smtClean="0">
-                <a:solidFill>
-                  <a:srgbClr val="333333"/>
-                </a:solidFill>
-                <a:effectLst/>
-                <a:latin typeface="Helvetica Neue"/>
-              </a:rPr>
-              <a:t>Analytics</a:t>
-            </a:r>
+              <a:t>solutions.</a:t>
+            </a:r>
+            <a:endParaRPr lang="pt-BR" sz="1600" dirty="0" err="1">
+              <a:solidFill>
+                <a:srgbClr val="333333"/>
+              </a:solidFill>
+              <a:latin typeface="Helvetica Neue"/>
+            </a:endParaRPr>
           </a:p>
         </p:txBody>
       </p:sp>
@@ -18429,12 +19427,12 @@
           <a:p>
             <a:pPr algn="ctr"/>
             <a:r>
-              <a:rPr lang="pt-BR" sz="3200" b="1" dirty="0" smtClean="0">
+              <a:rPr lang="pt-BR" sz="3200" b="1" dirty="0" err="1" smtClean="0">
                 <a:solidFill>
                   <a:schemeClr val="bg1"/>
                 </a:solidFill>
               </a:rPr>
-              <a:t>Requisitos</a:t>
+              <a:t>Requirements</a:t>
             </a:r>
             <a:endParaRPr lang="pt-BR" sz="3200" b="1" dirty="0">
               <a:solidFill>
@@ -18473,6 +19471,42 @@
               <a:buChar char="•"/>
             </a:pPr>
             <a:r>
+              <a:rPr lang="pt-BR" dirty="0" smtClean="0">
+                <a:solidFill>
+                  <a:srgbClr val="333333"/>
+                </a:solidFill>
+                <a:latin typeface="Helvetica Neue"/>
+              </a:rPr>
+              <a:t>Linux </a:t>
+            </a:r>
+            <a:r>
+              <a:rPr lang="pt-BR" dirty="0" err="1" smtClean="0">
+                <a:solidFill>
+                  <a:srgbClr val="333333"/>
+                </a:solidFill>
+                <a:latin typeface="Helvetica Neue"/>
+              </a:rPr>
+              <a:t>Operating</a:t>
+            </a:r>
+            <a:r>
+              <a:rPr lang="pt-BR" dirty="0" smtClean="0">
+                <a:solidFill>
+                  <a:srgbClr val="333333"/>
+                </a:solidFill>
+                <a:latin typeface="Helvetica Neue"/>
+              </a:rPr>
+              <a:t> </a:t>
+            </a:r>
+            <a:r>
+              <a:rPr lang="pt-BR" dirty="0">
+                <a:solidFill>
+                  <a:srgbClr val="333333"/>
+                </a:solidFill>
+                <a:latin typeface="Helvetica Neue"/>
+              </a:rPr>
+              <a:t>System </a:t>
+            </a:r>
+            <a:r>
               <a:rPr lang="pt-BR" b="0" i="0" dirty="0" smtClean="0">
                 <a:solidFill>
                   <a:srgbClr val="333333"/>
@@ -18480,8 +19514,64 @@
                 <a:effectLst/>
                 <a:latin typeface="Helvetica Neue"/>
               </a:rPr>
-              <a:t>Sistema Operacional com 2GB de RAM e 5GB de espaço em disco</a:t>
-            </a:r>
+              <a:t>4GB RAM </a:t>
+            </a:r>
+            <a:r>
+              <a:rPr lang="pt-BR" dirty="0" err="1" smtClean="0">
+                <a:solidFill>
+                  <a:srgbClr val="333333"/>
+                </a:solidFill>
+                <a:latin typeface="Helvetica Neue"/>
+              </a:rPr>
+              <a:t>and</a:t>
+            </a:r>
+            <a:r>
+              <a:rPr lang="pt-BR" b="0" i="0" dirty="0" smtClean="0">
+                <a:solidFill>
+                  <a:srgbClr val="333333"/>
+                </a:solidFill>
+                <a:effectLst/>
+                <a:latin typeface="Helvetica Neue"/>
+              </a:rPr>
+              <a:t> 10GB </a:t>
+            </a:r>
+            <a:r>
+              <a:rPr lang="pt-BR" b="0" i="0" dirty="0" err="1" smtClean="0">
+                <a:solidFill>
+                  <a:srgbClr val="333333"/>
+                </a:solidFill>
+                <a:effectLst/>
+                <a:latin typeface="Helvetica Neue"/>
+              </a:rPr>
+              <a:t>available</a:t>
+            </a:r>
+            <a:r>
+              <a:rPr lang="pt-BR" b="0" i="0" dirty="0" smtClean="0">
+                <a:solidFill>
+                  <a:srgbClr val="333333"/>
+                </a:solidFill>
+                <a:effectLst/>
+                <a:latin typeface="Helvetica Neue"/>
+              </a:rPr>
+              <a:t> hard disk </a:t>
+            </a:r>
+            <a:r>
+              <a:rPr lang="pt-BR" b="0" i="0" dirty="0" err="1" smtClean="0">
+                <a:solidFill>
+                  <a:srgbClr val="333333"/>
+                </a:solidFill>
+                <a:effectLst/>
+                <a:latin typeface="Helvetica Neue"/>
+              </a:rPr>
+              <a:t>space</a:t>
+            </a:r>
+            <a:endParaRPr lang="pt-BR" b="0" i="0" dirty="0" smtClean="0">
+              <a:solidFill>
+                <a:srgbClr val="333333"/>
+              </a:solidFill>
+              <a:effectLst/>
+              <a:latin typeface="Helvetica Neue"/>
+            </a:endParaRPr>
           </a:p>
           <a:p>
             <a:pPr marL="285750" indent="-285750">
@@ -19450,7 +20540,7 @@
         <p:spPr>
           <a:xfrm>
             <a:off x="485510" y="3866030"/>
-            <a:ext cx="4591770" cy="507831"/>
+            <a:ext cx="4540474" cy="507831"/>
           </a:xfrm>
           <a:prstGeom prst="rect">
             <a:avLst/>
@@ -19468,6 +20558,79 @@
               </a:lnSpc>
             </a:pPr>
             <a:r>
+              <a:rPr lang="pt-BR" b="1" i="0" dirty="0" err="1" smtClean="0">
+                <a:solidFill>
+                  <a:srgbClr val="333333"/>
+                </a:solidFill>
+                <a:effectLst/>
+                <a:latin typeface="Helvetica Neue"/>
+              </a:rPr>
+              <a:t>Fast</a:t>
+            </a:r>
+            <a:r>
+              <a:rPr lang="pt-BR" b="1" dirty="0">
+                <a:solidFill>
+                  <a:srgbClr val="333333"/>
+                </a:solidFill>
+                <a:latin typeface="Helvetica Neue"/>
+              </a:rPr>
+              <a:t> </a:t>
+            </a:r>
+            <a:r>
+              <a:rPr lang="pt-BR" b="1" dirty="0" err="1">
+                <a:solidFill>
+                  <a:srgbClr val="333333"/>
+                </a:solidFill>
+                <a:latin typeface="Helvetica Neue"/>
+              </a:rPr>
+              <a:t>deployment</a:t>
+            </a:r>
+            <a:r>
+              <a:rPr lang="pt-BR" b="1" dirty="0">
+                <a:solidFill>
+                  <a:srgbClr val="333333"/>
+                </a:solidFill>
+                <a:latin typeface="Helvetica Neue"/>
+              </a:rPr>
+              <a:t> </a:t>
+            </a:r>
+            <a:r>
+              <a:rPr lang="pt-BR" b="1" dirty="0" err="1" smtClean="0">
+                <a:solidFill>
+                  <a:srgbClr val="333333"/>
+                </a:solidFill>
+                <a:latin typeface="Helvetica Neue"/>
+              </a:rPr>
+              <a:t>on</a:t>
+            </a:r>
+            <a:r>
+              <a:rPr lang="pt-BR" b="1" dirty="0" smtClean="0">
+                <a:solidFill>
+                  <a:srgbClr val="333333"/>
+                </a:solidFill>
+                <a:latin typeface="Helvetica Neue"/>
+              </a:rPr>
+              <a:t> </a:t>
+            </a:r>
+            <a:r>
+              <a:rPr lang="pt-BR" b="1" dirty="0" err="1" smtClean="0">
+                <a:solidFill>
+                  <a:srgbClr val="333333"/>
+                </a:solidFill>
+                <a:latin typeface="Helvetica Neue"/>
+              </a:rPr>
+              <a:t>Amazon</a:t>
+            </a:r>
+            <a:r>
+              <a:rPr lang="pt-BR" b="1" dirty="0" smtClean="0">
+                <a:solidFill>
+                  <a:srgbClr val="333333"/>
+                </a:solidFill>
+                <a:latin typeface="Helvetica Neue"/>
+              </a:rPr>
+              <a:t> </a:t>
+            </a:r>
+            <a:r>
               <a:rPr lang="pt-BR" b="1" i="0" dirty="0" smtClean="0">
                 <a:solidFill>
                   <a:srgbClr val="333333"/>
@@ -19475,27 +20638,7 @@
                 <a:effectLst/>
                 <a:latin typeface="Helvetica Neue"/>
               </a:rPr>
-              <a:t>Instalação rápida no </a:t>
-            </a:r>
-            <a:r>
-              <a:rPr lang="pt-BR" b="1" i="0" dirty="0" err="1" smtClean="0">
-                <a:solidFill>
-                  <a:srgbClr val="333333"/>
-                </a:solidFill>
-                <a:effectLst/>
-                <a:latin typeface="Helvetica Neue"/>
-              </a:rPr>
-              <a:t>Amazon</a:t>
-            </a:r>
-            <a:r>
-              <a:rPr lang="pt-BR" b="1" i="0" dirty="0" smtClean="0">
-                <a:solidFill>
-                  <a:srgbClr val="333333"/>
-                </a:solidFill>
-                <a:effectLst/>
-                <a:latin typeface="Helvetica Neue"/>
-              </a:rPr>
-              <a:t> Linux AMI </a:t>
+              <a:t>Linux AMI </a:t>
             </a:r>
           </a:p>
         </p:txBody>
